--- a/Presentation/SlidesApresentaçãoProjeto.pptx
+++ b/Presentation/SlidesApresentaçãoProjeto.pptx
@@ -18,9 +18,10 @@
     <p:sldId id="268" r:id="rId12"/>
     <p:sldId id="269" r:id="rId13"/>
     <p:sldId id="271" r:id="rId14"/>
-    <p:sldId id="272" r:id="rId15"/>
-    <p:sldId id="273" r:id="rId16"/>
-    <p:sldId id="274" r:id="rId17"/>
+    <p:sldId id="275" r:id="rId15"/>
+    <p:sldId id="272" r:id="rId16"/>
+    <p:sldId id="273" r:id="rId17"/>
+    <p:sldId id="274" r:id="rId18"/>
   </p:sldIdLst>
   <p:sldSz cx="12192000" cy="6858000"/>
   <p:notesSz cx="6858000" cy="9144000"/>
@@ -119,10 +120,762 @@
       </a:defRPr>
     </a:lvl9pPr>
   </p:defaultTextStyle>
+  <p:extLst>
+    <p:ext uri="{EFAFB233-063F-42B5-8137-9DF3F51BA10A}">
+      <p15:sldGuideLst xmlns:p15="http://schemas.microsoft.com/office/powerpoint/2012/main"/>
+    </p:ext>
+  </p:extLst>
 </p:presentation>
 </file>
 
 <file path=ppt/diagrams/colors1.xml><?xml version="1.0" encoding="utf-8"?>
+<dgm:colorsDef xmlns:dgm="http://schemas.openxmlformats.org/drawingml/2006/diagram" xmlns:a="http://schemas.openxmlformats.org/drawingml/2006/main" uniqueId="urn:microsoft.com/office/officeart/2005/8/colors/accent1_2">
+  <dgm:title val=""/>
+  <dgm:desc val=""/>
+  <dgm:catLst>
+    <dgm:cat type="accent1" pri="11200"/>
+  </dgm:catLst>
+  <dgm:styleLbl name="node0">
+    <dgm:fillClrLst meth="repeat">
+      <a:schemeClr val="accent1"/>
+    </dgm:fillClrLst>
+    <dgm:linClrLst meth="repeat">
+      <a:schemeClr val="lt1"/>
+    </dgm:linClrLst>
+    <dgm:effectClrLst/>
+    <dgm:txLinClrLst/>
+    <dgm:txFillClrLst/>
+    <dgm:txEffectClrLst/>
+  </dgm:styleLbl>
+  <dgm:styleLbl name="alignNode1">
+    <dgm:fillClrLst meth="repeat">
+      <a:schemeClr val="accent1"/>
+    </dgm:fillClrLst>
+    <dgm:linClrLst meth="repeat">
+      <a:schemeClr val="accent1"/>
+    </dgm:linClrLst>
+    <dgm:effectClrLst/>
+    <dgm:txLinClrLst/>
+    <dgm:txFillClrLst/>
+    <dgm:txEffectClrLst/>
+  </dgm:styleLbl>
+  <dgm:styleLbl name="node1">
+    <dgm:fillClrLst meth="repeat">
+      <a:schemeClr val="accent1"/>
+    </dgm:fillClrLst>
+    <dgm:linClrLst meth="repeat">
+      <a:schemeClr val="lt1"/>
+    </dgm:linClrLst>
+    <dgm:effectClrLst/>
+    <dgm:txLinClrLst/>
+    <dgm:txFillClrLst/>
+    <dgm:txEffectClrLst/>
+  </dgm:styleLbl>
+  <dgm:styleLbl name="lnNode1">
+    <dgm:fillClrLst meth="repeat">
+      <a:schemeClr val="accent1"/>
+    </dgm:fillClrLst>
+    <dgm:linClrLst meth="repeat">
+      <a:schemeClr val="lt1"/>
+    </dgm:linClrLst>
+    <dgm:effectClrLst/>
+    <dgm:txLinClrLst/>
+    <dgm:txFillClrLst/>
+    <dgm:txEffectClrLst/>
+  </dgm:styleLbl>
+  <dgm:styleLbl name="vennNode1">
+    <dgm:fillClrLst meth="repeat">
+      <a:schemeClr val="accent1">
+        <a:alpha val="50000"/>
+      </a:schemeClr>
+    </dgm:fillClrLst>
+    <dgm:linClrLst meth="repeat">
+      <a:schemeClr val="lt1"/>
+    </dgm:linClrLst>
+    <dgm:effectClrLst/>
+    <dgm:txLinClrLst/>
+    <dgm:txFillClrLst/>
+    <dgm:txEffectClrLst/>
+  </dgm:styleLbl>
+  <dgm:styleLbl name="node2">
+    <dgm:fillClrLst meth="repeat">
+      <a:schemeClr val="accent1"/>
+    </dgm:fillClrLst>
+    <dgm:linClrLst meth="repeat">
+      <a:schemeClr val="lt1"/>
+    </dgm:linClrLst>
+    <dgm:effectClrLst/>
+    <dgm:txLinClrLst/>
+    <dgm:txFillClrLst/>
+    <dgm:txEffectClrLst/>
+  </dgm:styleLbl>
+  <dgm:styleLbl name="node3">
+    <dgm:fillClrLst meth="repeat">
+      <a:schemeClr val="accent1"/>
+    </dgm:fillClrLst>
+    <dgm:linClrLst meth="repeat">
+      <a:schemeClr val="lt1"/>
+    </dgm:linClrLst>
+    <dgm:effectClrLst/>
+    <dgm:txLinClrLst/>
+    <dgm:txFillClrLst/>
+    <dgm:txEffectClrLst/>
+  </dgm:styleLbl>
+  <dgm:styleLbl name="node4">
+    <dgm:fillClrLst meth="repeat">
+      <a:schemeClr val="accent1"/>
+    </dgm:fillClrLst>
+    <dgm:linClrLst meth="repeat">
+      <a:schemeClr val="lt1"/>
+    </dgm:linClrLst>
+    <dgm:effectClrLst/>
+    <dgm:txLinClrLst/>
+    <dgm:txFillClrLst/>
+    <dgm:txEffectClrLst/>
+  </dgm:styleLbl>
+  <dgm:styleLbl name="fgImgPlace1">
+    <dgm:fillClrLst meth="repeat">
+      <a:schemeClr val="accent1">
+        <a:tint val="50000"/>
+      </a:schemeClr>
+    </dgm:fillClrLst>
+    <dgm:linClrLst meth="repeat">
+      <a:schemeClr val="lt1"/>
+    </dgm:linClrLst>
+    <dgm:effectClrLst/>
+    <dgm:txLinClrLst/>
+    <dgm:txFillClrLst meth="repeat">
+      <a:schemeClr val="lt1"/>
+    </dgm:txFillClrLst>
+    <dgm:txEffectClrLst/>
+  </dgm:styleLbl>
+  <dgm:styleLbl name="alignImgPlace1">
+    <dgm:fillClrLst meth="repeat">
+      <a:schemeClr val="accent1">
+        <a:tint val="50000"/>
+      </a:schemeClr>
+    </dgm:fillClrLst>
+    <dgm:linClrLst meth="repeat">
+      <a:schemeClr val="lt1"/>
+    </dgm:linClrLst>
+    <dgm:effectClrLst/>
+    <dgm:txLinClrLst/>
+    <dgm:txFillClrLst meth="repeat">
+      <a:schemeClr val="lt1"/>
+    </dgm:txFillClrLst>
+    <dgm:txEffectClrLst/>
+  </dgm:styleLbl>
+  <dgm:styleLbl name="bgImgPlace1">
+    <dgm:fillClrLst meth="repeat">
+      <a:schemeClr val="accent1">
+        <a:tint val="50000"/>
+      </a:schemeClr>
+    </dgm:fillClrLst>
+    <dgm:linClrLst meth="repeat">
+      <a:schemeClr val="lt1"/>
+    </dgm:linClrLst>
+    <dgm:effectClrLst/>
+    <dgm:txLinClrLst/>
+    <dgm:txFillClrLst meth="repeat">
+      <a:schemeClr val="lt1"/>
+    </dgm:txFillClrLst>
+    <dgm:txEffectClrLst/>
+  </dgm:styleLbl>
+  <dgm:styleLbl name="sibTrans2D1">
+    <dgm:fillClrLst meth="repeat">
+      <a:schemeClr val="accent1">
+        <a:tint val="60000"/>
+      </a:schemeClr>
+    </dgm:fillClrLst>
+    <dgm:linClrLst meth="repeat">
+      <a:schemeClr val="accent1">
+        <a:tint val="60000"/>
+      </a:schemeClr>
+    </dgm:linClrLst>
+    <dgm:effectClrLst/>
+    <dgm:txLinClrLst/>
+    <dgm:txFillClrLst/>
+    <dgm:txEffectClrLst/>
+  </dgm:styleLbl>
+  <dgm:styleLbl name="fgSibTrans2D1">
+    <dgm:fillClrLst meth="repeat">
+      <a:schemeClr val="accent1">
+        <a:tint val="60000"/>
+      </a:schemeClr>
+    </dgm:fillClrLst>
+    <dgm:linClrLst meth="repeat">
+      <a:schemeClr val="accent1">
+        <a:tint val="60000"/>
+      </a:schemeClr>
+    </dgm:linClrLst>
+    <dgm:effectClrLst/>
+    <dgm:txLinClrLst/>
+    <dgm:txFillClrLst/>
+    <dgm:txEffectClrLst/>
+  </dgm:styleLbl>
+  <dgm:styleLbl name="bgSibTrans2D1">
+    <dgm:fillClrLst meth="repeat">
+      <a:schemeClr val="accent1">
+        <a:tint val="60000"/>
+      </a:schemeClr>
+    </dgm:fillClrLst>
+    <dgm:linClrLst meth="repeat">
+      <a:schemeClr val="accent1">
+        <a:tint val="60000"/>
+      </a:schemeClr>
+    </dgm:linClrLst>
+    <dgm:effectClrLst/>
+    <dgm:txLinClrLst/>
+    <dgm:txFillClrLst/>
+    <dgm:txEffectClrLst/>
+  </dgm:styleLbl>
+  <dgm:styleLbl name="sibTrans1D1">
+    <dgm:fillClrLst meth="repeat">
+      <a:schemeClr val="accent1"/>
+    </dgm:fillClrLst>
+    <dgm:linClrLst meth="repeat">
+      <a:schemeClr val="accent1"/>
+    </dgm:linClrLst>
+    <dgm:effectClrLst/>
+    <dgm:txLinClrLst/>
+    <dgm:txFillClrLst meth="repeat">
+      <a:schemeClr val="tx1"/>
+    </dgm:txFillClrLst>
+    <dgm:txEffectClrLst/>
+  </dgm:styleLbl>
+  <dgm:styleLbl name="callout">
+    <dgm:fillClrLst meth="repeat">
+      <a:schemeClr val="accent1"/>
+    </dgm:fillClrLst>
+    <dgm:linClrLst meth="repeat">
+      <a:schemeClr val="accent1">
+        <a:tint val="50000"/>
+      </a:schemeClr>
+    </dgm:linClrLst>
+    <dgm:effectClrLst/>
+    <dgm:txLinClrLst/>
+    <dgm:txFillClrLst meth="repeat">
+      <a:schemeClr val="tx1"/>
+    </dgm:txFillClrLst>
+    <dgm:txEffectClrLst/>
+  </dgm:styleLbl>
+  <dgm:styleLbl name="asst0">
+    <dgm:fillClrLst meth="repeat">
+      <a:schemeClr val="accent1"/>
+    </dgm:fillClrLst>
+    <dgm:linClrLst meth="repeat">
+      <a:schemeClr val="lt1"/>
+    </dgm:linClrLst>
+    <dgm:effectClrLst/>
+    <dgm:txLinClrLst/>
+    <dgm:txFillClrLst/>
+    <dgm:txEffectClrLst/>
+  </dgm:styleLbl>
+  <dgm:styleLbl name="asst1">
+    <dgm:fillClrLst meth="repeat">
+      <a:schemeClr val="accent1"/>
+    </dgm:fillClrLst>
+    <dgm:linClrLst meth="repeat">
+      <a:schemeClr val="lt1"/>
+    </dgm:linClrLst>
+    <dgm:effectClrLst/>
+    <dgm:txLinClrLst/>
+    <dgm:txFillClrLst/>
+    <dgm:txEffectClrLst/>
+  </dgm:styleLbl>
+  <dgm:styleLbl name="asst2">
+    <dgm:fillClrLst meth="repeat">
+      <a:schemeClr val="accent1"/>
+    </dgm:fillClrLst>
+    <dgm:linClrLst meth="repeat">
+      <a:schemeClr val="lt1"/>
+    </dgm:linClrLst>
+    <dgm:effectClrLst/>
+    <dgm:txLinClrLst/>
+    <dgm:txFillClrLst/>
+    <dgm:txEffectClrLst/>
+  </dgm:styleLbl>
+  <dgm:styleLbl name="asst3">
+    <dgm:fillClrLst meth="repeat">
+      <a:schemeClr val="accent1"/>
+    </dgm:fillClrLst>
+    <dgm:linClrLst meth="repeat">
+      <a:schemeClr val="lt1"/>
+    </dgm:linClrLst>
+    <dgm:effectClrLst/>
+    <dgm:txLinClrLst/>
+    <dgm:txFillClrLst/>
+    <dgm:txEffectClrLst/>
+  </dgm:styleLbl>
+  <dgm:styleLbl name="asst4">
+    <dgm:fillClrLst meth="repeat">
+      <a:schemeClr val="accent1"/>
+    </dgm:fillClrLst>
+    <dgm:linClrLst meth="repeat">
+      <a:schemeClr val="lt1"/>
+    </dgm:linClrLst>
+    <dgm:effectClrLst/>
+    <dgm:txLinClrLst/>
+    <dgm:txFillClrLst/>
+    <dgm:txEffectClrLst/>
+  </dgm:styleLbl>
+  <dgm:styleLbl name="parChTrans2D1">
+    <dgm:fillClrLst meth="repeat">
+      <a:schemeClr val="accent1">
+        <a:tint val="60000"/>
+      </a:schemeClr>
+    </dgm:fillClrLst>
+    <dgm:linClrLst meth="repeat">
+      <a:schemeClr val="accent1">
+        <a:tint val="60000"/>
+      </a:schemeClr>
+    </dgm:linClrLst>
+    <dgm:effectClrLst/>
+    <dgm:txLinClrLst/>
+    <dgm:txFillClrLst meth="repeat">
+      <a:schemeClr val="lt1"/>
+    </dgm:txFillClrLst>
+    <dgm:txEffectClrLst/>
+  </dgm:styleLbl>
+  <dgm:styleLbl name="parChTrans2D2">
+    <dgm:fillClrLst meth="repeat">
+      <a:schemeClr val="accent1"/>
+    </dgm:fillClrLst>
+    <dgm:linClrLst meth="repeat">
+      <a:schemeClr val="accent1"/>
+    </dgm:linClrLst>
+    <dgm:effectClrLst/>
+    <dgm:txLinClrLst/>
+    <dgm:txFillClrLst meth="repeat">
+      <a:schemeClr val="lt1"/>
+    </dgm:txFillClrLst>
+    <dgm:txEffectClrLst/>
+  </dgm:styleLbl>
+  <dgm:styleLbl name="parChTrans2D3">
+    <dgm:fillClrLst meth="repeat">
+      <a:schemeClr val="accent1"/>
+    </dgm:fillClrLst>
+    <dgm:linClrLst meth="repeat">
+      <a:schemeClr val="accent1"/>
+    </dgm:linClrLst>
+    <dgm:effectClrLst/>
+    <dgm:txLinClrLst/>
+    <dgm:txFillClrLst meth="repeat">
+      <a:schemeClr val="lt1"/>
+    </dgm:txFillClrLst>
+    <dgm:txEffectClrLst/>
+  </dgm:styleLbl>
+  <dgm:styleLbl name="parChTrans2D4">
+    <dgm:fillClrLst meth="repeat">
+      <a:schemeClr val="accent1"/>
+    </dgm:fillClrLst>
+    <dgm:linClrLst meth="repeat">
+      <a:schemeClr val="accent1"/>
+    </dgm:linClrLst>
+    <dgm:effectClrLst/>
+    <dgm:txLinClrLst/>
+    <dgm:txFillClrLst meth="repeat">
+      <a:schemeClr val="lt1"/>
+    </dgm:txFillClrLst>
+    <dgm:txEffectClrLst/>
+  </dgm:styleLbl>
+  <dgm:styleLbl name="parChTrans1D1">
+    <dgm:fillClrLst meth="repeat">
+      <a:schemeClr val="accent1"/>
+    </dgm:fillClrLst>
+    <dgm:linClrLst meth="repeat">
+      <a:schemeClr val="accent1">
+        <a:shade val="60000"/>
+      </a:schemeClr>
+    </dgm:linClrLst>
+    <dgm:effectClrLst/>
+    <dgm:txLinClrLst/>
+    <dgm:txFillClrLst meth="repeat">
+      <a:schemeClr val="tx1"/>
+    </dgm:txFillClrLst>
+    <dgm:txEffectClrLst/>
+  </dgm:styleLbl>
+  <dgm:styleLbl name="parChTrans1D2">
+    <dgm:fillClrLst meth="repeat">
+      <a:schemeClr val="accent1"/>
+    </dgm:fillClrLst>
+    <dgm:linClrLst meth="repeat">
+      <a:schemeClr val="accent1">
+        <a:shade val="60000"/>
+      </a:schemeClr>
+    </dgm:linClrLst>
+    <dgm:effectClrLst/>
+    <dgm:txLinClrLst/>
+    <dgm:txFillClrLst meth="repeat">
+      <a:schemeClr val="tx1"/>
+    </dgm:txFillClrLst>
+    <dgm:txEffectClrLst/>
+  </dgm:styleLbl>
+  <dgm:styleLbl name="parChTrans1D3">
+    <dgm:fillClrLst meth="repeat">
+      <a:schemeClr val="accent1"/>
+    </dgm:fillClrLst>
+    <dgm:linClrLst meth="repeat">
+      <a:schemeClr val="accent1">
+        <a:shade val="80000"/>
+      </a:schemeClr>
+    </dgm:linClrLst>
+    <dgm:effectClrLst/>
+    <dgm:txLinClrLst/>
+    <dgm:txFillClrLst meth="repeat">
+      <a:schemeClr val="tx1"/>
+    </dgm:txFillClrLst>
+    <dgm:txEffectClrLst/>
+  </dgm:styleLbl>
+  <dgm:styleLbl name="parChTrans1D4">
+    <dgm:fillClrLst meth="repeat">
+      <a:schemeClr val="accent1"/>
+    </dgm:fillClrLst>
+    <dgm:linClrLst meth="repeat">
+      <a:schemeClr val="accent1">
+        <a:shade val="80000"/>
+      </a:schemeClr>
+    </dgm:linClrLst>
+    <dgm:effectClrLst/>
+    <dgm:txLinClrLst/>
+    <dgm:txFillClrLst meth="repeat">
+      <a:schemeClr val="tx1"/>
+    </dgm:txFillClrLst>
+    <dgm:txEffectClrLst/>
+  </dgm:styleLbl>
+  <dgm:styleLbl name="fgAcc1">
+    <dgm:fillClrLst meth="repeat">
+      <a:schemeClr val="lt1">
+        <a:alpha val="90000"/>
+      </a:schemeClr>
+    </dgm:fillClrLst>
+    <dgm:linClrLst meth="repeat">
+      <a:schemeClr val="accent1"/>
+    </dgm:linClrLst>
+    <dgm:effectClrLst/>
+    <dgm:txLinClrLst/>
+    <dgm:txFillClrLst meth="repeat">
+      <a:schemeClr val="dk1"/>
+    </dgm:txFillClrLst>
+    <dgm:txEffectClrLst/>
+  </dgm:styleLbl>
+  <dgm:styleLbl name="conFgAcc1">
+    <dgm:fillClrLst meth="repeat">
+      <a:schemeClr val="lt1">
+        <a:alpha val="90000"/>
+      </a:schemeClr>
+    </dgm:fillClrLst>
+    <dgm:linClrLst meth="repeat">
+      <a:schemeClr val="accent1"/>
+    </dgm:linClrLst>
+    <dgm:effectClrLst/>
+    <dgm:txLinClrLst/>
+    <dgm:txFillClrLst meth="repeat">
+      <a:schemeClr val="dk1"/>
+    </dgm:txFillClrLst>
+    <dgm:txEffectClrLst/>
+  </dgm:styleLbl>
+  <dgm:styleLbl name="alignAcc1">
+    <dgm:fillClrLst meth="repeat">
+      <a:schemeClr val="lt1">
+        <a:alpha val="90000"/>
+      </a:schemeClr>
+    </dgm:fillClrLst>
+    <dgm:linClrLst meth="repeat">
+      <a:schemeClr val="accent1"/>
+    </dgm:linClrLst>
+    <dgm:effectClrLst/>
+    <dgm:txLinClrLst/>
+    <dgm:txFillClrLst meth="repeat">
+      <a:schemeClr val="dk1"/>
+    </dgm:txFillClrLst>
+    <dgm:txEffectClrLst/>
+  </dgm:styleLbl>
+  <dgm:styleLbl name="trAlignAcc1">
+    <dgm:fillClrLst meth="repeat">
+      <a:schemeClr val="lt1">
+        <a:alpha val="40000"/>
+      </a:schemeClr>
+    </dgm:fillClrLst>
+    <dgm:linClrLst meth="repeat">
+      <a:schemeClr val="accent1"/>
+    </dgm:linClrLst>
+    <dgm:effectClrLst/>
+    <dgm:txLinClrLst/>
+    <dgm:txFillClrLst meth="repeat">
+      <a:schemeClr val="dk1"/>
+    </dgm:txFillClrLst>
+    <dgm:txEffectClrLst/>
+  </dgm:styleLbl>
+  <dgm:styleLbl name="bgAcc1">
+    <dgm:fillClrLst meth="repeat">
+      <a:schemeClr val="lt1">
+        <a:alpha val="90000"/>
+      </a:schemeClr>
+    </dgm:fillClrLst>
+    <dgm:linClrLst meth="repeat">
+      <a:schemeClr val="accent1"/>
+    </dgm:linClrLst>
+    <dgm:effectClrLst/>
+    <dgm:txLinClrLst/>
+    <dgm:txFillClrLst meth="repeat">
+      <a:schemeClr val="dk1"/>
+    </dgm:txFillClrLst>
+    <dgm:txEffectClrLst/>
+  </dgm:styleLbl>
+  <dgm:styleLbl name="solidFgAcc1">
+    <dgm:fillClrLst meth="repeat">
+      <a:schemeClr val="lt1"/>
+    </dgm:fillClrLst>
+    <dgm:linClrLst meth="repeat">
+      <a:schemeClr val="accent1"/>
+    </dgm:linClrLst>
+    <dgm:effectClrLst/>
+    <dgm:txLinClrLst/>
+    <dgm:txFillClrLst meth="repeat">
+      <a:schemeClr val="dk1"/>
+    </dgm:txFillClrLst>
+    <dgm:txEffectClrLst/>
+  </dgm:styleLbl>
+  <dgm:styleLbl name="solidAlignAcc1">
+    <dgm:fillClrLst meth="repeat">
+      <a:schemeClr val="lt1"/>
+    </dgm:fillClrLst>
+    <dgm:linClrLst meth="repeat">
+      <a:schemeClr val="accent1"/>
+    </dgm:linClrLst>
+    <dgm:effectClrLst/>
+    <dgm:txLinClrLst/>
+    <dgm:txFillClrLst meth="repeat">
+      <a:schemeClr val="dk1"/>
+    </dgm:txFillClrLst>
+    <dgm:txEffectClrLst/>
+  </dgm:styleLbl>
+  <dgm:styleLbl name="solidBgAcc1">
+    <dgm:fillClrLst meth="repeat">
+      <a:schemeClr val="lt1"/>
+    </dgm:fillClrLst>
+    <dgm:linClrLst meth="repeat">
+      <a:schemeClr val="accent1"/>
+    </dgm:linClrLst>
+    <dgm:effectClrLst/>
+    <dgm:txLinClrLst/>
+    <dgm:txFillClrLst meth="repeat">
+      <a:schemeClr val="dk1"/>
+    </dgm:txFillClrLst>
+    <dgm:txEffectClrLst/>
+  </dgm:styleLbl>
+  <dgm:styleLbl name="fgAccFollowNode1">
+    <dgm:fillClrLst meth="repeat">
+      <a:schemeClr val="accent1">
+        <a:alpha val="90000"/>
+        <a:tint val="40000"/>
+      </a:schemeClr>
+    </dgm:fillClrLst>
+    <dgm:linClrLst meth="repeat">
+      <a:schemeClr val="accent1">
+        <a:alpha val="90000"/>
+        <a:tint val="40000"/>
+      </a:schemeClr>
+    </dgm:linClrLst>
+    <dgm:effectClrLst/>
+    <dgm:txLinClrLst/>
+    <dgm:txFillClrLst meth="repeat">
+      <a:schemeClr val="dk1"/>
+    </dgm:txFillClrLst>
+    <dgm:txEffectClrLst/>
+  </dgm:styleLbl>
+  <dgm:styleLbl name="alignAccFollowNode1">
+    <dgm:fillClrLst meth="repeat">
+      <a:schemeClr val="accent1">
+        <a:alpha val="90000"/>
+        <a:tint val="40000"/>
+      </a:schemeClr>
+    </dgm:fillClrLst>
+    <dgm:linClrLst meth="repeat">
+      <a:schemeClr val="accent1">
+        <a:alpha val="90000"/>
+        <a:tint val="40000"/>
+      </a:schemeClr>
+    </dgm:linClrLst>
+    <dgm:effectClrLst/>
+    <dgm:txLinClrLst/>
+    <dgm:txFillClrLst meth="repeat">
+      <a:schemeClr val="dk1"/>
+    </dgm:txFillClrLst>
+    <dgm:txEffectClrLst/>
+  </dgm:styleLbl>
+  <dgm:styleLbl name="bgAccFollowNode1">
+    <dgm:fillClrLst meth="repeat">
+      <a:schemeClr val="accent1">
+        <a:alpha val="90000"/>
+        <a:tint val="40000"/>
+      </a:schemeClr>
+    </dgm:fillClrLst>
+    <dgm:linClrLst meth="repeat">
+      <a:schemeClr val="accent1">
+        <a:alpha val="90000"/>
+        <a:tint val="40000"/>
+      </a:schemeClr>
+    </dgm:linClrLst>
+    <dgm:effectClrLst/>
+    <dgm:txLinClrLst/>
+    <dgm:txFillClrLst meth="repeat">
+      <a:schemeClr val="dk1"/>
+    </dgm:txFillClrLst>
+    <dgm:txEffectClrLst/>
+  </dgm:styleLbl>
+  <dgm:styleLbl name="fgAcc0">
+    <dgm:fillClrLst meth="repeat">
+      <a:schemeClr val="lt1">
+        <a:alpha val="90000"/>
+      </a:schemeClr>
+    </dgm:fillClrLst>
+    <dgm:linClrLst meth="repeat">
+      <a:schemeClr val="accent1"/>
+    </dgm:linClrLst>
+    <dgm:effectClrLst/>
+    <dgm:txLinClrLst/>
+    <dgm:txFillClrLst meth="repeat">
+      <a:schemeClr val="dk1"/>
+    </dgm:txFillClrLst>
+    <dgm:txEffectClrLst/>
+  </dgm:styleLbl>
+  <dgm:styleLbl name="fgAcc2">
+    <dgm:fillClrLst meth="repeat">
+      <a:schemeClr val="lt1">
+        <a:alpha val="90000"/>
+      </a:schemeClr>
+    </dgm:fillClrLst>
+    <dgm:linClrLst meth="repeat">
+      <a:schemeClr val="accent1"/>
+    </dgm:linClrLst>
+    <dgm:effectClrLst/>
+    <dgm:txLinClrLst/>
+    <dgm:txFillClrLst meth="repeat">
+      <a:schemeClr val="dk1"/>
+    </dgm:txFillClrLst>
+    <dgm:txEffectClrLst/>
+  </dgm:styleLbl>
+  <dgm:styleLbl name="fgAcc3">
+    <dgm:fillClrLst meth="repeat">
+      <a:schemeClr val="lt1">
+        <a:alpha val="90000"/>
+      </a:schemeClr>
+    </dgm:fillClrLst>
+    <dgm:linClrLst meth="repeat">
+      <a:schemeClr val="accent1"/>
+    </dgm:linClrLst>
+    <dgm:effectClrLst/>
+    <dgm:txLinClrLst/>
+    <dgm:txFillClrLst meth="repeat">
+      <a:schemeClr val="dk1"/>
+    </dgm:txFillClrLst>
+    <dgm:txEffectClrLst/>
+  </dgm:styleLbl>
+  <dgm:styleLbl name="fgAcc4">
+    <dgm:fillClrLst meth="repeat">
+      <a:schemeClr val="lt1">
+        <a:alpha val="90000"/>
+      </a:schemeClr>
+    </dgm:fillClrLst>
+    <dgm:linClrLst meth="repeat">
+      <a:schemeClr val="accent1"/>
+    </dgm:linClrLst>
+    <dgm:effectClrLst/>
+    <dgm:txLinClrLst/>
+    <dgm:txFillClrLst meth="repeat">
+      <a:schemeClr val="dk1"/>
+    </dgm:txFillClrLst>
+    <dgm:txEffectClrLst/>
+  </dgm:styleLbl>
+  <dgm:styleLbl name="bgShp">
+    <dgm:fillClrLst meth="repeat">
+      <a:schemeClr val="accent1">
+        <a:tint val="40000"/>
+      </a:schemeClr>
+    </dgm:fillClrLst>
+    <dgm:linClrLst meth="repeat">
+      <a:schemeClr val="accent1"/>
+    </dgm:linClrLst>
+    <dgm:effectClrLst/>
+    <dgm:txLinClrLst/>
+    <dgm:txFillClrLst meth="repeat">
+      <a:schemeClr val="dk1"/>
+    </dgm:txFillClrLst>
+    <dgm:txEffectClrLst/>
+  </dgm:styleLbl>
+  <dgm:styleLbl name="dkBgShp">
+    <dgm:fillClrLst meth="repeat">
+      <a:schemeClr val="accent1">
+        <a:shade val="80000"/>
+      </a:schemeClr>
+    </dgm:fillClrLst>
+    <dgm:linClrLst meth="repeat">
+      <a:schemeClr val="accent1"/>
+    </dgm:linClrLst>
+    <dgm:effectClrLst/>
+    <dgm:txLinClrLst/>
+    <dgm:txFillClrLst meth="repeat">
+      <a:schemeClr val="lt1"/>
+    </dgm:txFillClrLst>
+    <dgm:txEffectClrLst/>
+  </dgm:styleLbl>
+  <dgm:styleLbl name="trBgShp">
+    <dgm:fillClrLst meth="repeat">
+      <a:schemeClr val="accent1">
+        <a:tint val="50000"/>
+        <a:alpha val="40000"/>
+      </a:schemeClr>
+    </dgm:fillClrLst>
+    <dgm:linClrLst meth="repeat">
+      <a:schemeClr val="accent1"/>
+    </dgm:linClrLst>
+    <dgm:effectClrLst/>
+    <dgm:txLinClrLst/>
+    <dgm:txFillClrLst meth="repeat">
+      <a:schemeClr val="lt1"/>
+    </dgm:txFillClrLst>
+    <dgm:txEffectClrLst/>
+  </dgm:styleLbl>
+  <dgm:styleLbl name="fgShp">
+    <dgm:fillClrLst meth="repeat">
+      <a:schemeClr val="accent1">
+        <a:tint val="60000"/>
+      </a:schemeClr>
+    </dgm:fillClrLst>
+    <dgm:linClrLst meth="repeat">
+      <a:schemeClr val="lt1"/>
+    </dgm:linClrLst>
+    <dgm:effectClrLst/>
+    <dgm:txLinClrLst/>
+    <dgm:txFillClrLst meth="repeat">
+      <a:schemeClr val="dk1"/>
+    </dgm:txFillClrLst>
+    <dgm:txEffectClrLst/>
+  </dgm:styleLbl>
+  <dgm:styleLbl name="revTx">
+    <dgm:fillClrLst meth="repeat">
+      <a:schemeClr val="lt1">
+        <a:alpha val="0"/>
+      </a:schemeClr>
+    </dgm:fillClrLst>
+    <dgm:linClrLst meth="repeat">
+      <a:schemeClr val="dk1">
+        <a:alpha val="0"/>
+      </a:schemeClr>
+    </dgm:linClrLst>
+    <dgm:effectClrLst/>
+    <dgm:txLinClrLst/>
+    <dgm:txFillClrLst meth="repeat">
+      <a:schemeClr val="tx1"/>
+    </dgm:txFillClrLst>
+    <dgm:txEffectClrLst/>
+  </dgm:styleLbl>
+</dgm:colorsDef>
+</file>
+
+<file path=ppt/diagrams/colors2.xml><?xml version="1.0" encoding="utf-8"?>
 <dgm:colorsDef xmlns:dgm="http://schemas.openxmlformats.org/drawingml/2006/diagram" xmlns:a="http://schemas.openxmlformats.org/drawingml/2006/main" uniqueId="urn:microsoft.com/office/officeart/2005/8/colors/accent1_2">
   <dgm:title val=""/>
   <dgm:desc val=""/>
@@ -1106,6 +1859,208 @@
     <dgm:cxn modelId="{B79A068A-234F-47F2-AAE3-90AA71B5711D}" type="presParOf" srcId="{14576160-7450-4391-8F87-06D9A3E841AC}" destId="{28F55A5D-BB0E-4E52-962A-7CE36AB510F3}" srcOrd="0" destOrd="0" presId="urn:microsoft.com/office/officeart/2005/8/layout/hierarchy1"/>
     <dgm:cxn modelId="{AB210E3D-2D66-4D9F-8A80-545C9EF87FAD}" type="presParOf" srcId="{14576160-7450-4391-8F87-06D9A3E841AC}" destId="{67B07F82-9A09-4387-902F-07CC1651E82F}" srcOrd="1" destOrd="0" presId="urn:microsoft.com/office/officeart/2005/8/layout/hierarchy1"/>
     <dgm:cxn modelId="{7AA31F4C-C5BD-4E8B-89FD-3789DD919248}" type="presParOf" srcId="{FBE89DE7-742A-4687-AB36-9DA06F2EB8AB}" destId="{6FCAFA7D-F141-44DC-9CF1-3F0BD6E6599A}" srcOrd="1" destOrd="0" presId="urn:microsoft.com/office/officeart/2005/8/layout/hierarchy1"/>
+  </dgm:cxnLst>
+  <dgm:bg/>
+  <dgm:whole/>
+  <dgm:extLst>
+    <a:ext uri="http://schemas.microsoft.com/office/drawing/2008/diagram">
+      <dsp:dataModelExt xmlns:dsp="http://schemas.microsoft.com/office/drawing/2008/diagram" relId="rId6" minVer="http://schemas.openxmlformats.org/drawingml/2006/diagram"/>
+    </a:ext>
+  </dgm:extLst>
+</dgm:dataModel>
+</file>
+
+<file path=ppt/diagrams/data2.xml><?xml version="1.0" encoding="utf-8"?>
+<dgm:dataModel xmlns:dgm="http://schemas.openxmlformats.org/drawingml/2006/diagram" xmlns:a="http://schemas.openxmlformats.org/drawingml/2006/main">
+  <dgm:ptLst>
+    <dgm:pt modelId="{EE23037F-FC2B-43C1-B0F0-B27AD3868204}" type="doc">
+      <dgm:prSet loTypeId="urn:microsoft.com/office/officeart/2005/8/layout/vList2" loCatId="list" qsTypeId="urn:microsoft.com/office/officeart/2005/8/quickstyle/simple1" qsCatId="simple" csTypeId="urn:microsoft.com/office/officeart/2005/8/colors/accent1_2" csCatId="accent1"/>
+      <dgm:spPr/>
+      <dgm:t>
+        <a:bodyPr/>
+        <a:lstStyle/>
+        <a:p>
+          <a:endParaRPr lang="en-US"/>
+        </a:p>
+      </dgm:t>
+    </dgm:pt>
+    <dgm:pt modelId="{42E65A4E-65B3-4BEA-8D0D-64E59626FAEA}">
+      <dgm:prSet custT="1"/>
+      <dgm:spPr/>
+      <dgm:t>
+        <a:bodyPr/>
+        <a:lstStyle/>
+        <a:p>
+          <a:r>
+            <a:rPr lang="pt-PT" sz="2800" dirty="0"/>
+            <a:t>Criação de 3 utilizadores (trinta.org, 3emfrente.eu, the.com)</a:t>
+          </a:r>
+          <a:endParaRPr lang="en-US" sz="2800" dirty="0"/>
+        </a:p>
+      </dgm:t>
+    </dgm:pt>
+    <dgm:pt modelId="{30B389F9-564B-46D5-AD2C-AC00BE512025}" type="parTrans" cxnId="{CCAABD86-1515-4922-9012-49E7FC0A9481}">
+      <dgm:prSet/>
+      <dgm:spPr/>
+      <dgm:t>
+        <a:bodyPr/>
+        <a:lstStyle/>
+        <a:p>
+          <a:endParaRPr lang="en-US"/>
+        </a:p>
+      </dgm:t>
+    </dgm:pt>
+    <dgm:pt modelId="{6662FF75-7869-4C8F-B914-8A1F71E4B037}" type="sibTrans" cxnId="{CCAABD86-1515-4922-9012-49E7FC0A9481}">
+      <dgm:prSet/>
+      <dgm:spPr/>
+      <dgm:t>
+        <a:bodyPr/>
+        <a:lstStyle/>
+        <a:p>
+          <a:endParaRPr lang="en-US"/>
+        </a:p>
+      </dgm:t>
+    </dgm:pt>
+    <dgm:pt modelId="{4B0CF132-C0B1-48D7-8296-B0265E2D746B}">
+      <dgm:prSet custT="1"/>
+      <dgm:spPr/>
+      <dgm:t>
+        <a:bodyPr/>
+        <a:lstStyle/>
+        <a:p>
+          <a:r>
+            <a:rPr lang="pt-PT" sz="2800" dirty="0"/>
+            <a:t>Criação da diretoria ‘</a:t>
+          </a:r>
+          <a:r>
+            <a:rPr lang="pt-PT" sz="2800" dirty="0" err="1"/>
+            <a:t>public_html</a:t>
+          </a:r>
+          <a:r>
+            <a:rPr lang="pt-PT" sz="2800" dirty="0"/>
+            <a:t>’</a:t>
+          </a:r>
+          <a:endParaRPr lang="en-US" sz="2800" dirty="0"/>
+        </a:p>
+      </dgm:t>
+    </dgm:pt>
+    <dgm:pt modelId="{4FAB5512-CC16-47AF-82EB-B79D9E5CDD0F}" type="parTrans" cxnId="{F9F49E3A-A8AC-493B-8FE3-D1986BF1F816}">
+      <dgm:prSet/>
+      <dgm:spPr/>
+      <dgm:t>
+        <a:bodyPr/>
+        <a:lstStyle/>
+        <a:p>
+          <a:endParaRPr lang="en-US"/>
+        </a:p>
+      </dgm:t>
+    </dgm:pt>
+    <dgm:pt modelId="{C155C518-3A31-41D9-8DE1-EA41CC9B50D4}" type="sibTrans" cxnId="{F9F49E3A-A8AC-493B-8FE3-D1986BF1F816}">
+      <dgm:prSet/>
+      <dgm:spPr/>
+      <dgm:t>
+        <a:bodyPr/>
+        <a:lstStyle/>
+        <a:p>
+          <a:endParaRPr lang="en-US"/>
+        </a:p>
+      </dgm:t>
+    </dgm:pt>
+    <dgm:pt modelId="{2B8068CB-D073-4151-9254-50E9C732DE4F}">
+      <dgm:prSet custT="1"/>
+      <dgm:spPr/>
+      <dgm:t>
+        <a:bodyPr/>
+        <a:lstStyle/>
+        <a:p>
+          <a:r>
+            <a:rPr lang="pt-PT" sz="2800" dirty="0"/>
+            <a:t>Criação de ficheiro ‘index.html’</a:t>
+          </a:r>
+          <a:endParaRPr lang="en-US" sz="2800" dirty="0"/>
+        </a:p>
+      </dgm:t>
+    </dgm:pt>
+    <dgm:pt modelId="{7C04799B-772D-4BC2-B461-D6827215E71C}" type="parTrans" cxnId="{458BBDB6-572A-465C-8FDA-3AAE4ABED144}">
+      <dgm:prSet/>
+      <dgm:spPr/>
+      <dgm:t>
+        <a:bodyPr/>
+        <a:lstStyle/>
+        <a:p>
+          <a:endParaRPr lang="en-US"/>
+        </a:p>
+      </dgm:t>
+    </dgm:pt>
+    <dgm:pt modelId="{B608E7DB-5B1D-4F96-B12F-AD779B1EEC11}" type="sibTrans" cxnId="{458BBDB6-572A-465C-8FDA-3AAE4ABED144}">
+      <dgm:prSet/>
+      <dgm:spPr/>
+      <dgm:t>
+        <a:bodyPr/>
+        <a:lstStyle/>
+        <a:p>
+          <a:endParaRPr lang="en-US"/>
+        </a:p>
+      </dgm:t>
+    </dgm:pt>
+    <dgm:pt modelId="{F491D090-79A8-4325-AE34-3A929128C64C}" type="pres">
+      <dgm:prSet presAssocID="{EE23037F-FC2B-43C1-B0F0-B27AD3868204}" presName="linear" presStyleCnt="0">
+        <dgm:presLayoutVars>
+          <dgm:animLvl val="lvl"/>
+          <dgm:resizeHandles val="exact"/>
+        </dgm:presLayoutVars>
+      </dgm:prSet>
+      <dgm:spPr/>
+    </dgm:pt>
+    <dgm:pt modelId="{AE8B2BB8-81A8-4ABC-BD47-E592CE20F646}" type="pres">
+      <dgm:prSet presAssocID="{42E65A4E-65B3-4BEA-8D0D-64E59626FAEA}" presName="parentText" presStyleLbl="node1" presStyleIdx="0" presStyleCnt="3">
+        <dgm:presLayoutVars>
+          <dgm:chMax val="0"/>
+          <dgm:bulletEnabled val="1"/>
+        </dgm:presLayoutVars>
+      </dgm:prSet>
+      <dgm:spPr/>
+    </dgm:pt>
+    <dgm:pt modelId="{C4A0E675-0D42-416E-8790-FBB30E1DFD30}" type="pres">
+      <dgm:prSet presAssocID="{6662FF75-7869-4C8F-B914-8A1F71E4B037}" presName="spacer" presStyleCnt="0"/>
+      <dgm:spPr/>
+    </dgm:pt>
+    <dgm:pt modelId="{C13ABA29-EC0A-4897-99A3-1BA2E1C9DC72}" type="pres">
+      <dgm:prSet presAssocID="{4B0CF132-C0B1-48D7-8296-B0265E2D746B}" presName="parentText" presStyleLbl="node1" presStyleIdx="1" presStyleCnt="3">
+        <dgm:presLayoutVars>
+          <dgm:chMax val="0"/>
+          <dgm:bulletEnabled val="1"/>
+        </dgm:presLayoutVars>
+      </dgm:prSet>
+      <dgm:spPr/>
+    </dgm:pt>
+    <dgm:pt modelId="{6F6685BB-9D42-417A-8223-DB946E9EFBAF}" type="pres">
+      <dgm:prSet presAssocID="{C155C518-3A31-41D9-8DE1-EA41CC9B50D4}" presName="spacer" presStyleCnt="0"/>
+      <dgm:spPr/>
+    </dgm:pt>
+    <dgm:pt modelId="{84117C14-5A47-4CB2-8553-F4D0C3D2E9D3}" type="pres">
+      <dgm:prSet presAssocID="{2B8068CB-D073-4151-9254-50E9C732DE4F}" presName="parentText" presStyleLbl="node1" presStyleIdx="2" presStyleCnt="3">
+        <dgm:presLayoutVars>
+          <dgm:chMax val="0"/>
+          <dgm:bulletEnabled val="1"/>
+        </dgm:presLayoutVars>
+      </dgm:prSet>
+      <dgm:spPr/>
+    </dgm:pt>
+  </dgm:ptLst>
+  <dgm:cxnLst>
+    <dgm:cxn modelId="{F9F49E3A-A8AC-493B-8FE3-D1986BF1F816}" srcId="{EE23037F-FC2B-43C1-B0F0-B27AD3868204}" destId="{4B0CF132-C0B1-48D7-8296-B0265E2D746B}" srcOrd="1" destOrd="0" parTransId="{4FAB5512-CC16-47AF-82EB-B79D9E5CDD0F}" sibTransId="{C155C518-3A31-41D9-8DE1-EA41CC9B50D4}"/>
+    <dgm:cxn modelId="{17F94769-FDEA-4DED-9A56-42BF4106A38D}" type="presOf" srcId="{EE23037F-FC2B-43C1-B0F0-B27AD3868204}" destId="{F491D090-79A8-4325-AE34-3A929128C64C}" srcOrd="0" destOrd="0" presId="urn:microsoft.com/office/officeart/2005/8/layout/vList2"/>
+    <dgm:cxn modelId="{525B8083-237A-4C63-B814-EC0075533D51}" type="presOf" srcId="{4B0CF132-C0B1-48D7-8296-B0265E2D746B}" destId="{C13ABA29-EC0A-4897-99A3-1BA2E1C9DC72}" srcOrd="0" destOrd="0" presId="urn:microsoft.com/office/officeart/2005/8/layout/vList2"/>
+    <dgm:cxn modelId="{CCAABD86-1515-4922-9012-49E7FC0A9481}" srcId="{EE23037F-FC2B-43C1-B0F0-B27AD3868204}" destId="{42E65A4E-65B3-4BEA-8D0D-64E59626FAEA}" srcOrd="0" destOrd="0" parTransId="{30B389F9-564B-46D5-AD2C-AC00BE512025}" sibTransId="{6662FF75-7869-4C8F-B914-8A1F71E4B037}"/>
+    <dgm:cxn modelId="{1A9AACAD-9445-407A-A2F4-6D8E4E4C095B}" type="presOf" srcId="{42E65A4E-65B3-4BEA-8D0D-64E59626FAEA}" destId="{AE8B2BB8-81A8-4ABC-BD47-E592CE20F646}" srcOrd="0" destOrd="0" presId="urn:microsoft.com/office/officeart/2005/8/layout/vList2"/>
+    <dgm:cxn modelId="{458BBDB6-572A-465C-8FDA-3AAE4ABED144}" srcId="{EE23037F-FC2B-43C1-B0F0-B27AD3868204}" destId="{2B8068CB-D073-4151-9254-50E9C732DE4F}" srcOrd="2" destOrd="0" parTransId="{7C04799B-772D-4BC2-B461-D6827215E71C}" sibTransId="{B608E7DB-5B1D-4F96-B12F-AD779B1EEC11}"/>
+    <dgm:cxn modelId="{8E80DAF9-BC88-4155-926B-5BDB40C2A212}" type="presOf" srcId="{2B8068CB-D073-4151-9254-50E9C732DE4F}" destId="{84117C14-5A47-4CB2-8553-F4D0C3D2E9D3}" srcOrd="0" destOrd="0" presId="urn:microsoft.com/office/officeart/2005/8/layout/vList2"/>
+    <dgm:cxn modelId="{02E7278A-2390-43DD-83F2-F423F9600F42}" type="presParOf" srcId="{F491D090-79A8-4325-AE34-3A929128C64C}" destId="{AE8B2BB8-81A8-4ABC-BD47-E592CE20F646}" srcOrd="0" destOrd="0" presId="urn:microsoft.com/office/officeart/2005/8/layout/vList2"/>
+    <dgm:cxn modelId="{B3A3F6F6-0A43-410E-B47A-D04CF21EBD7B}" type="presParOf" srcId="{F491D090-79A8-4325-AE34-3A929128C64C}" destId="{C4A0E675-0D42-416E-8790-FBB30E1DFD30}" srcOrd="1" destOrd="0" presId="urn:microsoft.com/office/officeart/2005/8/layout/vList2"/>
+    <dgm:cxn modelId="{421A3449-A6A9-4718-B8B1-F04022D94900}" type="presParOf" srcId="{F491D090-79A8-4325-AE34-3A929128C64C}" destId="{C13ABA29-EC0A-4897-99A3-1BA2E1C9DC72}" srcOrd="2" destOrd="0" presId="urn:microsoft.com/office/officeart/2005/8/layout/vList2"/>
+    <dgm:cxn modelId="{1EA24269-A6B5-4230-9A7D-E61A3F6AB03F}" type="presParOf" srcId="{F491D090-79A8-4325-AE34-3A929128C64C}" destId="{6F6685BB-9D42-417A-8223-DB946E9EFBAF}" srcOrd="3" destOrd="0" presId="urn:microsoft.com/office/officeart/2005/8/layout/vList2"/>
+    <dgm:cxn modelId="{AF1CF7BF-D7DC-472C-BFF2-48E358553CAC}" type="presParOf" srcId="{F491D090-79A8-4325-AE34-3A929128C64C}" destId="{84117C14-5A47-4CB2-8553-F4D0C3D2E9D3}" srcOrd="4" destOrd="0" presId="urn:microsoft.com/office/officeart/2005/8/layout/vList2"/>
   </dgm:cxnLst>
   <dgm:bg/>
   <dgm:whole/>
@@ -1523,6 +2478,263 @@
       <dsp:txXfrm>
         <a:off x="7482594" y="1317778"/>
         <a:ext cx="2798693" cy="1737704"/>
+      </dsp:txXfrm>
+    </dsp:sp>
+  </dsp:spTree>
+</dsp:drawing>
+</file>
+
+<file path=ppt/diagrams/drawing2.xml><?xml version="1.0" encoding="utf-8"?>
+<dsp:drawing xmlns:dgm="http://schemas.openxmlformats.org/drawingml/2006/diagram" xmlns:dsp="http://schemas.microsoft.com/office/drawing/2008/diagram" xmlns:a="http://schemas.openxmlformats.org/drawingml/2006/main">
+  <dsp:spTree>
+    <dsp:nvGrpSpPr>
+      <dsp:cNvPr id="0" name=""/>
+      <dsp:cNvGrpSpPr/>
+    </dsp:nvGrpSpPr>
+    <dsp:grpSpPr/>
+    <dsp:sp modelId="{AE8B2BB8-81A8-4ABC-BD47-E592CE20F646}">
+      <dsp:nvSpPr>
+        <dsp:cNvPr id="0" name=""/>
+        <dsp:cNvSpPr/>
+      </dsp:nvSpPr>
+      <dsp:spPr>
+        <a:xfrm>
+          <a:off x="0" y="284513"/>
+          <a:ext cx="10653579" cy="1216800"/>
+        </a:xfrm>
+        <a:prstGeom prst="roundRect">
+          <a:avLst/>
+        </a:prstGeom>
+        <a:solidFill>
+          <a:schemeClr val="accent1">
+            <a:hueOff val="0"/>
+            <a:satOff val="0"/>
+            <a:lumOff val="0"/>
+            <a:alphaOff val="0"/>
+          </a:schemeClr>
+        </a:solidFill>
+        <a:ln w="12700" cap="flat" cmpd="sng" algn="ctr">
+          <a:solidFill>
+            <a:schemeClr val="lt1">
+              <a:hueOff val="0"/>
+              <a:satOff val="0"/>
+              <a:lumOff val="0"/>
+              <a:alphaOff val="0"/>
+            </a:schemeClr>
+          </a:solidFill>
+          <a:prstDash val="solid"/>
+          <a:miter lim="800000"/>
+        </a:ln>
+        <a:effectLst/>
+      </dsp:spPr>
+      <dsp:style>
+        <a:lnRef idx="2">
+          <a:scrgbClr r="0" g="0" b="0"/>
+        </a:lnRef>
+        <a:fillRef idx="1">
+          <a:scrgbClr r="0" g="0" b="0"/>
+        </a:fillRef>
+        <a:effectRef idx="0">
+          <a:scrgbClr r="0" g="0" b="0"/>
+        </a:effectRef>
+        <a:fontRef idx="minor">
+          <a:schemeClr val="lt1"/>
+        </a:fontRef>
+      </dsp:style>
+      <dsp:txBody>
+        <a:bodyPr spcFirstLastPara="0" vert="horz" wrap="square" lIns="106680" tIns="106680" rIns="106680" bIns="106680" numCol="1" spcCol="1270" anchor="ctr" anchorCtr="0">
+          <a:noAutofit/>
+        </a:bodyPr>
+        <a:lstStyle/>
+        <a:p>
+          <a:pPr marL="0" lvl="0" indent="0" algn="l" defTabSz="1244600">
+            <a:lnSpc>
+              <a:spcPct val="90000"/>
+            </a:lnSpc>
+            <a:spcBef>
+              <a:spcPct val="0"/>
+            </a:spcBef>
+            <a:spcAft>
+              <a:spcPct val="35000"/>
+            </a:spcAft>
+            <a:buNone/>
+          </a:pPr>
+          <a:r>
+            <a:rPr lang="pt-PT" sz="2800" kern="1200" dirty="0"/>
+            <a:t>Criação de 3 utilizadores (trinta.org, 3emfrente.eu, the.com)</a:t>
+          </a:r>
+          <a:endParaRPr lang="en-US" sz="2800" kern="1200" dirty="0"/>
+        </a:p>
+      </dsp:txBody>
+      <dsp:txXfrm>
+        <a:off x="59399" y="343912"/>
+        <a:ext cx="10534781" cy="1098002"/>
+      </dsp:txXfrm>
+    </dsp:sp>
+    <dsp:sp modelId="{C13ABA29-EC0A-4897-99A3-1BA2E1C9DC72}">
+      <dsp:nvSpPr>
+        <dsp:cNvPr id="0" name=""/>
+        <dsp:cNvSpPr/>
+      </dsp:nvSpPr>
+      <dsp:spPr>
+        <a:xfrm>
+          <a:off x="0" y="1688514"/>
+          <a:ext cx="10653579" cy="1216800"/>
+        </a:xfrm>
+        <a:prstGeom prst="roundRect">
+          <a:avLst/>
+        </a:prstGeom>
+        <a:solidFill>
+          <a:schemeClr val="accent1">
+            <a:hueOff val="0"/>
+            <a:satOff val="0"/>
+            <a:lumOff val="0"/>
+            <a:alphaOff val="0"/>
+          </a:schemeClr>
+        </a:solidFill>
+        <a:ln w="12700" cap="flat" cmpd="sng" algn="ctr">
+          <a:solidFill>
+            <a:schemeClr val="lt1">
+              <a:hueOff val="0"/>
+              <a:satOff val="0"/>
+              <a:lumOff val="0"/>
+              <a:alphaOff val="0"/>
+            </a:schemeClr>
+          </a:solidFill>
+          <a:prstDash val="solid"/>
+          <a:miter lim="800000"/>
+        </a:ln>
+        <a:effectLst/>
+      </dsp:spPr>
+      <dsp:style>
+        <a:lnRef idx="2">
+          <a:scrgbClr r="0" g="0" b="0"/>
+        </a:lnRef>
+        <a:fillRef idx="1">
+          <a:scrgbClr r="0" g="0" b="0"/>
+        </a:fillRef>
+        <a:effectRef idx="0">
+          <a:scrgbClr r="0" g="0" b="0"/>
+        </a:effectRef>
+        <a:fontRef idx="minor">
+          <a:schemeClr val="lt1"/>
+        </a:fontRef>
+      </dsp:style>
+      <dsp:txBody>
+        <a:bodyPr spcFirstLastPara="0" vert="horz" wrap="square" lIns="106680" tIns="106680" rIns="106680" bIns="106680" numCol="1" spcCol="1270" anchor="ctr" anchorCtr="0">
+          <a:noAutofit/>
+        </a:bodyPr>
+        <a:lstStyle/>
+        <a:p>
+          <a:pPr marL="0" lvl="0" indent="0" algn="l" defTabSz="1244600">
+            <a:lnSpc>
+              <a:spcPct val="90000"/>
+            </a:lnSpc>
+            <a:spcBef>
+              <a:spcPct val="0"/>
+            </a:spcBef>
+            <a:spcAft>
+              <a:spcPct val="35000"/>
+            </a:spcAft>
+            <a:buNone/>
+          </a:pPr>
+          <a:r>
+            <a:rPr lang="pt-PT" sz="2800" kern="1200" dirty="0"/>
+            <a:t>Criação da diretoria ‘</a:t>
+          </a:r>
+          <a:r>
+            <a:rPr lang="pt-PT" sz="2800" kern="1200" dirty="0" err="1"/>
+            <a:t>public_html</a:t>
+          </a:r>
+          <a:r>
+            <a:rPr lang="pt-PT" sz="2800" kern="1200" dirty="0"/>
+            <a:t>’</a:t>
+          </a:r>
+          <a:endParaRPr lang="en-US" sz="2800" kern="1200" dirty="0"/>
+        </a:p>
+      </dsp:txBody>
+      <dsp:txXfrm>
+        <a:off x="59399" y="1747913"/>
+        <a:ext cx="10534781" cy="1098002"/>
+      </dsp:txXfrm>
+    </dsp:sp>
+    <dsp:sp modelId="{84117C14-5A47-4CB2-8553-F4D0C3D2E9D3}">
+      <dsp:nvSpPr>
+        <dsp:cNvPr id="0" name=""/>
+        <dsp:cNvSpPr/>
+      </dsp:nvSpPr>
+      <dsp:spPr>
+        <a:xfrm>
+          <a:off x="0" y="3092514"/>
+          <a:ext cx="10653579" cy="1216800"/>
+        </a:xfrm>
+        <a:prstGeom prst="roundRect">
+          <a:avLst/>
+        </a:prstGeom>
+        <a:solidFill>
+          <a:schemeClr val="accent1">
+            <a:hueOff val="0"/>
+            <a:satOff val="0"/>
+            <a:lumOff val="0"/>
+            <a:alphaOff val="0"/>
+          </a:schemeClr>
+        </a:solidFill>
+        <a:ln w="12700" cap="flat" cmpd="sng" algn="ctr">
+          <a:solidFill>
+            <a:schemeClr val="lt1">
+              <a:hueOff val="0"/>
+              <a:satOff val="0"/>
+              <a:lumOff val="0"/>
+              <a:alphaOff val="0"/>
+            </a:schemeClr>
+          </a:solidFill>
+          <a:prstDash val="solid"/>
+          <a:miter lim="800000"/>
+        </a:ln>
+        <a:effectLst/>
+      </dsp:spPr>
+      <dsp:style>
+        <a:lnRef idx="2">
+          <a:scrgbClr r="0" g="0" b="0"/>
+        </a:lnRef>
+        <a:fillRef idx="1">
+          <a:scrgbClr r="0" g="0" b="0"/>
+        </a:fillRef>
+        <a:effectRef idx="0">
+          <a:scrgbClr r="0" g="0" b="0"/>
+        </a:effectRef>
+        <a:fontRef idx="minor">
+          <a:schemeClr val="lt1"/>
+        </a:fontRef>
+      </dsp:style>
+      <dsp:txBody>
+        <a:bodyPr spcFirstLastPara="0" vert="horz" wrap="square" lIns="106680" tIns="106680" rIns="106680" bIns="106680" numCol="1" spcCol="1270" anchor="ctr" anchorCtr="0">
+          <a:noAutofit/>
+        </a:bodyPr>
+        <a:lstStyle/>
+        <a:p>
+          <a:pPr marL="0" lvl="0" indent="0" algn="l" defTabSz="1244600">
+            <a:lnSpc>
+              <a:spcPct val="90000"/>
+            </a:lnSpc>
+            <a:spcBef>
+              <a:spcPct val="0"/>
+            </a:spcBef>
+            <a:spcAft>
+              <a:spcPct val="35000"/>
+            </a:spcAft>
+            <a:buNone/>
+          </a:pPr>
+          <a:r>
+            <a:rPr lang="pt-PT" sz="2800" kern="1200" dirty="0"/>
+            <a:t>Criação de ficheiro ‘index.html’</a:t>
+          </a:r>
+          <a:endParaRPr lang="en-US" sz="2800" kern="1200" dirty="0"/>
+        </a:p>
+      </dsp:txBody>
+      <dsp:txXfrm>
+        <a:off x="59399" y="3151913"/>
+        <a:ext cx="10534781" cy="1098002"/>
       </dsp:txXfrm>
     </dsp:sp>
   </dsp:spTree>
@@ -2092,7 +3304,1208 @@
 </dgm:layoutDef>
 </file>
 
+<file path=ppt/diagrams/layout2.xml><?xml version="1.0" encoding="utf-8"?>
+<dgm:layoutDef xmlns:dgm="http://schemas.openxmlformats.org/drawingml/2006/diagram" xmlns:a="http://schemas.openxmlformats.org/drawingml/2006/main" uniqueId="urn:microsoft.com/office/officeart/2005/8/layout/vList2">
+  <dgm:title val=""/>
+  <dgm:desc val=""/>
+  <dgm:catLst>
+    <dgm:cat type="list" pri="3000"/>
+    <dgm:cat type="convert" pri="1000"/>
+  </dgm:catLst>
+  <dgm:sampData>
+    <dgm:dataModel>
+      <dgm:ptLst>
+        <dgm:pt modelId="0" type="doc"/>
+        <dgm:pt modelId="1">
+          <dgm:prSet phldr="1"/>
+        </dgm:pt>
+        <dgm:pt modelId="11">
+          <dgm:prSet phldr="1"/>
+        </dgm:pt>
+        <dgm:pt modelId="2">
+          <dgm:prSet phldr="1"/>
+        </dgm:pt>
+        <dgm:pt modelId="21">
+          <dgm:prSet phldr="1"/>
+        </dgm:pt>
+      </dgm:ptLst>
+      <dgm:cxnLst>
+        <dgm:cxn modelId="4" srcId="0" destId="1" srcOrd="0" destOrd="0"/>
+        <dgm:cxn modelId="5" srcId="0" destId="2" srcOrd="1" destOrd="0"/>
+        <dgm:cxn modelId="12" srcId="1" destId="11" srcOrd="0" destOrd="0"/>
+        <dgm:cxn modelId="23" srcId="2" destId="21" srcOrd="0" destOrd="0"/>
+      </dgm:cxnLst>
+      <dgm:bg/>
+      <dgm:whole/>
+    </dgm:dataModel>
+  </dgm:sampData>
+  <dgm:styleData>
+    <dgm:dataModel>
+      <dgm:ptLst>
+        <dgm:pt modelId="0" type="doc"/>
+        <dgm:pt modelId="1"/>
+        <dgm:pt modelId="2"/>
+      </dgm:ptLst>
+      <dgm:cxnLst>
+        <dgm:cxn modelId="3" srcId="0" destId="1" srcOrd="0" destOrd="0"/>
+        <dgm:cxn modelId="4" srcId="0" destId="2" srcOrd="1" destOrd="0"/>
+      </dgm:cxnLst>
+      <dgm:bg/>
+      <dgm:whole/>
+    </dgm:dataModel>
+  </dgm:styleData>
+  <dgm:clrData>
+    <dgm:dataModel>
+      <dgm:ptLst>
+        <dgm:pt modelId="0" type="doc"/>
+        <dgm:pt modelId="1"/>
+        <dgm:pt modelId="2"/>
+        <dgm:pt modelId="3"/>
+        <dgm:pt modelId="4"/>
+      </dgm:ptLst>
+      <dgm:cxnLst>
+        <dgm:cxn modelId="5" srcId="0" destId="1" srcOrd="0" destOrd="0"/>
+        <dgm:cxn modelId="6" srcId="0" destId="2" srcOrd="1" destOrd="0"/>
+        <dgm:cxn modelId="7" srcId="0" destId="3" srcOrd="2" destOrd="0"/>
+        <dgm:cxn modelId="8" srcId="0" destId="4" srcOrd="3" destOrd="0"/>
+      </dgm:cxnLst>
+      <dgm:bg/>
+      <dgm:whole/>
+    </dgm:dataModel>
+  </dgm:clrData>
+  <dgm:layoutNode name="linear">
+    <dgm:varLst>
+      <dgm:animLvl val="lvl"/>
+      <dgm:resizeHandles val="exact"/>
+    </dgm:varLst>
+    <dgm:alg type="lin">
+      <dgm:param type="linDir" val="fromT"/>
+      <dgm:param type="vertAlign" val="mid"/>
+    </dgm:alg>
+    <dgm:shape xmlns:r="http://schemas.openxmlformats.org/officeDocument/2006/relationships" r:blip="">
+      <dgm:adjLst/>
+    </dgm:shape>
+    <dgm:presOf/>
+    <dgm:constrLst>
+      <dgm:constr type="w" for="ch" forName="parentText" refType="w"/>
+      <dgm:constr type="h" for="ch" forName="parentText" refType="primFontSz" refFor="ch" refForName="parentText" fact="0.52"/>
+      <dgm:constr type="w" for="ch" forName="childText" refType="w"/>
+      <dgm:constr type="h" for="ch" forName="childText" refType="primFontSz" refFor="ch" refForName="parentText" fact="0.46"/>
+      <dgm:constr type="h" for="ch" forName="parentText" op="equ"/>
+      <dgm:constr type="primFontSz" for="ch" forName="parentText" op="equ" val="65"/>
+      <dgm:constr type="primFontSz" for="ch" forName="childText" refType="primFontSz" refFor="ch" refForName="parentText" op="equ"/>
+      <dgm:constr type="h" for="ch" forName="spacer" refType="primFontSz" refFor="ch" refForName="parentText" fact="0.08"/>
+    </dgm:constrLst>
+    <dgm:ruleLst>
+      <dgm:rule type="primFontSz" for="ch" forName="parentText" val="5" fact="NaN" max="NaN"/>
+    </dgm:ruleLst>
+    <dgm:forEach name="Name0" axis="ch" ptType="node">
+      <dgm:layoutNode name="parentText" styleLbl="node1">
+        <dgm:varLst>
+          <dgm:chMax val="0"/>
+          <dgm:bulletEnabled val="1"/>
+        </dgm:varLst>
+        <dgm:alg type="tx">
+          <dgm:param type="parTxLTRAlign" val="l"/>
+          <dgm:param type="parTxRTLAlign" val="r"/>
+        </dgm:alg>
+        <dgm:shape xmlns:r="http://schemas.openxmlformats.org/officeDocument/2006/relationships" type="roundRect" r:blip="">
+          <dgm:adjLst/>
+        </dgm:shape>
+        <dgm:presOf axis="self"/>
+        <dgm:constrLst>
+          <dgm:constr type="tMarg" refType="primFontSz" fact="0.3"/>
+          <dgm:constr type="bMarg" refType="primFontSz" fact="0.3"/>
+          <dgm:constr type="lMarg" refType="primFontSz" fact="0.3"/>
+          <dgm:constr type="rMarg" refType="primFontSz" fact="0.3"/>
+        </dgm:constrLst>
+        <dgm:ruleLst>
+          <dgm:rule type="h" val="INF" fact="NaN" max="NaN"/>
+        </dgm:ruleLst>
+      </dgm:layoutNode>
+      <dgm:choose name="Name1">
+        <dgm:if name="Name2" axis="ch" ptType="node" func="cnt" op="gte" val="1">
+          <dgm:layoutNode name="childText" styleLbl="revTx">
+            <dgm:varLst>
+              <dgm:bulletEnabled val="1"/>
+            </dgm:varLst>
+            <dgm:alg type="tx">
+              <dgm:param type="stBulletLvl" val="1"/>
+              <dgm:param type="lnSpAfChP" val="20"/>
+            </dgm:alg>
+            <dgm:shape xmlns:r="http://schemas.openxmlformats.org/officeDocument/2006/relationships" type="rect" r:blip="">
+              <dgm:adjLst/>
+            </dgm:shape>
+            <dgm:presOf axis="des" ptType="node"/>
+            <dgm:constrLst>
+              <dgm:constr type="tMarg" refType="primFontSz" fact="0.1"/>
+              <dgm:constr type="bMarg" refType="primFontSz" fact="0.1"/>
+              <dgm:constr type="lMarg" refType="w" fact="0.09"/>
+            </dgm:constrLst>
+            <dgm:ruleLst>
+              <dgm:rule type="h" val="INF" fact="NaN" max="NaN"/>
+            </dgm:ruleLst>
+          </dgm:layoutNode>
+        </dgm:if>
+        <dgm:else name="Name3">
+          <dgm:choose name="Name4">
+            <dgm:if name="Name5" axis="par ch" ptType="doc node" func="cnt" op="gte" val="2">
+              <dgm:forEach name="Name6" axis="followSib" ptType="sibTrans" cnt="1">
+                <dgm:layoutNode name="spacer">
+                  <dgm:alg type="sp"/>
+                  <dgm:shape xmlns:r="http://schemas.openxmlformats.org/officeDocument/2006/relationships" r:blip="">
+                    <dgm:adjLst/>
+                  </dgm:shape>
+                  <dgm:presOf/>
+                  <dgm:constrLst/>
+                  <dgm:ruleLst/>
+                </dgm:layoutNode>
+              </dgm:forEach>
+            </dgm:if>
+            <dgm:else name="Name7"/>
+          </dgm:choose>
+        </dgm:else>
+      </dgm:choose>
+    </dgm:forEach>
+  </dgm:layoutNode>
+</dgm:layoutDef>
+</file>
+
 <file path=ppt/diagrams/quickStyle1.xml><?xml version="1.0" encoding="utf-8"?>
+<dgm:styleDef xmlns:dgm="http://schemas.openxmlformats.org/drawingml/2006/diagram" xmlns:a="http://schemas.openxmlformats.org/drawingml/2006/main" uniqueId="urn:microsoft.com/office/officeart/2005/8/quickstyle/simple1">
+  <dgm:title val=""/>
+  <dgm:desc val=""/>
+  <dgm:catLst>
+    <dgm:cat type="simple" pri="10100"/>
+  </dgm:catLst>
+  <dgm:scene3d>
+    <a:camera prst="orthographicFront"/>
+    <a:lightRig rig="threePt" dir="t"/>
+  </dgm:scene3d>
+  <dgm:styleLbl name="node0">
+    <dgm:scene3d>
+      <a:camera prst="orthographicFront"/>
+      <a:lightRig rig="threePt" dir="t"/>
+    </dgm:scene3d>
+    <dgm:sp3d/>
+    <dgm:txPr/>
+    <dgm:style>
+      <a:lnRef idx="2">
+        <a:scrgbClr r="0" g="0" b="0"/>
+      </a:lnRef>
+      <a:fillRef idx="1">
+        <a:scrgbClr r="0" g="0" b="0"/>
+      </a:fillRef>
+      <a:effectRef idx="0">
+        <a:scrgbClr r="0" g="0" b="0"/>
+      </a:effectRef>
+      <a:fontRef idx="minor">
+        <a:schemeClr val="lt1"/>
+      </a:fontRef>
+    </dgm:style>
+  </dgm:styleLbl>
+  <dgm:styleLbl name="lnNode1">
+    <dgm:scene3d>
+      <a:camera prst="orthographicFront"/>
+      <a:lightRig rig="threePt" dir="t"/>
+    </dgm:scene3d>
+    <dgm:sp3d/>
+    <dgm:txPr/>
+    <dgm:style>
+      <a:lnRef idx="2">
+        <a:scrgbClr r="0" g="0" b="0"/>
+      </a:lnRef>
+      <a:fillRef idx="1">
+        <a:scrgbClr r="0" g="0" b="0"/>
+      </a:fillRef>
+      <a:effectRef idx="0">
+        <a:scrgbClr r="0" g="0" b="0"/>
+      </a:effectRef>
+      <a:fontRef idx="minor">
+        <a:schemeClr val="lt1"/>
+      </a:fontRef>
+    </dgm:style>
+  </dgm:styleLbl>
+  <dgm:styleLbl name="vennNode1">
+    <dgm:scene3d>
+      <a:camera prst="orthographicFront"/>
+      <a:lightRig rig="threePt" dir="t"/>
+    </dgm:scene3d>
+    <dgm:sp3d/>
+    <dgm:txPr/>
+    <dgm:style>
+      <a:lnRef idx="2">
+        <a:scrgbClr r="0" g="0" b="0"/>
+      </a:lnRef>
+      <a:fillRef idx="1">
+        <a:scrgbClr r="0" g="0" b="0"/>
+      </a:fillRef>
+      <a:effectRef idx="0">
+        <a:scrgbClr r="0" g="0" b="0"/>
+      </a:effectRef>
+      <a:fontRef idx="minor">
+        <a:schemeClr val="tx1"/>
+      </a:fontRef>
+    </dgm:style>
+  </dgm:styleLbl>
+  <dgm:styleLbl name="alignNode1">
+    <dgm:scene3d>
+      <a:camera prst="orthographicFront"/>
+      <a:lightRig rig="threePt" dir="t"/>
+    </dgm:scene3d>
+    <dgm:sp3d/>
+    <dgm:txPr/>
+    <dgm:style>
+      <a:lnRef idx="2">
+        <a:scrgbClr r="0" g="0" b="0"/>
+      </a:lnRef>
+      <a:fillRef idx="1">
+        <a:scrgbClr r="0" g="0" b="0"/>
+      </a:fillRef>
+      <a:effectRef idx="0">
+        <a:scrgbClr r="0" g="0" b="0"/>
+      </a:effectRef>
+      <a:fontRef idx="minor">
+        <a:schemeClr val="lt1"/>
+      </a:fontRef>
+    </dgm:style>
+  </dgm:styleLbl>
+  <dgm:styleLbl name="node1">
+    <dgm:scene3d>
+      <a:camera prst="orthographicFront"/>
+      <a:lightRig rig="threePt" dir="t"/>
+    </dgm:scene3d>
+    <dgm:sp3d/>
+    <dgm:txPr/>
+    <dgm:style>
+      <a:lnRef idx="2">
+        <a:scrgbClr r="0" g="0" b="0"/>
+      </a:lnRef>
+      <a:fillRef idx="1">
+        <a:scrgbClr r="0" g="0" b="0"/>
+      </a:fillRef>
+      <a:effectRef idx="0">
+        <a:scrgbClr r="0" g="0" b="0"/>
+      </a:effectRef>
+      <a:fontRef idx="minor">
+        <a:schemeClr val="lt1"/>
+      </a:fontRef>
+    </dgm:style>
+  </dgm:styleLbl>
+  <dgm:styleLbl name="node2">
+    <dgm:scene3d>
+      <a:camera prst="orthographicFront"/>
+      <a:lightRig rig="threePt" dir="t"/>
+    </dgm:scene3d>
+    <dgm:sp3d/>
+    <dgm:txPr/>
+    <dgm:style>
+      <a:lnRef idx="2">
+        <a:scrgbClr r="0" g="0" b="0"/>
+      </a:lnRef>
+      <a:fillRef idx="1">
+        <a:scrgbClr r="0" g="0" b="0"/>
+      </a:fillRef>
+      <a:effectRef idx="0">
+        <a:scrgbClr r="0" g="0" b="0"/>
+      </a:effectRef>
+      <a:fontRef idx="minor">
+        <a:schemeClr val="lt1"/>
+      </a:fontRef>
+    </dgm:style>
+  </dgm:styleLbl>
+  <dgm:styleLbl name="node3">
+    <dgm:scene3d>
+      <a:camera prst="orthographicFront"/>
+      <a:lightRig rig="threePt" dir="t"/>
+    </dgm:scene3d>
+    <dgm:sp3d/>
+    <dgm:txPr/>
+    <dgm:style>
+      <a:lnRef idx="2">
+        <a:scrgbClr r="0" g="0" b="0"/>
+      </a:lnRef>
+      <a:fillRef idx="1">
+        <a:scrgbClr r="0" g="0" b="0"/>
+      </a:fillRef>
+      <a:effectRef idx="0">
+        <a:scrgbClr r="0" g="0" b="0"/>
+      </a:effectRef>
+      <a:fontRef idx="minor">
+        <a:schemeClr val="lt1"/>
+      </a:fontRef>
+    </dgm:style>
+  </dgm:styleLbl>
+  <dgm:styleLbl name="node4">
+    <dgm:scene3d>
+      <a:camera prst="orthographicFront"/>
+      <a:lightRig rig="threePt" dir="t"/>
+    </dgm:scene3d>
+    <dgm:sp3d/>
+    <dgm:txPr/>
+    <dgm:style>
+      <a:lnRef idx="2">
+        <a:scrgbClr r="0" g="0" b="0"/>
+      </a:lnRef>
+      <a:fillRef idx="1">
+        <a:scrgbClr r="0" g="0" b="0"/>
+      </a:fillRef>
+      <a:effectRef idx="0">
+        <a:scrgbClr r="0" g="0" b="0"/>
+      </a:effectRef>
+      <a:fontRef idx="minor">
+        <a:schemeClr val="lt1"/>
+      </a:fontRef>
+    </dgm:style>
+  </dgm:styleLbl>
+  <dgm:styleLbl name="fgImgPlace1">
+    <dgm:scene3d>
+      <a:camera prst="orthographicFront"/>
+      <a:lightRig rig="threePt" dir="t"/>
+    </dgm:scene3d>
+    <dgm:sp3d/>
+    <dgm:txPr/>
+    <dgm:style>
+      <a:lnRef idx="2">
+        <a:scrgbClr r="0" g="0" b="0"/>
+      </a:lnRef>
+      <a:fillRef idx="1">
+        <a:scrgbClr r="0" g="0" b="0"/>
+      </a:fillRef>
+      <a:effectRef idx="0">
+        <a:scrgbClr r="0" g="0" b="0"/>
+      </a:effectRef>
+      <a:fontRef idx="minor"/>
+    </dgm:style>
+  </dgm:styleLbl>
+  <dgm:styleLbl name="alignImgPlace1">
+    <dgm:scene3d>
+      <a:camera prst="orthographicFront"/>
+      <a:lightRig rig="threePt" dir="t"/>
+    </dgm:scene3d>
+    <dgm:sp3d/>
+    <dgm:txPr/>
+    <dgm:style>
+      <a:lnRef idx="2">
+        <a:scrgbClr r="0" g="0" b="0"/>
+      </a:lnRef>
+      <a:fillRef idx="1">
+        <a:scrgbClr r="0" g="0" b="0"/>
+      </a:fillRef>
+      <a:effectRef idx="0">
+        <a:scrgbClr r="0" g="0" b="0"/>
+      </a:effectRef>
+      <a:fontRef idx="minor"/>
+    </dgm:style>
+  </dgm:styleLbl>
+  <dgm:styleLbl name="bgImgPlace1">
+    <dgm:scene3d>
+      <a:camera prst="orthographicFront"/>
+      <a:lightRig rig="threePt" dir="t"/>
+    </dgm:scene3d>
+    <dgm:sp3d/>
+    <dgm:txPr/>
+    <dgm:style>
+      <a:lnRef idx="2">
+        <a:scrgbClr r="0" g="0" b="0"/>
+      </a:lnRef>
+      <a:fillRef idx="1">
+        <a:scrgbClr r="0" g="0" b="0"/>
+      </a:fillRef>
+      <a:effectRef idx="0">
+        <a:scrgbClr r="0" g="0" b="0"/>
+      </a:effectRef>
+      <a:fontRef idx="minor"/>
+    </dgm:style>
+  </dgm:styleLbl>
+  <dgm:styleLbl name="sibTrans2D1">
+    <dgm:scene3d>
+      <a:camera prst="orthographicFront"/>
+      <a:lightRig rig="threePt" dir="t"/>
+    </dgm:scene3d>
+    <dgm:sp3d/>
+    <dgm:txPr/>
+    <dgm:style>
+      <a:lnRef idx="0">
+        <a:scrgbClr r="0" g="0" b="0"/>
+      </a:lnRef>
+      <a:fillRef idx="1">
+        <a:scrgbClr r="0" g="0" b="0"/>
+      </a:fillRef>
+      <a:effectRef idx="0">
+        <a:scrgbClr r="0" g="0" b="0"/>
+      </a:effectRef>
+      <a:fontRef idx="minor">
+        <a:schemeClr val="lt1"/>
+      </a:fontRef>
+    </dgm:style>
+  </dgm:styleLbl>
+  <dgm:styleLbl name="fgSibTrans2D1">
+    <dgm:scene3d>
+      <a:camera prst="orthographicFront"/>
+      <a:lightRig rig="threePt" dir="t"/>
+    </dgm:scene3d>
+    <dgm:sp3d/>
+    <dgm:txPr/>
+    <dgm:style>
+      <a:lnRef idx="0">
+        <a:scrgbClr r="0" g="0" b="0"/>
+      </a:lnRef>
+      <a:fillRef idx="1">
+        <a:scrgbClr r="0" g="0" b="0"/>
+      </a:fillRef>
+      <a:effectRef idx="0">
+        <a:scrgbClr r="0" g="0" b="0"/>
+      </a:effectRef>
+      <a:fontRef idx="minor">
+        <a:schemeClr val="lt1"/>
+      </a:fontRef>
+    </dgm:style>
+  </dgm:styleLbl>
+  <dgm:styleLbl name="bgSibTrans2D1">
+    <dgm:scene3d>
+      <a:camera prst="orthographicFront"/>
+      <a:lightRig rig="threePt" dir="t"/>
+    </dgm:scene3d>
+    <dgm:sp3d/>
+    <dgm:txPr/>
+    <dgm:style>
+      <a:lnRef idx="0">
+        <a:scrgbClr r="0" g="0" b="0"/>
+      </a:lnRef>
+      <a:fillRef idx="1">
+        <a:scrgbClr r="0" g="0" b="0"/>
+      </a:fillRef>
+      <a:effectRef idx="0">
+        <a:scrgbClr r="0" g="0" b="0"/>
+      </a:effectRef>
+      <a:fontRef idx="minor">
+        <a:schemeClr val="lt1"/>
+      </a:fontRef>
+    </dgm:style>
+  </dgm:styleLbl>
+  <dgm:styleLbl name="sibTrans1D1">
+    <dgm:scene3d>
+      <a:camera prst="orthographicFront"/>
+      <a:lightRig rig="threePt" dir="t"/>
+    </dgm:scene3d>
+    <dgm:sp3d/>
+    <dgm:txPr/>
+    <dgm:style>
+      <a:lnRef idx="1">
+        <a:scrgbClr r="0" g="0" b="0"/>
+      </a:lnRef>
+      <a:fillRef idx="0">
+        <a:scrgbClr r="0" g="0" b="0"/>
+      </a:fillRef>
+      <a:effectRef idx="0">
+        <a:scrgbClr r="0" g="0" b="0"/>
+      </a:effectRef>
+      <a:fontRef idx="minor"/>
+    </dgm:style>
+  </dgm:styleLbl>
+  <dgm:styleLbl name="callout">
+    <dgm:scene3d>
+      <a:camera prst="orthographicFront"/>
+      <a:lightRig rig="threePt" dir="t"/>
+    </dgm:scene3d>
+    <dgm:sp3d/>
+    <dgm:txPr/>
+    <dgm:style>
+      <a:lnRef idx="2">
+        <a:scrgbClr r="0" g="0" b="0"/>
+      </a:lnRef>
+      <a:fillRef idx="1">
+        <a:scrgbClr r="0" g="0" b="0"/>
+      </a:fillRef>
+      <a:effectRef idx="0">
+        <a:scrgbClr r="0" g="0" b="0"/>
+      </a:effectRef>
+      <a:fontRef idx="minor"/>
+    </dgm:style>
+  </dgm:styleLbl>
+  <dgm:styleLbl name="asst0">
+    <dgm:scene3d>
+      <a:camera prst="orthographicFront"/>
+      <a:lightRig rig="threePt" dir="t"/>
+    </dgm:scene3d>
+    <dgm:sp3d/>
+    <dgm:txPr/>
+    <dgm:style>
+      <a:lnRef idx="2">
+        <a:scrgbClr r="0" g="0" b="0"/>
+      </a:lnRef>
+      <a:fillRef idx="1">
+        <a:scrgbClr r="0" g="0" b="0"/>
+      </a:fillRef>
+      <a:effectRef idx="0">
+        <a:scrgbClr r="0" g="0" b="0"/>
+      </a:effectRef>
+      <a:fontRef idx="minor">
+        <a:schemeClr val="lt1"/>
+      </a:fontRef>
+    </dgm:style>
+  </dgm:styleLbl>
+  <dgm:styleLbl name="asst1">
+    <dgm:scene3d>
+      <a:camera prst="orthographicFront"/>
+      <a:lightRig rig="threePt" dir="t"/>
+    </dgm:scene3d>
+    <dgm:sp3d/>
+    <dgm:txPr/>
+    <dgm:style>
+      <a:lnRef idx="2">
+        <a:scrgbClr r="0" g="0" b="0"/>
+      </a:lnRef>
+      <a:fillRef idx="1">
+        <a:scrgbClr r="0" g="0" b="0"/>
+      </a:fillRef>
+      <a:effectRef idx="0">
+        <a:scrgbClr r="0" g="0" b="0"/>
+      </a:effectRef>
+      <a:fontRef idx="minor">
+        <a:schemeClr val="lt1"/>
+      </a:fontRef>
+    </dgm:style>
+  </dgm:styleLbl>
+  <dgm:styleLbl name="asst2">
+    <dgm:scene3d>
+      <a:camera prst="orthographicFront"/>
+      <a:lightRig rig="threePt" dir="t"/>
+    </dgm:scene3d>
+    <dgm:sp3d/>
+    <dgm:txPr/>
+    <dgm:style>
+      <a:lnRef idx="2">
+        <a:scrgbClr r="0" g="0" b="0"/>
+      </a:lnRef>
+      <a:fillRef idx="1">
+        <a:scrgbClr r="0" g="0" b="0"/>
+      </a:fillRef>
+      <a:effectRef idx="0">
+        <a:scrgbClr r="0" g="0" b="0"/>
+      </a:effectRef>
+      <a:fontRef idx="minor">
+        <a:schemeClr val="lt1"/>
+      </a:fontRef>
+    </dgm:style>
+  </dgm:styleLbl>
+  <dgm:styleLbl name="asst3">
+    <dgm:scene3d>
+      <a:camera prst="orthographicFront"/>
+      <a:lightRig rig="threePt" dir="t"/>
+    </dgm:scene3d>
+    <dgm:sp3d/>
+    <dgm:txPr/>
+    <dgm:style>
+      <a:lnRef idx="2">
+        <a:scrgbClr r="0" g="0" b="0"/>
+      </a:lnRef>
+      <a:fillRef idx="1">
+        <a:scrgbClr r="0" g="0" b="0"/>
+      </a:fillRef>
+      <a:effectRef idx="0">
+        <a:scrgbClr r="0" g="0" b="0"/>
+      </a:effectRef>
+      <a:fontRef idx="minor">
+        <a:schemeClr val="lt1"/>
+      </a:fontRef>
+    </dgm:style>
+  </dgm:styleLbl>
+  <dgm:styleLbl name="asst4">
+    <dgm:scene3d>
+      <a:camera prst="orthographicFront"/>
+      <a:lightRig rig="threePt" dir="t"/>
+    </dgm:scene3d>
+    <dgm:sp3d/>
+    <dgm:txPr/>
+    <dgm:style>
+      <a:lnRef idx="2">
+        <a:scrgbClr r="0" g="0" b="0"/>
+      </a:lnRef>
+      <a:fillRef idx="1">
+        <a:scrgbClr r="0" g="0" b="0"/>
+      </a:fillRef>
+      <a:effectRef idx="0">
+        <a:scrgbClr r="0" g="0" b="0"/>
+      </a:effectRef>
+      <a:fontRef idx="minor">
+        <a:schemeClr val="lt1"/>
+      </a:fontRef>
+    </dgm:style>
+  </dgm:styleLbl>
+  <dgm:styleLbl name="parChTrans2D1">
+    <dgm:scene3d>
+      <a:camera prst="orthographicFront"/>
+      <a:lightRig rig="threePt" dir="t"/>
+    </dgm:scene3d>
+    <dgm:sp3d/>
+    <dgm:txPr/>
+    <dgm:style>
+      <a:lnRef idx="2">
+        <a:scrgbClr r="0" g="0" b="0"/>
+      </a:lnRef>
+      <a:fillRef idx="1">
+        <a:scrgbClr r="0" g="0" b="0"/>
+      </a:fillRef>
+      <a:effectRef idx="0">
+        <a:scrgbClr r="0" g="0" b="0"/>
+      </a:effectRef>
+      <a:fontRef idx="minor">
+        <a:schemeClr val="lt1"/>
+      </a:fontRef>
+    </dgm:style>
+  </dgm:styleLbl>
+  <dgm:styleLbl name="parChTrans2D2">
+    <dgm:scene3d>
+      <a:camera prst="orthographicFront"/>
+      <a:lightRig rig="threePt" dir="t"/>
+    </dgm:scene3d>
+    <dgm:sp3d/>
+    <dgm:txPr/>
+    <dgm:style>
+      <a:lnRef idx="2">
+        <a:scrgbClr r="0" g="0" b="0"/>
+      </a:lnRef>
+      <a:fillRef idx="1">
+        <a:scrgbClr r="0" g="0" b="0"/>
+      </a:fillRef>
+      <a:effectRef idx="0">
+        <a:scrgbClr r="0" g="0" b="0"/>
+      </a:effectRef>
+      <a:fontRef idx="minor">
+        <a:schemeClr val="lt1"/>
+      </a:fontRef>
+    </dgm:style>
+  </dgm:styleLbl>
+  <dgm:styleLbl name="parChTrans2D3">
+    <dgm:scene3d>
+      <a:camera prst="orthographicFront"/>
+      <a:lightRig rig="threePt" dir="t"/>
+    </dgm:scene3d>
+    <dgm:sp3d/>
+    <dgm:txPr/>
+    <dgm:style>
+      <a:lnRef idx="2">
+        <a:scrgbClr r="0" g="0" b="0"/>
+      </a:lnRef>
+      <a:fillRef idx="1">
+        <a:scrgbClr r="0" g="0" b="0"/>
+      </a:fillRef>
+      <a:effectRef idx="0">
+        <a:scrgbClr r="0" g="0" b="0"/>
+      </a:effectRef>
+      <a:fontRef idx="minor">
+        <a:schemeClr val="lt1"/>
+      </a:fontRef>
+    </dgm:style>
+  </dgm:styleLbl>
+  <dgm:styleLbl name="parChTrans2D4">
+    <dgm:scene3d>
+      <a:camera prst="orthographicFront"/>
+      <a:lightRig rig="threePt" dir="t"/>
+    </dgm:scene3d>
+    <dgm:sp3d/>
+    <dgm:txPr/>
+    <dgm:style>
+      <a:lnRef idx="2">
+        <a:scrgbClr r="0" g="0" b="0"/>
+      </a:lnRef>
+      <a:fillRef idx="1">
+        <a:scrgbClr r="0" g="0" b="0"/>
+      </a:fillRef>
+      <a:effectRef idx="0">
+        <a:scrgbClr r="0" g="0" b="0"/>
+      </a:effectRef>
+      <a:fontRef idx="minor">
+        <a:schemeClr val="lt1"/>
+      </a:fontRef>
+    </dgm:style>
+  </dgm:styleLbl>
+  <dgm:styleLbl name="parChTrans1D1">
+    <dgm:scene3d>
+      <a:camera prst="orthographicFront"/>
+      <a:lightRig rig="threePt" dir="t"/>
+    </dgm:scene3d>
+    <dgm:sp3d/>
+    <dgm:txPr/>
+    <dgm:style>
+      <a:lnRef idx="2">
+        <a:scrgbClr r="0" g="0" b="0"/>
+      </a:lnRef>
+      <a:fillRef idx="0">
+        <a:scrgbClr r="0" g="0" b="0"/>
+      </a:fillRef>
+      <a:effectRef idx="0">
+        <a:scrgbClr r="0" g="0" b="0"/>
+      </a:effectRef>
+      <a:fontRef idx="minor"/>
+    </dgm:style>
+  </dgm:styleLbl>
+  <dgm:styleLbl name="parChTrans1D2">
+    <dgm:scene3d>
+      <a:camera prst="orthographicFront"/>
+      <a:lightRig rig="threePt" dir="t"/>
+    </dgm:scene3d>
+    <dgm:sp3d/>
+    <dgm:txPr/>
+    <dgm:style>
+      <a:lnRef idx="2">
+        <a:scrgbClr r="0" g="0" b="0"/>
+      </a:lnRef>
+      <a:fillRef idx="0">
+        <a:scrgbClr r="0" g="0" b="0"/>
+      </a:fillRef>
+      <a:effectRef idx="0">
+        <a:scrgbClr r="0" g="0" b="0"/>
+      </a:effectRef>
+      <a:fontRef idx="minor"/>
+    </dgm:style>
+  </dgm:styleLbl>
+  <dgm:styleLbl name="parChTrans1D3">
+    <dgm:scene3d>
+      <a:camera prst="orthographicFront"/>
+      <a:lightRig rig="threePt" dir="t"/>
+    </dgm:scene3d>
+    <dgm:sp3d/>
+    <dgm:txPr/>
+    <dgm:style>
+      <a:lnRef idx="2">
+        <a:scrgbClr r="0" g="0" b="0"/>
+      </a:lnRef>
+      <a:fillRef idx="0">
+        <a:scrgbClr r="0" g="0" b="0"/>
+      </a:fillRef>
+      <a:effectRef idx="0">
+        <a:scrgbClr r="0" g="0" b="0"/>
+      </a:effectRef>
+      <a:fontRef idx="minor"/>
+    </dgm:style>
+  </dgm:styleLbl>
+  <dgm:styleLbl name="parChTrans1D4">
+    <dgm:scene3d>
+      <a:camera prst="orthographicFront"/>
+      <a:lightRig rig="threePt" dir="t"/>
+    </dgm:scene3d>
+    <dgm:sp3d/>
+    <dgm:txPr/>
+    <dgm:style>
+      <a:lnRef idx="2">
+        <a:scrgbClr r="0" g="0" b="0"/>
+      </a:lnRef>
+      <a:fillRef idx="0">
+        <a:scrgbClr r="0" g="0" b="0"/>
+      </a:fillRef>
+      <a:effectRef idx="0">
+        <a:scrgbClr r="0" g="0" b="0"/>
+      </a:effectRef>
+      <a:fontRef idx="minor"/>
+    </dgm:style>
+  </dgm:styleLbl>
+  <dgm:styleLbl name="fgAcc1">
+    <dgm:scene3d>
+      <a:camera prst="orthographicFront"/>
+      <a:lightRig rig="threePt" dir="t"/>
+    </dgm:scene3d>
+    <dgm:sp3d/>
+    <dgm:txPr/>
+    <dgm:style>
+      <a:lnRef idx="2">
+        <a:scrgbClr r="0" g="0" b="0"/>
+      </a:lnRef>
+      <a:fillRef idx="1">
+        <a:scrgbClr r="0" g="0" b="0"/>
+      </a:fillRef>
+      <a:effectRef idx="0">
+        <a:scrgbClr r="0" g="0" b="0"/>
+      </a:effectRef>
+      <a:fontRef idx="minor"/>
+    </dgm:style>
+  </dgm:styleLbl>
+  <dgm:styleLbl name="conFgAcc1">
+    <dgm:scene3d>
+      <a:camera prst="orthographicFront"/>
+      <a:lightRig rig="threePt" dir="t"/>
+    </dgm:scene3d>
+    <dgm:sp3d/>
+    <dgm:txPr/>
+    <dgm:style>
+      <a:lnRef idx="2">
+        <a:scrgbClr r="0" g="0" b="0"/>
+      </a:lnRef>
+      <a:fillRef idx="1">
+        <a:scrgbClr r="0" g="0" b="0"/>
+      </a:fillRef>
+      <a:effectRef idx="0">
+        <a:scrgbClr r="0" g="0" b="0"/>
+      </a:effectRef>
+      <a:fontRef idx="minor"/>
+    </dgm:style>
+  </dgm:styleLbl>
+  <dgm:styleLbl name="alignAcc1">
+    <dgm:scene3d>
+      <a:camera prst="orthographicFront"/>
+      <a:lightRig rig="threePt" dir="t"/>
+    </dgm:scene3d>
+    <dgm:sp3d/>
+    <dgm:txPr/>
+    <dgm:style>
+      <a:lnRef idx="2">
+        <a:scrgbClr r="0" g="0" b="0"/>
+      </a:lnRef>
+      <a:fillRef idx="1">
+        <a:scrgbClr r="0" g="0" b="0"/>
+      </a:fillRef>
+      <a:effectRef idx="0">
+        <a:scrgbClr r="0" g="0" b="0"/>
+      </a:effectRef>
+      <a:fontRef idx="minor"/>
+    </dgm:style>
+  </dgm:styleLbl>
+  <dgm:styleLbl name="trAlignAcc1">
+    <dgm:scene3d>
+      <a:camera prst="orthographicFront"/>
+      <a:lightRig rig="threePt" dir="t"/>
+    </dgm:scene3d>
+    <dgm:sp3d/>
+    <dgm:txPr/>
+    <dgm:style>
+      <a:lnRef idx="1">
+        <a:scrgbClr r="0" g="0" b="0"/>
+      </a:lnRef>
+      <a:fillRef idx="1">
+        <a:scrgbClr r="0" g="0" b="0"/>
+      </a:fillRef>
+      <a:effectRef idx="0">
+        <a:scrgbClr r="0" g="0" b="0"/>
+      </a:effectRef>
+      <a:fontRef idx="minor"/>
+    </dgm:style>
+  </dgm:styleLbl>
+  <dgm:styleLbl name="bgAcc1">
+    <dgm:scene3d>
+      <a:camera prst="orthographicFront"/>
+      <a:lightRig rig="threePt" dir="t"/>
+    </dgm:scene3d>
+    <dgm:sp3d/>
+    <dgm:txPr/>
+    <dgm:style>
+      <a:lnRef idx="2">
+        <a:scrgbClr r="0" g="0" b="0"/>
+      </a:lnRef>
+      <a:fillRef idx="1">
+        <a:scrgbClr r="0" g="0" b="0"/>
+      </a:fillRef>
+      <a:effectRef idx="0">
+        <a:scrgbClr r="0" g="0" b="0"/>
+      </a:effectRef>
+      <a:fontRef idx="minor"/>
+    </dgm:style>
+  </dgm:styleLbl>
+  <dgm:styleLbl name="solidFgAcc1">
+    <dgm:scene3d>
+      <a:camera prst="orthographicFront"/>
+      <a:lightRig rig="threePt" dir="t"/>
+    </dgm:scene3d>
+    <dgm:sp3d/>
+    <dgm:txPr/>
+    <dgm:style>
+      <a:lnRef idx="2">
+        <a:scrgbClr r="0" g="0" b="0"/>
+      </a:lnRef>
+      <a:fillRef idx="1">
+        <a:scrgbClr r="0" g="0" b="0"/>
+      </a:fillRef>
+      <a:effectRef idx="0">
+        <a:scrgbClr r="0" g="0" b="0"/>
+      </a:effectRef>
+      <a:fontRef idx="minor"/>
+    </dgm:style>
+  </dgm:styleLbl>
+  <dgm:styleLbl name="solidAlignAcc1">
+    <dgm:scene3d>
+      <a:camera prst="orthographicFront"/>
+      <a:lightRig rig="threePt" dir="t"/>
+    </dgm:scene3d>
+    <dgm:sp3d/>
+    <dgm:txPr/>
+    <dgm:style>
+      <a:lnRef idx="2">
+        <a:scrgbClr r="0" g="0" b="0"/>
+      </a:lnRef>
+      <a:fillRef idx="1">
+        <a:scrgbClr r="0" g="0" b="0"/>
+      </a:fillRef>
+      <a:effectRef idx="0">
+        <a:scrgbClr r="0" g="0" b="0"/>
+      </a:effectRef>
+      <a:fontRef idx="minor"/>
+    </dgm:style>
+  </dgm:styleLbl>
+  <dgm:styleLbl name="solidBgAcc1">
+    <dgm:scene3d>
+      <a:camera prst="orthographicFront"/>
+      <a:lightRig rig="threePt" dir="t"/>
+    </dgm:scene3d>
+    <dgm:sp3d/>
+    <dgm:txPr/>
+    <dgm:style>
+      <a:lnRef idx="2">
+        <a:scrgbClr r="0" g="0" b="0"/>
+      </a:lnRef>
+      <a:fillRef idx="1">
+        <a:scrgbClr r="0" g="0" b="0"/>
+      </a:fillRef>
+      <a:effectRef idx="0">
+        <a:scrgbClr r="0" g="0" b="0"/>
+      </a:effectRef>
+      <a:fontRef idx="minor"/>
+    </dgm:style>
+  </dgm:styleLbl>
+  <dgm:styleLbl name="fgAccFollowNode1">
+    <dgm:scene3d>
+      <a:camera prst="orthographicFront"/>
+      <a:lightRig rig="threePt" dir="t"/>
+    </dgm:scene3d>
+    <dgm:sp3d/>
+    <dgm:txPr/>
+    <dgm:style>
+      <a:lnRef idx="2">
+        <a:scrgbClr r="0" g="0" b="0"/>
+      </a:lnRef>
+      <a:fillRef idx="1">
+        <a:scrgbClr r="0" g="0" b="0"/>
+      </a:fillRef>
+      <a:effectRef idx="0">
+        <a:scrgbClr r="0" g="0" b="0"/>
+      </a:effectRef>
+      <a:fontRef idx="minor"/>
+    </dgm:style>
+  </dgm:styleLbl>
+  <dgm:styleLbl name="alignAccFollowNode1">
+    <dgm:scene3d>
+      <a:camera prst="orthographicFront"/>
+      <a:lightRig rig="threePt" dir="t"/>
+    </dgm:scene3d>
+    <dgm:sp3d/>
+    <dgm:txPr/>
+    <dgm:style>
+      <a:lnRef idx="2">
+        <a:scrgbClr r="0" g="0" b="0"/>
+      </a:lnRef>
+      <a:fillRef idx="1">
+        <a:scrgbClr r="0" g="0" b="0"/>
+      </a:fillRef>
+      <a:effectRef idx="0">
+        <a:scrgbClr r="0" g="0" b="0"/>
+      </a:effectRef>
+      <a:fontRef idx="minor"/>
+    </dgm:style>
+  </dgm:styleLbl>
+  <dgm:styleLbl name="bgAccFollowNode1">
+    <dgm:scene3d>
+      <a:camera prst="orthographicFront"/>
+      <a:lightRig rig="threePt" dir="t"/>
+    </dgm:scene3d>
+    <dgm:sp3d/>
+    <dgm:txPr/>
+    <dgm:style>
+      <a:lnRef idx="2">
+        <a:scrgbClr r="0" g="0" b="0"/>
+      </a:lnRef>
+      <a:fillRef idx="1">
+        <a:scrgbClr r="0" g="0" b="0"/>
+      </a:fillRef>
+      <a:effectRef idx="0">
+        <a:scrgbClr r="0" g="0" b="0"/>
+      </a:effectRef>
+      <a:fontRef idx="minor"/>
+    </dgm:style>
+  </dgm:styleLbl>
+  <dgm:styleLbl name="fgAcc0">
+    <dgm:scene3d>
+      <a:camera prst="orthographicFront"/>
+      <a:lightRig rig="threePt" dir="t"/>
+    </dgm:scene3d>
+    <dgm:sp3d/>
+    <dgm:txPr/>
+    <dgm:style>
+      <a:lnRef idx="2">
+        <a:scrgbClr r="0" g="0" b="0"/>
+      </a:lnRef>
+      <a:fillRef idx="1">
+        <a:scrgbClr r="0" g="0" b="0"/>
+      </a:fillRef>
+      <a:effectRef idx="0">
+        <a:scrgbClr r="0" g="0" b="0"/>
+      </a:effectRef>
+      <a:fontRef idx="minor"/>
+    </dgm:style>
+  </dgm:styleLbl>
+  <dgm:styleLbl name="fgAcc2">
+    <dgm:scene3d>
+      <a:camera prst="orthographicFront"/>
+      <a:lightRig rig="threePt" dir="t"/>
+    </dgm:scene3d>
+    <dgm:sp3d/>
+    <dgm:txPr/>
+    <dgm:style>
+      <a:lnRef idx="2">
+        <a:scrgbClr r="0" g="0" b="0"/>
+      </a:lnRef>
+      <a:fillRef idx="1">
+        <a:scrgbClr r="0" g="0" b="0"/>
+      </a:fillRef>
+      <a:effectRef idx="0">
+        <a:scrgbClr r="0" g="0" b="0"/>
+      </a:effectRef>
+      <a:fontRef idx="minor"/>
+    </dgm:style>
+  </dgm:styleLbl>
+  <dgm:styleLbl name="fgAcc3">
+    <dgm:scene3d>
+      <a:camera prst="orthographicFront"/>
+      <a:lightRig rig="threePt" dir="t"/>
+    </dgm:scene3d>
+    <dgm:sp3d/>
+    <dgm:txPr/>
+    <dgm:style>
+      <a:lnRef idx="2">
+        <a:scrgbClr r="0" g="0" b="0"/>
+      </a:lnRef>
+      <a:fillRef idx="1">
+        <a:scrgbClr r="0" g="0" b="0"/>
+      </a:fillRef>
+      <a:effectRef idx="0">
+        <a:scrgbClr r="0" g="0" b="0"/>
+      </a:effectRef>
+      <a:fontRef idx="minor"/>
+    </dgm:style>
+  </dgm:styleLbl>
+  <dgm:styleLbl name="fgAcc4">
+    <dgm:scene3d>
+      <a:camera prst="orthographicFront"/>
+      <a:lightRig rig="threePt" dir="t"/>
+    </dgm:scene3d>
+    <dgm:sp3d/>
+    <dgm:txPr/>
+    <dgm:style>
+      <a:lnRef idx="2">
+        <a:scrgbClr r="0" g="0" b="0"/>
+      </a:lnRef>
+      <a:fillRef idx="1">
+        <a:scrgbClr r="0" g="0" b="0"/>
+      </a:fillRef>
+      <a:effectRef idx="0">
+        <a:scrgbClr r="0" g="0" b="0"/>
+      </a:effectRef>
+      <a:fontRef idx="minor"/>
+    </dgm:style>
+  </dgm:styleLbl>
+  <dgm:styleLbl name="bgShp">
+    <dgm:scene3d>
+      <a:camera prst="orthographicFront"/>
+      <a:lightRig rig="threePt" dir="t"/>
+    </dgm:scene3d>
+    <dgm:sp3d/>
+    <dgm:txPr/>
+    <dgm:style>
+      <a:lnRef idx="0">
+        <a:scrgbClr r="0" g="0" b="0"/>
+      </a:lnRef>
+      <a:fillRef idx="1">
+        <a:scrgbClr r="0" g="0" b="0"/>
+      </a:fillRef>
+      <a:effectRef idx="0">
+        <a:scrgbClr r="0" g="0" b="0"/>
+      </a:effectRef>
+      <a:fontRef idx="minor"/>
+    </dgm:style>
+  </dgm:styleLbl>
+  <dgm:styleLbl name="dkBgShp">
+    <dgm:scene3d>
+      <a:camera prst="orthographicFront"/>
+      <a:lightRig rig="threePt" dir="t"/>
+    </dgm:scene3d>
+    <dgm:sp3d/>
+    <dgm:txPr/>
+    <dgm:style>
+      <a:lnRef idx="0">
+        <a:scrgbClr r="0" g="0" b="0"/>
+      </a:lnRef>
+      <a:fillRef idx="1">
+        <a:scrgbClr r="0" g="0" b="0"/>
+      </a:fillRef>
+      <a:effectRef idx="0">
+        <a:scrgbClr r="0" g="0" b="0"/>
+      </a:effectRef>
+      <a:fontRef idx="minor"/>
+    </dgm:style>
+  </dgm:styleLbl>
+  <dgm:styleLbl name="trBgShp">
+    <dgm:scene3d>
+      <a:camera prst="orthographicFront"/>
+      <a:lightRig rig="threePt" dir="t"/>
+    </dgm:scene3d>
+    <dgm:sp3d/>
+    <dgm:txPr/>
+    <dgm:style>
+      <a:lnRef idx="0">
+        <a:scrgbClr r="0" g="0" b="0"/>
+      </a:lnRef>
+      <a:fillRef idx="1">
+        <a:scrgbClr r="0" g="0" b="0"/>
+      </a:fillRef>
+      <a:effectRef idx="0">
+        <a:scrgbClr r="0" g="0" b="0"/>
+      </a:effectRef>
+      <a:fontRef idx="minor"/>
+    </dgm:style>
+  </dgm:styleLbl>
+  <dgm:styleLbl name="fgShp">
+    <dgm:scene3d>
+      <a:camera prst="orthographicFront"/>
+      <a:lightRig rig="threePt" dir="t"/>
+    </dgm:scene3d>
+    <dgm:sp3d/>
+    <dgm:txPr/>
+    <dgm:style>
+      <a:lnRef idx="2">
+        <a:scrgbClr r="0" g="0" b="0"/>
+      </a:lnRef>
+      <a:fillRef idx="1">
+        <a:scrgbClr r="0" g="0" b="0"/>
+      </a:fillRef>
+      <a:effectRef idx="0">
+        <a:scrgbClr r="0" g="0" b="0"/>
+      </a:effectRef>
+      <a:fontRef idx="minor"/>
+    </dgm:style>
+  </dgm:styleLbl>
+  <dgm:styleLbl name="revTx">
+    <dgm:scene3d>
+      <a:camera prst="orthographicFront"/>
+      <a:lightRig rig="threePt" dir="t"/>
+    </dgm:scene3d>
+    <dgm:sp3d/>
+    <dgm:txPr/>
+    <dgm:style>
+      <a:lnRef idx="0">
+        <a:scrgbClr r="0" g="0" b="0"/>
+      </a:lnRef>
+      <a:fillRef idx="0">
+        <a:scrgbClr r="0" g="0" b="0"/>
+      </a:fillRef>
+      <a:effectRef idx="0">
+        <a:scrgbClr r="0" g="0" b="0"/>
+      </a:effectRef>
+      <a:fontRef idx="minor"/>
+    </dgm:style>
+  </dgm:styleLbl>
+</dgm:styleDef>
+</file>
+
+<file path=ppt/diagrams/quickStyle2.xml><?xml version="1.0" encoding="utf-8"?>
 <dgm:styleDef xmlns:dgm="http://schemas.openxmlformats.org/drawingml/2006/diagram" xmlns:a="http://schemas.openxmlformats.org/drawingml/2006/main" uniqueId="urn:microsoft.com/office/officeart/2005/8/quickstyle/simple1">
   <dgm:title val=""/>
   <dgm:desc val=""/>
@@ -3279,7 +5692,7 @@
           <a:p>
             <a:fld id="{C128FA71-3A18-48C0-980F-4B68F7F63042}" type="datetime1">
               <a:rPr lang="en-US" smtClean="0"/>
-              <a:t>5/19/2025</a:t>
+              <a:t>6/1/2025</a:t>
             </a:fld>
             <a:endParaRPr lang="en-US"/>
           </a:p>
@@ -3487,7 +5900,7 @@
           <a:p>
             <a:fld id="{7104EDB3-C0E8-45F8-9E1D-1B6C8D1880C0}" type="datetime1">
               <a:rPr lang="en-US" smtClean="0"/>
-              <a:t>5/19/2025</a:t>
+              <a:t>6/1/2025</a:t>
             </a:fld>
             <a:endParaRPr lang="en-US"/>
           </a:p>
@@ -3697,7 +6110,7 @@
           <a:p>
             <a:fld id="{9CF0EC4B-54ED-4041-B552-9BA760FA3DBA}" type="datetime1">
               <a:rPr lang="en-US" smtClean="0"/>
-              <a:t>5/19/2025</a:t>
+              <a:t>6/1/2025</a:t>
             </a:fld>
             <a:endParaRPr lang="en-US"/>
           </a:p>
@@ -3895,7 +6308,7 @@
           <a:p>
             <a:fld id="{51C1210E-201E-4473-82AC-2466F5386C38}" type="datetime1">
               <a:rPr lang="en-US" smtClean="0"/>
-              <a:t>5/19/2025</a:t>
+              <a:t>6/1/2025</a:t>
             </a:fld>
             <a:endParaRPr lang="en-US"/>
           </a:p>
@@ -4173,7 +6586,7 @@
           <a:p>
             <a:fld id="{B01EA198-6CAB-4B8F-B93F-1F9C8C4B6CE7}" type="datetime1">
               <a:rPr lang="en-US" smtClean="0"/>
-              <a:t>5/19/2025</a:t>
+              <a:t>6/1/2025</a:t>
             </a:fld>
             <a:endParaRPr lang="en-US"/>
           </a:p>
@@ -4445,7 +6858,7 @@
           <a:p>
             <a:fld id="{CA06041F-4525-44D5-AA4F-332294BF1F56}" type="datetime1">
               <a:rPr lang="en-US" smtClean="0"/>
-              <a:t>5/19/2025</a:t>
+              <a:t>6/1/2025</a:t>
             </a:fld>
             <a:endParaRPr lang="en-US"/>
           </a:p>
@@ -4869,7 +7282,7 @@
           <a:p>
             <a:fld id="{F9557091-BBDF-4EB9-BA6B-2BB67AC4FC0F}" type="datetime1">
               <a:rPr lang="en-US" smtClean="0"/>
-              <a:t>5/19/2025</a:t>
+              <a:t>6/1/2025</a:t>
             </a:fld>
             <a:endParaRPr lang="en-US"/>
           </a:p>
@@ -5010,7 +7423,7 @@
           <a:p>
             <a:fld id="{2D6B226B-77A6-410C-9796-083F278E0125}" type="datetime1">
               <a:rPr lang="en-US" smtClean="0"/>
-              <a:t>5/19/2025</a:t>
+              <a:t>6/1/2025</a:t>
             </a:fld>
             <a:endParaRPr lang="en-US"/>
           </a:p>
@@ -5123,7 +7536,7 @@
           <a:p>
             <a:fld id="{A23A578B-D289-4C40-8593-3D356C49DA58}" type="datetime1">
               <a:rPr lang="en-US" smtClean="0"/>
-              <a:t>5/19/2025</a:t>
+              <a:t>6/1/2025</a:t>
             </a:fld>
             <a:endParaRPr lang="en-US"/>
           </a:p>
@@ -5442,7 +7855,7 @@
           <a:p>
             <a:fld id="{713DFAE3-14DB-48A7-A80F-80DDB072CE3D}" type="datetime1">
               <a:rPr lang="en-US" smtClean="0"/>
-              <a:t>5/19/2025</a:t>
+              <a:t>6/1/2025</a:t>
             </a:fld>
             <a:endParaRPr lang="en-US"/>
           </a:p>
@@ -5736,7 +8149,7 @@
           <a:p>
             <a:fld id="{92C5EAEF-6478-4102-8F5D-A5FE9FC97ACB}" type="datetime1">
               <a:rPr lang="en-US" smtClean="0"/>
-              <a:t>5/19/2025</a:t>
+              <a:t>6/1/2025</a:t>
             </a:fld>
             <a:endParaRPr lang="en-US"/>
           </a:p>
@@ -5977,7 +8390,7 @@
           <a:p>
             <a:fld id="{67F45AC6-C491-4585-A584-9CE2AF7D5500}" type="datetime1">
               <a:rPr lang="en-US" smtClean="0"/>
-              <a:t>5/19/2025</a:t>
+              <a:t>6/1/2025</a:t>
             </a:fld>
             <a:endParaRPr lang="en-US"/>
           </a:p>
@@ -6741,13 +9154,13 @@
   <p:clrMapOvr>
     <a:overrideClrMapping bg1="dk1" tx1="lt1" bg2="dk2" tx2="lt2" accent1="accent1" accent2="accent2" accent3="accent3" accent4="accent4" accent5="accent5" accent6="accent6" hlink="hlink" folHlink="folHlink"/>
   </p:clrMapOvr>
-  <mc:AlternateContent xmlns:mc="http://schemas.openxmlformats.org/markup-compatibility/2006">
-    <mc:Choice xmlns:p14="http://schemas.microsoft.com/office/powerpoint/2010/main" Requires="p14">
+  <mc:AlternateContent xmlns:mc="http://schemas.openxmlformats.org/markup-compatibility/2006" xmlns:p14="http://schemas.microsoft.com/office/powerpoint/2010/main">
+    <mc:Choice Requires="p14">
       <p:transition spd="med" p14:dur="700">
         <p:fade/>
       </p:transition>
     </mc:Choice>
-    <mc:Fallback>
+    <mc:Fallback xmlns="">
       <p:transition spd="med">
         <p:fade/>
       </p:transition>
@@ -6759,6 +9172,14 @@
 <file path=ppt/slides/slide10.xml><?xml version="1.0" encoding="utf-8"?>
 <p:sld xmlns:a="http://schemas.openxmlformats.org/drawingml/2006/main" xmlns:r="http://schemas.openxmlformats.org/officeDocument/2006/relationships" xmlns:p="http://schemas.openxmlformats.org/presentationml/2006/main">
   <p:cSld>
+    <p:bg>
+      <p:bgPr>
+        <a:solidFill>
+          <a:schemeClr val="bg1"/>
+        </a:solidFill>
+        <a:effectLst/>
+      </p:bgPr>
+    </p:bg>
     <p:spTree>
       <p:nvGrpSpPr>
         <p:cNvPr id="1" name="">
@@ -6779,529 +9200,12 @@
           <a:chExt cx="0" cy="0"/>
         </a:xfrm>
       </p:grpSpPr>
-      <p:sp>
-        <p:nvSpPr>
-          <p:cNvPr id="2" name="Title 1">
-            <a:extLst>
-              <a:ext uri="{FF2B5EF4-FFF2-40B4-BE49-F238E27FC236}">
-                <a16:creationId xmlns:a16="http://schemas.microsoft.com/office/drawing/2014/main" id="{4F1C28AB-B8DE-18D5-7B04-1A3AC4C8429A}"/>
-              </a:ext>
-            </a:extLst>
-          </p:cNvPr>
-          <p:cNvSpPr>
-            <a:spLocks noGrp="1"/>
-          </p:cNvSpPr>
-          <p:nvPr>
-            <p:ph type="title"/>
-          </p:nvPr>
-        </p:nvSpPr>
-        <p:spPr/>
-        <p:txBody>
-          <a:bodyPr/>
-          <a:lstStyle/>
-          <a:p>
-            <a:r>
-              <a:rPr lang="pt-PT" dirty="0"/>
-              <a:t>Configuração Virtual </a:t>
-            </a:r>
-            <a:r>
-              <a:rPr lang="pt-PT" dirty="0" err="1"/>
-              <a:t>Hosts</a:t>
-            </a:r>
-            <a:endParaRPr lang="pt-PT" dirty="0"/>
-          </a:p>
-        </p:txBody>
-      </p:sp>
-      <p:sp>
-        <p:nvSpPr>
-          <p:cNvPr id="3" name="Content Placeholder 2">
-            <a:extLst>
-              <a:ext uri="{FF2B5EF4-FFF2-40B4-BE49-F238E27FC236}">
-                <a16:creationId xmlns:a16="http://schemas.microsoft.com/office/drawing/2014/main" id="{346C79E5-5667-E1F5-9921-8C5B06133782}"/>
-              </a:ext>
-            </a:extLst>
-          </p:cNvPr>
-          <p:cNvSpPr>
-            <a:spLocks noGrp="1"/>
-          </p:cNvSpPr>
-          <p:nvPr>
-            <p:ph idx="1"/>
-          </p:nvPr>
-        </p:nvSpPr>
-        <p:spPr/>
-        <p:txBody>
-          <a:bodyPr/>
-          <a:lstStyle/>
-          <a:p>
-            <a:endParaRPr lang="pt-PT"/>
-          </a:p>
-        </p:txBody>
-      </p:sp>
-    </p:spTree>
-    <p:extLst>
-      <p:ext uri="{BB962C8B-B14F-4D97-AF65-F5344CB8AC3E}">
-        <p14:creationId xmlns:p14="http://schemas.microsoft.com/office/powerpoint/2010/main" val="792636292"/>
-      </p:ext>
-    </p:extLst>
-  </p:cSld>
-  <p:clrMapOvr>
-    <a:masterClrMapping/>
-  </p:clrMapOvr>
-  <mc:AlternateContent xmlns:mc="http://schemas.openxmlformats.org/markup-compatibility/2006">
-    <mc:Choice xmlns:p159="http://schemas.microsoft.com/office/powerpoint/2015/09/main" Requires="p159">
-      <p:transition xmlns:p14="http://schemas.microsoft.com/office/powerpoint/2010/main" spd="slow" p14:dur="2000">
-        <p159:morph option="byObject"/>
-      </p:transition>
-    </mc:Choice>
-    <mc:Fallback>
-      <p:transition spd="slow">
-        <p:fade/>
-      </p:transition>
-    </mc:Fallback>
-  </mc:AlternateContent>
-</p:sld>
-</file>
-
-<file path=ppt/slides/slide11.xml><?xml version="1.0" encoding="utf-8"?>
-<p:sld xmlns:a="http://schemas.openxmlformats.org/drawingml/2006/main" xmlns:r="http://schemas.openxmlformats.org/officeDocument/2006/relationships" xmlns:p="http://schemas.openxmlformats.org/presentationml/2006/main">
-  <p:cSld>
-    <p:spTree>
-      <p:nvGrpSpPr>
-        <p:cNvPr id="1" name="">
-          <a:extLst>
-            <a:ext uri="{FF2B5EF4-FFF2-40B4-BE49-F238E27FC236}">
-              <a16:creationId xmlns:a16="http://schemas.microsoft.com/office/drawing/2014/main" id="{6DB87958-6606-F6DE-D05C-62ED04ED2AE2}"/>
-            </a:ext>
-          </a:extLst>
-        </p:cNvPr>
-        <p:cNvGrpSpPr/>
-        <p:nvPr/>
-      </p:nvGrpSpPr>
-      <p:grpSpPr>
-        <a:xfrm>
-          <a:off x="0" y="0"/>
-          <a:ext cx="0" cy="0"/>
-          <a:chOff x="0" y="0"/>
-          <a:chExt cx="0" cy="0"/>
-        </a:xfrm>
-      </p:grpSpPr>
-      <p:sp>
-        <p:nvSpPr>
-          <p:cNvPr id="2" name="Title 1">
-            <a:extLst>
-              <a:ext uri="{FF2B5EF4-FFF2-40B4-BE49-F238E27FC236}">
-                <a16:creationId xmlns:a16="http://schemas.microsoft.com/office/drawing/2014/main" id="{EA87CBB9-ED16-ACEC-2323-0F561E0E157E}"/>
-              </a:ext>
-            </a:extLst>
-          </p:cNvPr>
-          <p:cNvSpPr>
-            <a:spLocks noGrp="1"/>
-          </p:cNvSpPr>
-          <p:nvPr>
-            <p:ph type="title"/>
-          </p:nvPr>
-        </p:nvSpPr>
-        <p:spPr/>
-        <p:txBody>
-          <a:bodyPr/>
-          <a:lstStyle/>
-          <a:p>
-            <a:r>
-              <a:rPr lang="pt-PT" dirty="0"/>
-              <a:t>Resultado Virtual </a:t>
-            </a:r>
-            <a:r>
-              <a:rPr lang="pt-PT" dirty="0" err="1"/>
-              <a:t>Hosts</a:t>
-            </a:r>
-            <a:endParaRPr lang="pt-PT" dirty="0"/>
-          </a:p>
-        </p:txBody>
-      </p:sp>
-      <p:sp>
-        <p:nvSpPr>
-          <p:cNvPr id="3" name="Content Placeholder 2">
-            <a:extLst>
-              <a:ext uri="{FF2B5EF4-FFF2-40B4-BE49-F238E27FC236}">
-                <a16:creationId xmlns:a16="http://schemas.microsoft.com/office/drawing/2014/main" id="{AE8FC7DD-5B72-D3BD-AC9C-954AACF459A9}"/>
-              </a:ext>
-            </a:extLst>
-          </p:cNvPr>
-          <p:cNvSpPr>
-            <a:spLocks noGrp="1"/>
-          </p:cNvSpPr>
-          <p:nvPr>
-            <p:ph idx="1"/>
-          </p:nvPr>
-        </p:nvSpPr>
-        <p:spPr/>
-        <p:txBody>
-          <a:bodyPr/>
-          <a:lstStyle/>
-          <a:p>
-            <a:endParaRPr lang="pt-PT"/>
-          </a:p>
-        </p:txBody>
-      </p:sp>
-    </p:spTree>
-    <p:extLst>
-      <p:ext uri="{BB962C8B-B14F-4D97-AF65-F5344CB8AC3E}">
-        <p14:creationId xmlns:p14="http://schemas.microsoft.com/office/powerpoint/2010/main" val="2871886714"/>
-      </p:ext>
-    </p:extLst>
-  </p:cSld>
-  <p:clrMapOvr>
-    <a:masterClrMapping/>
-  </p:clrMapOvr>
-  <mc:AlternateContent xmlns:mc="http://schemas.openxmlformats.org/markup-compatibility/2006">
-    <mc:Choice xmlns:p159="http://schemas.microsoft.com/office/powerpoint/2015/09/main" Requires="p159">
-      <p:transition xmlns:p14="http://schemas.microsoft.com/office/powerpoint/2010/main" spd="slow" p14:dur="2000">
-        <p159:morph option="byObject"/>
-      </p:transition>
-    </mc:Choice>
-    <mc:Fallback>
-      <p:transition spd="slow">
-        <p:fade/>
-      </p:transition>
-    </mc:Fallback>
-  </mc:AlternateContent>
-</p:sld>
-</file>
-
-<file path=ppt/slides/slide12.xml><?xml version="1.0" encoding="utf-8"?>
-<p:sld xmlns:a="http://schemas.openxmlformats.org/drawingml/2006/main" xmlns:r="http://schemas.openxmlformats.org/officeDocument/2006/relationships" xmlns:p="http://schemas.openxmlformats.org/presentationml/2006/main">
-  <p:cSld>
-    <p:spTree>
-      <p:nvGrpSpPr>
-        <p:cNvPr id="1" name="">
-          <a:extLst>
-            <a:ext uri="{FF2B5EF4-FFF2-40B4-BE49-F238E27FC236}">
-              <a16:creationId xmlns:a16="http://schemas.microsoft.com/office/drawing/2014/main" id="{79580F29-50D8-41E8-EA01-030C6D17FF18}"/>
-            </a:ext>
-          </a:extLst>
-        </p:cNvPr>
-        <p:cNvGrpSpPr/>
-        <p:nvPr/>
-      </p:nvGrpSpPr>
-      <p:grpSpPr>
-        <a:xfrm>
-          <a:off x="0" y="0"/>
-          <a:ext cx="0" cy="0"/>
-          <a:chOff x="0" y="0"/>
-          <a:chExt cx="0" cy="0"/>
-        </a:xfrm>
-      </p:grpSpPr>
-      <p:sp>
-        <p:nvSpPr>
-          <p:cNvPr id="2" name="Title 1">
-            <a:extLst>
-              <a:ext uri="{FF2B5EF4-FFF2-40B4-BE49-F238E27FC236}">
-                <a16:creationId xmlns:a16="http://schemas.microsoft.com/office/drawing/2014/main" id="{A62AC21A-4F4A-38BA-3672-1B7ECA8638FD}"/>
-              </a:ext>
-            </a:extLst>
-          </p:cNvPr>
-          <p:cNvSpPr>
-            <a:spLocks noGrp="1"/>
-          </p:cNvSpPr>
-          <p:nvPr>
-            <p:ph type="title"/>
-          </p:nvPr>
-        </p:nvSpPr>
-        <p:spPr/>
-        <p:txBody>
-          <a:bodyPr/>
-          <a:lstStyle/>
-          <a:p>
-            <a:r>
-              <a:rPr lang="pt-PT" dirty="0"/>
-              <a:t>Configuração WAF</a:t>
-            </a:r>
-          </a:p>
-        </p:txBody>
-      </p:sp>
-      <p:sp>
-        <p:nvSpPr>
-          <p:cNvPr id="3" name="Content Placeholder 2">
-            <a:extLst>
-              <a:ext uri="{FF2B5EF4-FFF2-40B4-BE49-F238E27FC236}">
-                <a16:creationId xmlns:a16="http://schemas.microsoft.com/office/drawing/2014/main" id="{163A2D35-B8B1-0915-B316-477E052DAB04}"/>
-              </a:ext>
-            </a:extLst>
-          </p:cNvPr>
-          <p:cNvSpPr>
-            <a:spLocks noGrp="1"/>
-          </p:cNvSpPr>
-          <p:nvPr>
-            <p:ph idx="1"/>
-          </p:nvPr>
-        </p:nvSpPr>
-        <p:spPr/>
-        <p:txBody>
-          <a:bodyPr/>
-          <a:lstStyle/>
-          <a:p>
-            <a:endParaRPr lang="pt-PT"/>
-          </a:p>
-        </p:txBody>
-      </p:sp>
-    </p:spTree>
-    <p:extLst>
-      <p:ext uri="{BB962C8B-B14F-4D97-AF65-F5344CB8AC3E}">
-        <p14:creationId xmlns:p14="http://schemas.microsoft.com/office/powerpoint/2010/main" val="4160027625"/>
-      </p:ext>
-    </p:extLst>
-  </p:cSld>
-  <p:clrMapOvr>
-    <a:masterClrMapping/>
-  </p:clrMapOvr>
-  <mc:AlternateContent xmlns:mc="http://schemas.openxmlformats.org/markup-compatibility/2006">
-    <mc:Choice xmlns:p159="http://schemas.microsoft.com/office/powerpoint/2015/09/main" Requires="p159">
-      <p:transition xmlns:p14="http://schemas.microsoft.com/office/powerpoint/2010/main" spd="slow" p14:dur="2000">
-        <p159:morph option="byObject"/>
-      </p:transition>
-    </mc:Choice>
-    <mc:Fallback>
-      <p:transition spd="slow">
-        <p:fade/>
-      </p:transition>
-    </mc:Fallback>
-  </mc:AlternateContent>
-</p:sld>
-</file>
-
-<file path=ppt/slides/slide13.xml><?xml version="1.0" encoding="utf-8"?>
-<p:sld xmlns:a="http://schemas.openxmlformats.org/drawingml/2006/main" xmlns:r="http://schemas.openxmlformats.org/officeDocument/2006/relationships" xmlns:p="http://schemas.openxmlformats.org/presentationml/2006/main">
-  <p:cSld>
-    <p:spTree>
-      <p:nvGrpSpPr>
-        <p:cNvPr id="1" name="">
-          <a:extLst>
-            <a:ext uri="{FF2B5EF4-FFF2-40B4-BE49-F238E27FC236}">
-              <a16:creationId xmlns:a16="http://schemas.microsoft.com/office/drawing/2014/main" id="{E4C35F58-8B32-6A7F-E997-CA58D40ECED8}"/>
-            </a:ext>
-          </a:extLst>
-        </p:cNvPr>
-        <p:cNvGrpSpPr/>
-        <p:nvPr/>
-      </p:nvGrpSpPr>
-      <p:grpSpPr>
-        <a:xfrm>
-          <a:off x="0" y="0"/>
-          <a:ext cx="0" cy="0"/>
-          <a:chOff x="0" y="0"/>
-          <a:chExt cx="0" cy="0"/>
-        </a:xfrm>
-      </p:grpSpPr>
-      <p:sp>
-        <p:nvSpPr>
-          <p:cNvPr id="2" name="Title 1">
-            <a:extLst>
-              <a:ext uri="{FF2B5EF4-FFF2-40B4-BE49-F238E27FC236}">
-                <a16:creationId xmlns:a16="http://schemas.microsoft.com/office/drawing/2014/main" id="{9BCD58C1-27FE-7E17-C1A7-C1863CB71458}"/>
-              </a:ext>
-            </a:extLst>
-          </p:cNvPr>
-          <p:cNvSpPr>
-            <a:spLocks noGrp="1"/>
-          </p:cNvSpPr>
-          <p:nvPr>
-            <p:ph type="title"/>
-          </p:nvPr>
-        </p:nvSpPr>
-        <p:spPr/>
-        <p:txBody>
-          <a:bodyPr/>
-          <a:lstStyle/>
-          <a:p>
-            <a:r>
-              <a:rPr lang="pt-PT" dirty="0"/>
-              <a:t>Configuração WAF</a:t>
-            </a:r>
-          </a:p>
-        </p:txBody>
-      </p:sp>
-      <p:sp>
-        <p:nvSpPr>
-          <p:cNvPr id="3" name="Content Placeholder 2">
-            <a:extLst>
-              <a:ext uri="{FF2B5EF4-FFF2-40B4-BE49-F238E27FC236}">
-                <a16:creationId xmlns:a16="http://schemas.microsoft.com/office/drawing/2014/main" id="{4C19CB60-D7FF-3770-9934-83739371C89D}"/>
-              </a:ext>
-            </a:extLst>
-          </p:cNvPr>
-          <p:cNvSpPr>
-            <a:spLocks noGrp="1"/>
-          </p:cNvSpPr>
-          <p:nvPr>
-            <p:ph idx="1"/>
-          </p:nvPr>
-        </p:nvSpPr>
-        <p:spPr/>
-        <p:txBody>
-          <a:bodyPr/>
-          <a:lstStyle/>
-          <a:p>
-            <a:endParaRPr lang="pt-PT"/>
-          </a:p>
-        </p:txBody>
-      </p:sp>
-    </p:spTree>
-    <p:extLst>
-      <p:ext uri="{BB962C8B-B14F-4D97-AF65-F5344CB8AC3E}">
-        <p14:creationId xmlns:p14="http://schemas.microsoft.com/office/powerpoint/2010/main" val="3438619053"/>
-      </p:ext>
-    </p:extLst>
-  </p:cSld>
-  <p:clrMapOvr>
-    <a:masterClrMapping/>
-  </p:clrMapOvr>
-  <mc:AlternateContent xmlns:mc="http://schemas.openxmlformats.org/markup-compatibility/2006">
-    <mc:Choice xmlns:p159="http://schemas.microsoft.com/office/powerpoint/2015/09/main" Requires="p159">
-      <p:transition xmlns:p14="http://schemas.microsoft.com/office/powerpoint/2010/main" spd="slow" p14:dur="2000">
-        <p159:morph option="byObject"/>
-      </p:transition>
-    </mc:Choice>
-    <mc:Fallback>
-      <p:transition spd="slow">
-        <p:fade/>
-      </p:transition>
-    </mc:Fallback>
-  </mc:AlternateContent>
-</p:sld>
-</file>
-
-<file path=ppt/slides/slide14.xml><?xml version="1.0" encoding="utf-8"?>
-<p:sld xmlns:a="http://schemas.openxmlformats.org/drawingml/2006/main" xmlns:r="http://schemas.openxmlformats.org/officeDocument/2006/relationships" xmlns:p="http://schemas.openxmlformats.org/presentationml/2006/main">
-  <p:cSld>
-    <p:spTree>
-      <p:nvGrpSpPr>
-        <p:cNvPr id="1" name="">
-          <a:extLst>
-            <a:ext uri="{FF2B5EF4-FFF2-40B4-BE49-F238E27FC236}">
-              <a16:creationId xmlns:a16="http://schemas.microsoft.com/office/drawing/2014/main" id="{2C3CCAF7-F05F-0951-200D-33BA028425A1}"/>
-            </a:ext>
-          </a:extLst>
-        </p:cNvPr>
-        <p:cNvGrpSpPr/>
-        <p:nvPr/>
-      </p:nvGrpSpPr>
-      <p:grpSpPr>
-        <a:xfrm>
-          <a:off x="0" y="0"/>
-          <a:ext cx="0" cy="0"/>
-          <a:chOff x="0" y="0"/>
-          <a:chExt cx="0" cy="0"/>
-        </a:xfrm>
-      </p:grpSpPr>
-      <p:sp>
-        <p:nvSpPr>
-          <p:cNvPr id="2" name="Title 1">
-            <a:extLst>
-              <a:ext uri="{FF2B5EF4-FFF2-40B4-BE49-F238E27FC236}">
-                <a16:creationId xmlns:a16="http://schemas.microsoft.com/office/drawing/2014/main" id="{18E3EE94-DCCD-9A46-500C-359D16F415A2}"/>
-              </a:ext>
-            </a:extLst>
-          </p:cNvPr>
-          <p:cNvSpPr>
-            <a:spLocks noGrp="1"/>
-          </p:cNvSpPr>
-          <p:nvPr>
-            <p:ph type="title"/>
-          </p:nvPr>
-        </p:nvSpPr>
-        <p:spPr/>
-        <p:txBody>
-          <a:bodyPr/>
-          <a:lstStyle/>
-          <a:p>
-            <a:r>
-              <a:rPr lang="pt-PT" dirty="0"/>
-              <a:t>Resultado WAF</a:t>
-            </a:r>
-          </a:p>
-        </p:txBody>
-      </p:sp>
-      <p:sp>
-        <p:nvSpPr>
-          <p:cNvPr id="3" name="Content Placeholder 2">
-            <a:extLst>
-              <a:ext uri="{FF2B5EF4-FFF2-40B4-BE49-F238E27FC236}">
-                <a16:creationId xmlns:a16="http://schemas.microsoft.com/office/drawing/2014/main" id="{F2039C19-756A-464E-EE23-76F1595EACD2}"/>
-              </a:ext>
-            </a:extLst>
-          </p:cNvPr>
-          <p:cNvSpPr>
-            <a:spLocks noGrp="1"/>
-          </p:cNvSpPr>
-          <p:nvPr>
-            <p:ph idx="1"/>
-          </p:nvPr>
-        </p:nvSpPr>
-        <p:spPr/>
-        <p:txBody>
-          <a:bodyPr/>
-          <a:lstStyle/>
-          <a:p>
-            <a:endParaRPr lang="pt-PT"/>
-          </a:p>
-        </p:txBody>
-      </p:sp>
-    </p:spTree>
-    <p:extLst>
-      <p:ext uri="{BB962C8B-B14F-4D97-AF65-F5344CB8AC3E}">
-        <p14:creationId xmlns:p14="http://schemas.microsoft.com/office/powerpoint/2010/main" val="119805705"/>
-      </p:ext>
-    </p:extLst>
-  </p:cSld>
-  <p:clrMapOvr>
-    <a:masterClrMapping/>
-  </p:clrMapOvr>
-  <mc:AlternateContent xmlns:mc="http://schemas.openxmlformats.org/markup-compatibility/2006">
-    <mc:Choice xmlns:p159="http://schemas.microsoft.com/office/powerpoint/2015/09/main" Requires="p159">
-      <p:transition xmlns:p14="http://schemas.microsoft.com/office/powerpoint/2010/main" spd="slow" p14:dur="2000">
-        <p159:morph option="byObject"/>
-      </p:transition>
-    </mc:Choice>
-    <mc:Fallback>
-      <p:transition spd="slow">
-        <p:fade/>
-      </p:transition>
-    </mc:Fallback>
-  </mc:AlternateContent>
-</p:sld>
-</file>
-
-<file path=ppt/slides/slide15.xml><?xml version="1.0" encoding="utf-8"?>
-<p:sld xmlns:a="http://schemas.openxmlformats.org/drawingml/2006/main" xmlns:r="http://schemas.openxmlformats.org/officeDocument/2006/relationships" xmlns:p="http://schemas.openxmlformats.org/presentationml/2006/main">
-  <p:cSld>
-    <p:bg>
-      <p:bgPr>
-        <a:solidFill>
-          <a:schemeClr val="bg1"/>
-        </a:solidFill>
-        <a:effectLst/>
-      </p:bgPr>
-    </p:bg>
-    <p:spTree>
-      <p:nvGrpSpPr>
-        <p:cNvPr id="1" name=""/>
-        <p:cNvGrpSpPr/>
-        <p:nvPr/>
-      </p:nvGrpSpPr>
-      <p:grpSpPr>
-        <a:xfrm>
-          <a:off x="0" y="0"/>
-          <a:ext cx="0" cy="0"/>
-          <a:chOff x="0" y="0"/>
-          <a:chExt cx="0" cy="0"/>
-        </a:xfrm>
-      </p:grpSpPr>
       <p:sp useBgFill="1">
         <p:nvSpPr>
-          <p:cNvPr id="10" name="Rectangle 9">
+          <p:cNvPr id="15" name="Rectangle 14">
             <a:extLst>
               <a:ext uri="{FF2B5EF4-FFF2-40B4-BE49-F238E27FC236}">
-                <a16:creationId xmlns:a16="http://schemas.microsoft.com/office/drawing/2014/main" id="{CBB0869A-0BE5-B3E9-F73D-2F3691E4D932}"/>
+                <a16:creationId xmlns:a16="http://schemas.microsoft.com/office/drawing/2014/main" id="{37B65277-82C6-6D08-6DCA-4A7DCC3B7136}"/>
               </a:ext>
               <a:ext uri="{C183D7F6-B498-43B3-948B-1728B52AA6E4}">
                 <adec:decorative xmlns:adec="http://schemas.microsoft.com/office/drawing/2017/decorative" val="1"/>
@@ -7377,7 +9281,7 @@
           <p:cNvPr id="2" name="Title 1">
             <a:extLst>
               <a:ext uri="{FF2B5EF4-FFF2-40B4-BE49-F238E27FC236}">
-                <a16:creationId xmlns:a16="http://schemas.microsoft.com/office/drawing/2014/main" id="{B2847950-2D06-FAF8-2D5C-C86613BD6D81}"/>
+                <a16:creationId xmlns:a16="http://schemas.microsoft.com/office/drawing/2014/main" id="{4F1C28AB-B8DE-18D5-7B04-1A3AC4C8429A}"/>
               </a:ext>
             </a:extLst>
           </p:cNvPr>
@@ -7390,8 +9294,8 @@
         </p:nvSpPr>
         <p:spPr>
           <a:xfrm>
-            <a:off x="612648" y="1114923"/>
-            <a:ext cx="4621553" cy="1360728"/>
+            <a:off x="612647" y="603504"/>
+            <a:ext cx="6201107" cy="1527048"/>
           </a:xfrm>
         </p:spPr>
         <p:txBody>
@@ -7402,8 +9306,13 @@
           <a:p>
             <a:r>
               <a:rPr lang="pt-PT" dirty="0"/>
-              <a:t>Conclusão</a:t>
+              <a:t>Configuração Virtual </a:t>
             </a:r>
+            <a:r>
+              <a:rPr lang="pt-PT" dirty="0" err="1"/>
+              <a:t>Hosts</a:t>
+            </a:r>
+            <a:endParaRPr lang="pt-PT" dirty="0"/>
           </a:p>
         </p:txBody>
       </p:sp>
@@ -7412,7 +9321,7 @@
           <p:cNvPr id="3" name="Content Placeholder 2">
             <a:extLst>
               <a:ext uri="{FF2B5EF4-FFF2-40B4-BE49-F238E27FC236}">
-                <a16:creationId xmlns:a16="http://schemas.microsoft.com/office/drawing/2014/main" id="{1914C95A-E121-3161-98C6-9FC61BCD354E}"/>
+                <a16:creationId xmlns:a16="http://schemas.microsoft.com/office/drawing/2014/main" id="{346C79E5-5667-E1F5-9921-8C5B06133782}"/>
               </a:ext>
             </a:extLst>
           </p:cNvPr>
@@ -7425,8 +9334,8 @@
         </p:nvSpPr>
         <p:spPr>
           <a:xfrm>
-            <a:off x="612648" y="2584058"/>
-            <a:ext cx="4621553" cy="3159018"/>
+            <a:off x="612648" y="2212848"/>
+            <a:ext cx="5862396" cy="4096512"/>
           </a:xfrm>
         </p:spPr>
         <p:txBody>
@@ -7436,30 +9345,26 @@
           <a:lstStyle/>
           <a:p>
             <a:r>
-              <a:rPr lang="pt-PT" sz="1800"/>
-              <a:t>Semelhanças ao Lab 2 de AS</a:t>
+              <a:rPr lang="pt-PT" sz="1800" dirty="0"/>
+              <a:t>Detalhes sobre a Virtual </a:t>
             </a:r>
-          </a:p>
-          <a:p>
             <a:r>
               <a:rPr lang="pt-PT" sz="1800"/>
-              <a:t>Adquirir conhecimentos sobre segurança</a:t>
+              <a:t>Host</a:t>
             </a:r>
-          </a:p>
-          <a:p>
             <a:r>
-              <a:rPr lang="pt-PT" sz="1800"/>
-              <a:t>Importância das WAF na web</a:t>
+              <a:rPr lang="pt-PT" sz="1800" dirty="0"/>
+              <a:t> (para a porta 80 e 443)</a:t>
             </a:r>
           </a:p>
         </p:txBody>
       </p:sp>
       <p:pic>
         <p:nvPicPr>
-          <p:cNvPr id="7" name="Graphic 6" descr="Checkmark">
+          <p:cNvPr id="5" name="Picture 4" descr="A white screen with black text&#10;&#10;AI-generated content may be incorrect.">
             <a:extLst>
               <a:ext uri="{FF2B5EF4-FFF2-40B4-BE49-F238E27FC236}">
-                <a16:creationId xmlns:a16="http://schemas.microsoft.com/office/drawing/2014/main" id="{3778A9DE-A55A-9302-589D-C1411F39A2B2}"/>
+                <a16:creationId xmlns:a16="http://schemas.microsoft.com/office/drawing/2014/main" id="{FF6B1E09-B7C3-1B21-7623-B2EF51E3F6ED}"/>
               </a:ext>
             </a:extLst>
           </p:cNvPr>
@@ -7474,9 +9379,6 @@
               <a:ext uri="{28A0092B-C50C-407E-A947-70E740481C1C}">
                 <a14:useLocalDpi xmlns:a14="http://schemas.microsoft.com/office/drawing/2010/main" val="0"/>
               </a:ext>
-              <a:ext uri="{96DAC541-7B7A-43D3-8B79-37D633B846F1}">
-                <asvg:svgBlip xmlns:asvg="http://schemas.microsoft.com/office/drawing/2016/SVG/main" r:embed="rId3"/>
-              </a:ext>
             </a:extLst>
           </a:blip>
           <a:stretch>
@@ -7485,31 +9387,41 @@
         </p:blipFill>
         <p:spPr>
           <a:xfrm>
-            <a:off x="6296074" y="1114923"/>
-            <a:ext cx="4628153" cy="4628153"/>
+            <a:off x="7325282" y="433384"/>
+            <a:ext cx="4213732" cy="6019618"/>
           </a:xfrm>
           <a:prstGeom prst="rect">
             <a:avLst/>
           </a:prstGeom>
+          <a:ln>
+            <a:noFill/>
+          </a:ln>
+          <a:effectLst>
+            <a:outerShdw blurRad="292100" dist="139700" dir="2700000" algn="tl" rotWithShape="0">
+              <a:srgbClr val="333333">
+                <a:alpha val="65000"/>
+              </a:srgbClr>
+            </a:outerShdw>
+          </a:effectLst>
         </p:spPr>
       </p:pic>
     </p:spTree>
     <p:extLst>
       <p:ext uri="{BB962C8B-B14F-4D97-AF65-F5344CB8AC3E}">
-        <p14:creationId xmlns:p14="http://schemas.microsoft.com/office/powerpoint/2010/main" val="3934055088"/>
+        <p14:creationId xmlns:p14="http://schemas.microsoft.com/office/powerpoint/2010/main" val="792636292"/>
       </p:ext>
     </p:extLst>
   </p:cSld>
   <p:clrMapOvr>
     <a:masterClrMapping/>
   </p:clrMapOvr>
-  <mc:AlternateContent xmlns:mc="http://schemas.openxmlformats.org/markup-compatibility/2006">
-    <mc:Choice xmlns:p159="http://schemas.microsoft.com/office/powerpoint/2015/09/main" Requires="p159">
+  <mc:AlternateContent xmlns:mc="http://schemas.openxmlformats.org/markup-compatibility/2006" xmlns:p159="http://schemas.microsoft.com/office/powerpoint/2015/09/main">
+    <mc:Choice Requires="p159">
       <p:transition xmlns:p14="http://schemas.microsoft.com/office/powerpoint/2010/main" spd="slow" p14:dur="2000">
         <p159:morph option="byObject"/>
       </p:transition>
     </mc:Choice>
-    <mc:Fallback>
+    <mc:Fallback xmlns="">
       <p:transition spd="slow">
         <p:fade/>
       </p:transition>
@@ -7518,7 +9430,7 @@
 </p:sld>
 </file>
 
-<file path=ppt/slides/slide16.xml><?xml version="1.0" encoding="utf-8"?>
+<file path=ppt/slides/slide11.xml><?xml version="1.0" encoding="utf-8"?>
 <p:sld xmlns:a="http://schemas.openxmlformats.org/drawingml/2006/main" xmlns:r="http://schemas.openxmlformats.org/officeDocument/2006/relationships" xmlns:p="http://schemas.openxmlformats.org/presentationml/2006/main">
   <p:cSld>
     <p:bg>
@@ -7531,7 +9443,13 @@
     </p:bg>
     <p:spTree>
       <p:nvGrpSpPr>
-        <p:cNvPr id="1" name=""/>
+        <p:cNvPr id="1" name="">
+          <a:extLst>
+            <a:ext uri="{FF2B5EF4-FFF2-40B4-BE49-F238E27FC236}">
+              <a16:creationId xmlns:a16="http://schemas.microsoft.com/office/drawing/2014/main" id="{6DB87958-6606-F6DE-D05C-62ED04ED2AE2}"/>
+            </a:ext>
+          </a:extLst>
+        </p:cNvPr>
         <p:cNvGrpSpPr/>
         <p:nvPr/>
       </p:nvGrpSpPr>
@@ -7545,10 +9463,10 @@
       </p:grpSpPr>
       <p:sp useBgFill="1">
         <p:nvSpPr>
-          <p:cNvPr id="14" name="Rectangle 13">
+          <p:cNvPr id="12" name="Rectangle 11">
             <a:extLst>
               <a:ext uri="{FF2B5EF4-FFF2-40B4-BE49-F238E27FC236}">
-                <a16:creationId xmlns:a16="http://schemas.microsoft.com/office/drawing/2014/main" id="{14D27876-614E-CCD5-5142-A650DBF0B099}"/>
+                <a16:creationId xmlns:a16="http://schemas.microsoft.com/office/drawing/2014/main" id="{9B65F7F7-2FCE-8F01-53DE-15C39342BE99}"/>
               </a:ext>
               <a:ext uri="{C183D7F6-B498-43B3-948B-1728B52AA6E4}">
                 <adec:decorative xmlns:adec="http://schemas.microsoft.com/office/drawing/2017/decorative" val="1"/>
@@ -7624,7 +9542,7 @@
           <p:cNvPr id="2" name="Title 1">
             <a:extLst>
               <a:ext uri="{FF2B5EF4-FFF2-40B4-BE49-F238E27FC236}">
-                <a16:creationId xmlns:a16="http://schemas.microsoft.com/office/drawing/2014/main" id="{22D35795-1FAD-FDF7-4D48-6CC0462687D7}"/>
+                <a16:creationId xmlns:a16="http://schemas.microsoft.com/office/drawing/2014/main" id="{EA87CBB9-ED16-ACEC-2323-0F561E0E157E}"/>
               </a:ext>
             </a:extLst>
           </p:cNvPr>
@@ -7637,8 +9555,8 @@
         </p:nvSpPr>
         <p:spPr>
           <a:xfrm>
-            <a:off x="1994140" y="5137536"/>
-            <a:ext cx="8203720" cy="732129"/>
+            <a:off x="1731821" y="501345"/>
+            <a:ext cx="8728364" cy="689279"/>
           </a:xfrm>
         </p:spPr>
         <p:txBody>
@@ -7650,39 +9568,43 @@
             <a:pPr algn="ctr"/>
             <a:r>
               <a:rPr lang="en-US"/>
-              <a:t>Obrigado por ouvir!</a:t>
+              <a:t>Resultado Virtual Hosts</a:t>
             </a:r>
           </a:p>
         </p:txBody>
       </p:sp>
       <p:pic>
         <p:nvPicPr>
-          <p:cNvPr id="6" name="Graphic 5" descr="Presentation with checklist with solid fill">
+          <p:cNvPr id="5" name="Content Placeholder 4" descr="A black rectangular object with white text&#10;&#10;AI-generated content may be incorrect.">
             <a:extLst>
               <a:ext uri="{FF2B5EF4-FFF2-40B4-BE49-F238E27FC236}">
-                <a16:creationId xmlns:a16="http://schemas.microsoft.com/office/drawing/2014/main" id="{9BEA04DC-1479-ABD7-749E-BBFE2054D999}"/>
+                <a16:creationId xmlns:a16="http://schemas.microsoft.com/office/drawing/2014/main" id="{8AADF225-EB64-DCE0-18C9-B8A5BCF45A6F}"/>
               </a:ext>
             </a:extLst>
           </p:cNvPr>
           <p:cNvPicPr>
-            <a:picLocks noChangeAspect="1"/>
+            <a:picLocks noGrp="1" noChangeAspect="1"/>
           </p:cNvPicPr>
-          <p:nvPr/>
+          <p:nvPr>
+            <p:ph idx="1"/>
+          </p:nvPr>
         </p:nvPicPr>
         <p:blipFill>
           <a:blip r:embed="rId2">
             <a:extLst>
-              <a:ext uri="{96DAC541-7B7A-43D3-8B79-37D633B846F1}">
-                <asvg:svgBlip xmlns:asvg="http://schemas.microsoft.com/office/drawing/2016/SVG/main" r:embed="rId3"/>
+              <a:ext uri="{28A0092B-C50C-407E-A947-70E740481C1C}">
+                <a14:useLocalDpi xmlns:a14="http://schemas.microsoft.com/office/drawing/2010/main" val="0"/>
               </a:ext>
             </a:extLst>
           </a:blip>
-          <a:stretch/>
+          <a:stretch>
+            <a:fillRect/>
+          </a:stretch>
         </p:blipFill>
         <p:spPr>
           <a:xfrm>
-            <a:off x="3811686" y="418089"/>
-            <a:ext cx="4567076" cy="4567076"/>
+            <a:off x="1994916" y="3012086"/>
+            <a:ext cx="8202168" cy="2112058"/>
           </a:xfrm>
           <a:prstGeom prst="rect">
             <a:avLst/>
@@ -7692,20 +9614,20 @@
     </p:spTree>
     <p:extLst>
       <p:ext uri="{BB962C8B-B14F-4D97-AF65-F5344CB8AC3E}">
-        <p14:creationId xmlns:p14="http://schemas.microsoft.com/office/powerpoint/2010/main" val="3462872469"/>
+        <p14:creationId xmlns:p14="http://schemas.microsoft.com/office/powerpoint/2010/main" val="2871886714"/>
       </p:ext>
     </p:extLst>
   </p:cSld>
   <p:clrMapOvr>
     <a:masterClrMapping/>
   </p:clrMapOvr>
-  <mc:AlternateContent xmlns:mc="http://schemas.openxmlformats.org/markup-compatibility/2006">
-    <mc:Choice xmlns:p159="http://schemas.microsoft.com/office/powerpoint/2015/09/main" Requires="p159">
+  <mc:AlternateContent xmlns:mc="http://schemas.openxmlformats.org/markup-compatibility/2006" xmlns:p159="http://schemas.microsoft.com/office/powerpoint/2015/09/main">
+    <mc:Choice Requires="p159">
       <p:transition xmlns:p14="http://schemas.microsoft.com/office/powerpoint/2010/main" spd="slow" p14:dur="2000">
         <p159:morph option="byObject"/>
       </p:transition>
     </mc:Choice>
-    <mc:Fallback>
+    <mc:Fallback xmlns="">
       <p:transition spd="slow">
         <p:fade/>
       </p:transition>
@@ -7714,7 +9636,7 @@
 </p:sld>
 </file>
 
-<file path=ppt/slides/slide2.xml><?xml version="1.0" encoding="utf-8"?>
+<file path=ppt/slides/slide12.xml><?xml version="1.0" encoding="utf-8"?>
 <p:sld xmlns:a="http://schemas.openxmlformats.org/drawingml/2006/main" xmlns:r="http://schemas.openxmlformats.org/officeDocument/2006/relationships" xmlns:p="http://schemas.openxmlformats.org/presentationml/2006/main">
   <p:cSld>
     <p:bg>
@@ -7727,7 +9649,13 @@
     </p:bg>
     <p:spTree>
       <p:nvGrpSpPr>
-        <p:cNvPr id="1" name=""/>
+        <p:cNvPr id="1" name="">
+          <a:extLst>
+            <a:ext uri="{FF2B5EF4-FFF2-40B4-BE49-F238E27FC236}">
+              <a16:creationId xmlns:a16="http://schemas.microsoft.com/office/drawing/2014/main" id="{79580F29-50D8-41E8-EA01-030C6D17FF18}"/>
+            </a:ext>
+          </a:extLst>
+        </p:cNvPr>
         <p:cNvGrpSpPr/>
         <p:nvPr/>
       </p:nvGrpSpPr>
@@ -7741,10 +9669,10 @@
       </p:grpSpPr>
       <p:sp>
         <p:nvSpPr>
-          <p:cNvPr id="9" name="Rectangle 8">
+          <p:cNvPr id="12" name="Rectangle 11">
             <a:extLst>
               <a:ext uri="{FF2B5EF4-FFF2-40B4-BE49-F238E27FC236}">
-                <a16:creationId xmlns:a16="http://schemas.microsoft.com/office/drawing/2014/main" id="{01A22726-DA03-BCB0-F12E-98258FB7E5C0}"/>
+                <a16:creationId xmlns:a16="http://schemas.microsoft.com/office/drawing/2014/main" id="{7F3E6F82-836B-858F-ADED-19E9A71A0081}"/>
               </a:ext>
               <a:ext uri="{C183D7F6-B498-43B3-948B-1728B52AA6E4}">
                 <adec:decorative xmlns:adec="http://schemas.microsoft.com/office/drawing/2017/decorative" val="1"/>
@@ -7823,6 +9751,1755 @@
           <p:cNvPr id="2" name="Title 1">
             <a:extLst>
               <a:ext uri="{FF2B5EF4-FFF2-40B4-BE49-F238E27FC236}">
+                <a16:creationId xmlns:a16="http://schemas.microsoft.com/office/drawing/2014/main" id="{A62AC21A-4F4A-38BA-3672-1B7ECA8638FD}"/>
+              </a:ext>
+            </a:extLst>
+          </p:cNvPr>
+          <p:cNvSpPr>
+            <a:spLocks noGrp="1"/>
+          </p:cNvSpPr>
+          <p:nvPr>
+            <p:ph type="title"/>
+          </p:nvPr>
+        </p:nvSpPr>
+        <p:spPr>
+          <a:xfrm>
+            <a:off x="1729740" y="454924"/>
+            <a:ext cx="8732520" cy="905256"/>
+          </a:xfrm>
+        </p:spPr>
+        <p:txBody>
+          <a:bodyPr vert="horz" lIns="91440" tIns="45720" rIns="91440" bIns="45720" rtlCol="0" anchor="b">
+            <a:normAutofit/>
+          </a:bodyPr>
+          <a:lstStyle/>
+          <a:p>
+            <a:pPr algn="ctr"/>
+            <a:r>
+              <a:rPr lang="en-US" sz="4400"/>
+              <a:t>Configuração WAF</a:t>
+            </a:r>
+          </a:p>
+        </p:txBody>
+      </p:sp>
+      <p:sp>
+        <p:nvSpPr>
+          <p:cNvPr id="3" name="Content Placeholder 2">
+            <a:extLst>
+              <a:ext uri="{FF2B5EF4-FFF2-40B4-BE49-F238E27FC236}">
+                <a16:creationId xmlns:a16="http://schemas.microsoft.com/office/drawing/2014/main" id="{163A2D35-B8B1-0915-B316-477E052DAB04}"/>
+              </a:ext>
+            </a:extLst>
+          </p:cNvPr>
+          <p:cNvSpPr>
+            <a:spLocks noGrp="1"/>
+          </p:cNvSpPr>
+          <p:nvPr>
+            <p:ph idx="1"/>
+          </p:nvPr>
+        </p:nvSpPr>
+        <p:spPr>
+          <a:xfrm>
+            <a:off x="1729740" y="1445870"/>
+            <a:ext cx="8732520" cy="667512"/>
+          </a:xfrm>
+        </p:spPr>
+        <p:txBody>
+          <a:bodyPr vert="horz" lIns="91440" tIns="45720" rIns="91440" bIns="45720" rtlCol="0" anchor="t">
+            <a:normAutofit/>
+          </a:bodyPr>
+          <a:lstStyle/>
+          <a:p>
+            <a:pPr marL="0" indent="0" algn="ctr">
+              <a:buNone/>
+            </a:pPr>
+            <a:r>
+              <a:rPr lang="en-US"/>
+              <a:t>Direcionamento para repositórios corretos e Instalação do BunkerWeb</a:t>
+            </a:r>
+          </a:p>
+        </p:txBody>
+      </p:sp>
+      <p:pic>
+        <p:nvPicPr>
+          <p:cNvPr id="5" name="Picture 4" descr="A screenshot of a computer program&#10;&#10;AI-generated content may be incorrect.">
+            <a:extLst>
+              <a:ext uri="{FF2B5EF4-FFF2-40B4-BE49-F238E27FC236}">
+                <a16:creationId xmlns:a16="http://schemas.microsoft.com/office/drawing/2014/main" id="{08653888-7FD6-009E-CA69-8D2E7B75CDF9}"/>
+              </a:ext>
+            </a:extLst>
+          </p:cNvPr>
+          <p:cNvPicPr>
+            <a:picLocks noChangeAspect="1"/>
+          </p:cNvPicPr>
+          <p:nvPr/>
+        </p:nvPicPr>
+        <p:blipFill>
+          <a:blip r:embed="rId2">
+            <a:extLst>
+              <a:ext uri="{28A0092B-C50C-407E-A947-70E740481C1C}">
+                <a14:useLocalDpi xmlns:a14="http://schemas.microsoft.com/office/drawing/2010/main" val="0"/>
+              </a:ext>
+            </a:extLst>
+          </a:blip>
+          <a:stretch>
+            <a:fillRect/>
+          </a:stretch>
+        </p:blipFill>
+        <p:spPr>
+          <a:xfrm>
+            <a:off x="1071396" y="2362952"/>
+            <a:ext cx="4907960" cy="3840480"/>
+          </a:xfrm>
+          <a:prstGeom prst="rect">
+            <a:avLst/>
+          </a:prstGeom>
+          <a:ln>
+            <a:noFill/>
+          </a:ln>
+          <a:effectLst>
+            <a:outerShdw blurRad="292100" dist="139700" dir="2700000" algn="tl" rotWithShape="0">
+              <a:srgbClr val="333333">
+                <a:alpha val="65000"/>
+              </a:srgbClr>
+            </a:outerShdw>
+          </a:effectLst>
+        </p:spPr>
+      </p:pic>
+      <p:pic>
+        <p:nvPicPr>
+          <p:cNvPr id="7" name="Picture 6" descr="A screen shot of a computer code&#10;&#10;AI-generated content may be incorrect.">
+            <a:extLst>
+              <a:ext uri="{FF2B5EF4-FFF2-40B4-BE49-F238E27FC236}">
+                <a16:creationId xmlns:a16="http://schemas.microsoft.com/office/drawing/2014/main" id="{1D5D9A8C-146D-CB4F-F171-C5A20FB5FE08}"/>
+              </a:ext>
+            </a:extLst>
+          </p:cNvPr>
+          <p:cNvPicPr>
+            <a:picLocks noChangeAspect="1"/>
+          </p:cNvPicPr>
+          <p:nvPr/>
+        </p:nvPicPr>
+        <p:blipFill>
+          <a:blip r:embed="rId3">
+            <a:extLst>
+              <a:ext uri="{28A0092B-C50C-407E-A947-70E740481C1C}">
+                <a14:useLocalDpi xmlns:a14="http://schemas.microsoft.com/office/drawing/2010/main" val="0"/>
+              </a:ext>
+            </a:extLst>
+          </a:blip>
+          <a:stretch>
+            <a:fillRect/>
+          </a:stretch>
+        </p:blipFill>
+        <p:spPr>
+          <a:xfrm>
+            <a:off x="6210024" y="2362952"/>
+            <a:ext cx="5625723" cy="1533009"/>
+          </a:xfrm>
+          <a:prstGeom prst="rect">
+            <a:avLst/>
+          </a:prstGeom>
+          <a:ln>
+            <a:noFill/>
+          </a:ln>
+          <a:effectLst>
+            <a:outerShdw blurRad="292100" dist="139700" dir="2700000" algn="tl" rotWithShape="0">
+              <a:srgbClr val="333333">
+                <a:alpha val="65000"/>
+              </a:srgbClr>
+            </a:outerShdw>
+          </a:effectLst>
+        </p:spPr>
+      </p:pic>
+      <p:pic>
+        <p:nvPicPr>
+          <p:cNvPr id="11" name="Picture 10" descr="A group of black text&#10;&#10;AI-generated content may be incorrect.">
+            <a:extLst>
+              <a:ext uri="{FF2B5EF4-FFF2-40B4-BE49-F238E27FC236}">
+                <a16:creationId xmlns:a16="http://schemas.microsoft.com/office/drawing/2014/main" id="{37CB824D-B307-0098-F0C2-6E3CAB7F68BA}"/>
+              </a:ext>
+            </a:extLst>
+          </p:cNvPr>
+          <p:cNvPicPr>
+            <a:picLocks noChangeAspect="1"/>
+          </p:cNvPicPr>
+          <p:nvPr/>
+        </p:nvPicPr>
+        <p:blipFill>
+          <a:blip r:embed="rId4">
+            <a:extLst>
+              <a:ext uri="{28A0092B-C50C-407E-A947-70E740481C1C}">
+                <a14:useLocalDpi xmlns:a14="http://schemas.microsoft.com/office/drawing/2010/main" val="0"/>
+              </a:ext>
+            </a:extLst>
+          </a:blip>
+          <a:stretch>
+            <a:fillRect/>
+          </a:stretch>
+        </p:blipFill>
+        <p:spPr>
+          <a:xfrm>
+            <a:off x="7050752" y="4625100"/>
+            <a:ext cx="3914282" cy="932460"/>
+          </a:xfrm>
+          <a:prstGeom prst="rect">
+            <a:avLst/>
+          </a:prstGeom>
+          <a:ln>
+            <a:noFill/>
+          </a:ln>
+          <a:effectLst>
+            <a:outerShdw blurRad="292100" dist="139700" dir="2700000" algn="tl" rotWithShape="0">
+              <a:srgbClr val="333333">
+                <a:alpha val="65000"/>
+              </a:srgbClr>
+            </a:outerShdw>
+          </a:effectLst>
+        </p:spPr>
+      </p:pic>
+    </p:spTree>
+    <p:extLst>
+      <p:ext uri="{BB962C8B-B14F-4D97-AF65-F5344CB8AC3E}">
+        <p14:creationId xmlns:p14="http://schemas.microsoft.com/office/powerpoint/2010/main" val="4160027625"/>
+      </p:ext>
+    </p:extLst>
+  </p:cSld>
+  <p:clrMapOvr>
+    <a:masterClrMapping/>
+  </p:clrMapOvr>
+  <mc:AlternateContent xmlns:mc="http://schemas.openxmlformats.org/markup-compatibility/2006" xmlns:p159="http://schemas.microsoft.com/office/powerpoint/2015/09/main">
+    <mc:Choice Requires="p159">
+      <p:transition xmlns:p14="http://schemas.microsoft.com/office/powerpoint/2010/main" spd="slow" p14:dur="2000">
+        <p159:morph option="byObject"/>
+      </p:transition>
+    </mc:Choice>
+    <mc:Fallback xmlns="">
+      <p:transition spd="slow">
+        <p:fade/>
+      </p:transition>
+    </mc:Fallback>
+  </mc:AlternateContent>
+</p:sld>
+</file>
+
+<file path=ppt/slides/slide13.xml><?xml version="1.0" encoding="utf-8"?>
+<p:sld xmlns:a="http://schemas.openxmlformats.org/drawingml/2006/main" xmlns:r="http://schemas.openxmlformats.org/officeDocument/2006/relationships" xmlns:p="http://schemas.openxmlformats.org/presentationml/2006/main">
+  <p:cSld>
+    <p:bg>
+      <p:bgPr>
+        <a:solidFill>
+          <a:schemeClr val="bg1"/>
+        </a:solidFill>
+        <a:effectLst/>
+      </p:bgPr>
+    </p:bg>
+    <p:spTree>
+      <p:nvGrpSpPr>
+        <p:cNvPr id="1" name="">
+          <a:extLst>
+            <a:ext uri="{FF2B5EF4-FFF2-40B4-BE49-F238E27FC236}">
+              <a16:creationId xmlns:a16="http://schemas.microsoft.com/office/drawing/2014/main" id="{E4C35F58-8B32-6A7F-E997-CA58D40ECED8}"/>
+            </a:ext>
+          </a:extLst>
+        </p:cNvPr>
+        <p:cNvGrpSpPr/>
+        <p:nvPr/>
+      </p:nvGrpSpPr>
+      <p:grpSpPr>
+        <a:xfrm>
+          <a:off x="0" y="0"/>
+          <a:ext cx="0" cy="0"/>
+          <a:chOff x="0" y="0"/>
+          <a:chExt cx="0" cy="0"/>
+        </a:xfrm>
+      </p:grpSpPr>
+      <p:sp useBgFill="1">
+        <p:nvSpPr>
+          <p:cNvPr id="12" name="Rectangle 11">
+            <a:extLst>
+              <a:ext uri="{FF2B5EF4-FFF2-40B4-BE49-F238E27FC236}">
+                <a16:creationId xmlns:a16="http://schemas.microsoft.com/office/drawing/2014/main" id="{CBB0869A-0BE5-B3E9-F73D-2F3691E4D932}"/>
+              </a:ext>
+              <a:ext uri="{C183D7F6-B498-43B3-948B-1728B52AA6E4}">
+                <adec:decorative xmlns:adec="http://schemas.microsoft.com/office/drawing/2017/decorative" val="1"/>
+              </a:ext>
+            </a:extLst>
+          </p:cNvPr>
+          <p:cNvSpPr>
+            <a:spLocks noGrp="1" noRot="1" noChangeAspect="1" noMove="1" noResize="1" noEditPoints="1" noAdjustHandles="1" noChangeArrowheads="1" noChangeShapeType="1" noTextEdit="1"/>
+          </p:cNvSpPr>
+          <p:nvPr>
+            <p:extLst>
+              <p:ext uri="{386F3935-93C4-4BCD-93E2-E3B085C9AB24}">
+                <p16:designElem xmlns:p16="http://schemas.microsoft.com/office/powerpoint/2015/main" val="1"/>
+              </p:ext>
+            </p:extLst>
+          </p:nvPr>
+        </p:nvSpPr>
+        <p:spPr>
+          <a:xfrm>
+            <a:off x="0" y="0"/>
+            <a:ext cx="12192000" cy="6858000"/>
+          </a:xfrm>
+          <a:prstGeom prst="rect">
+            <a:avLst/>
+          </a:prstGeom>
+          <a:ln w="12700" cap="flat" cmpd="sng" algn="ctr">
+            <a:noFill/>
+            <a:prstDash val="solid"/>
+            <a:miter lim="800000"/>
+          </a:ln>
+          <a:effectLst/>
+          <a:extLst>
+            <a:ext uri="{91240B29-F687-4F45-9708-019B960494DF}">
+              <a14:hiddenLine xmlns:a14="http://schemas.microsoft.com/office/drawing/2010/main" w="12700" cap="flat" cmpd="sng" algn="ctr">
+                <a:solidFill>
+                  <a:schemeClr val="accent1">
+                    <a:shade val="15000"/>
+                  </a:schemeClr>
+                </a:solidFill>
+                <a:prstDash val="solid"/>
+                <a:miter lim="800000"/>
+              </a14:hiddenLine>
+            </a:ext>
+          </a:extLst>
+        </p:spPr>
+        <p:style>
+          <a:lnRef idx="2">
+            <a:schemeClr val="accent1">
+              <a:shade val="15000"/>
+            </a:schemeClr>
+          </a:lnRef>
+          <a:fillRef idx="1">
+            <a:schemeClr val="accent1"/>
+          </a:fillRef>
+          <a:effectRef idx="0">
+            <a:schemeClr val="accent1"/>
+          </a:effectRef>
+          <a:fontRef idx="minor">
+            <a:schemeClr val="lt1"/>
+          </a:fontRef>
+        </p:style>
+        <p:txBody>
+          <a:bodyPr rtlCol="0" anchor="ctr"/>
+          <a:lstStyle/>
+          <a:p>
+            <a:pPr algn="ctr"/>
+            <a:endParaRPr lang="en-US"/>
+          </a:p>
+        </p:txBody>
+      </p:sp>
+      <p:sp>
+        <p:nvSpPr>
+          <p:cNvPr id="2" name="Title 1">
+            <a:extLst>
+              <a:ext uri="{FF2B5EF4-FFF2-40B4-BE49-F238E27FC236}">
+                <a16:creationId xmlns:a16="http://schemas.microsoft.com/office/drawing/2014/main" id="{9BCD58C1-27FE-7E17-C1A7-C1863CB71458}"/>
+              </a:ext>
+            </a:extLst>
+          </p:cNvPr>
+          <p:cNvSpPr>
+            <a:spLocks noGrp="1"/>
+          </p:cNvSpPr>
+          <p:nvPr>
+            <p:ph type="title"/>
+          </p:nvPr>
+        </p:nvSpPr>
+        <p:spPr>
+          <a:xfrm>
+            <a:off x="612648" y="1114923"/>
+            <a:ext cx="4621553" cy="1360728"/>
+          </a:xfrm>
+        </p:spPr>
+        <p:txBody>
+          <a:bodyPr anchor="b">
+            <a:normAutofit/>
+          </a:bodyPr>
+          <a:lstStyle/>
+          <a:p>
+            <a:r>
+              <a:rPr lang="pt-PT" dirty="0"/>
+              <a:t>Configuração WAF</a:t>
+            </a:r>
+          </a:p>
+        </p:txBody>
+      </p:sp>
+      <p:sp>
+        <p:nvSpPr>
+          <p:cNvPr id="3" name="Content Placeholder 2">
+            <a:extLst>
+              <a:ext uri="{FF2B5EF4-FFF2-40B4-BE49-F238E27FC236}">
+                <a16:creationId xmlns:a16="http://schemas.microsoft.com/office/drawing/2014/main" id="{4C19CB60-D7FF-3770-9934-83739371C89D}"/>
+              </a:ext>
+            </a:extLst>
+          </p:cNvPr>
+          <p:cNvSpPr>
+            <a:spLocks noGrp="1"/>
+          </p:cNvSpPr>
+          <p:nvPr>
+            <p:ph idx="1"/>
+          </p:nvPr>
+        </p:nvSpPr>
+        <p:spPr>
+          <a:xfrm>
+            <a:off x="612648" y="2584058"/>
+            <a:ext cx="4621553" cy="3159018"/>
+          </a:xfrm>
+        </p:spPr>
+        <p:txBody>
+          <a:bodyPr>
+            <a:normAutofit/>
+          </a:bodyPr>
+          <a:lstStyle/>
+          <a:p>
+            <a:r>
+              <a:rPr lang="pt-PT" sz="1800" dirty="0"/>
+              <a:t>Setup - https://192.168.1.100/setup</a:t>
+            </a:r>
+          </a:p>
+          <a:p>
+            <a:r>
+              <a:rPr lang="pt-PT" sz="1800" dirty="0"/>
+              <a:t>Login - https://192.168.1.100/login</a:t>
+            </a:r>
+          </a:p>
+        </p:txBody>
+      </p:sp>
+      <p:pic>
+        <p:nvPicPr>
+          <p:cNvPr id="5" name="Picture 4" descr="A login screen with white text and blue background&#10;&#10;AI-generated content may be incorrect.">
+            <a:extLst>
+              <a:ext uri="{FF2B5EF4-FFF2-40B4-BE49-F238E27FC236}">
+                <a16:creationId xmlns:a16="http://schemas.microsoft.com/office/drawing/2014/main" id="{4896CC56-5D98-A9FE-63E0-24262373C06F}"/>
+              </a:ext>
+            </a:extLst>
+          </p:cNvPr>
+          <p:cNvPicPr>
+            <a:picLocks noChangeAspect="1"/>
+          </p:cNvPicPr>
+          <p:nvPr/>
+        </p:nvPicPr>
+        <p:blipFill>
+          <a:blip r:embed="rId2">
+            <a:extLst>
+              <a:ext uri="{28A0092B-C50C-407E-A947-70E740481C1C}">
+                <a14:useLocalDpi xmlns:a14="http://schemas.microsoft.com/office/drawing/2010/main" val="0"/>
+              </a:ext>
+            </a:extLst>
+          </a:blip>
+          <a:stretch>
+            <a:fillRect/>
+          </a:stretch>
+        </p:blipFill>
+        <p:spPr>
+          <a:xfrm>
+            <a:off x="6154898" y="1114923"/>
+            <a:ext cx="4910506" cy="4628153"/>
+          </a:xfrm>
+          <a:prstGeom prst="rect">
+            <a:avLst/>
+          </a:prstGeom>
+        </p:spPr>
+      </p:pic>
+    </p:spTree>
+    <p:extLst>
+      <p:ext uri="{BB962C8B-B14F-4D97-AF65-F5344CB8AC3E}">
+        <p14:creationId xmlns:p14="http://schemas.microsoft.com/office/powerpoint/2010/main" val="3438619053"/>
+      </p:ext>
+    </p:extLst>
+  </p:cSld>
+  <p:clrMapOvr>
+    <a:masterClrMapping/>
+  </p:clrMapOvr>
+  <mc:AlternateContent xmlns:mc="http://schemas.openxmlformats.org/markup-compatibility/2006" xmlns:p159="http://schemas.microsoft.com/office/powerpoint/2015/09/main">
+    <mc:Choice Requires="p159">
+      <p:transition xmlns:p14="http://schemas.microsoft.com/office/powerpoint/2010/main" spd="slow" p14:dur="2000">
+        <p159:morph option="byObject"/>
+      </p:transition>
+    </mc:Choice>
+    <mc:Fallback xmlns="">
+      <p:transition spd="slow">
+        <p:fade/>
+      </p:transition>
+    </mc:Fallback>
+  </mc:AlternateContent>
+</p:sld>
+</file>
+
+<file path=ppt/slides/slide14.xml><?xml version="1.0" encoding="utf-8"?>
+<p:sld xmlns:a="http://schemas.openxmlformats.org/drawingml/2006/main" xmlns:r="http://schemas.openxmlformats.org/officeDocument/2006/relationships" xmlns:p="http://schemas.openxmlformats.org/presentationml/2006/main">
+  <p:cSld>
+    <p:bg>
+      <p:bgPr>
+        <a:solidFill>
+          <a:schemeClr val="bg1"/>
+        </a:solidFill>
+        <a:effectLst/>
+      </p:bgPr>
+    </p:bg>
+    <p:spTree>
+      <p:nvGrpSpPr>
+        <p:cNvPr id="1" name=""/>
+        <p:cNvGrpSpPr/>
+        <p:nvPr/>
+      </p:nvGrpSpPr>
+      <p:grpSpPr>
+        <a:xfrm>
+          <a:off x="0" y="0"/>
+          <a:ext cx="0" cy="0"/>
+          <a:chOff x="0" y="0"/>
+          <a:chExt cx="0" cy="0"/>
+        </a:xfrm>
+      </p:grpSpPr>
+      <p:sp>
+        <p:nvSpPr>
+          <p:cNvPr id="18" name="Rectangle 17">
+            <a:extLst>
+              <a:ext uri="{FF2B5EF4-FFF2-40B4-BE49-F238E27FC236}">
+                <a16:creationId xmlns:a16="http://schemas.microsoft.com/office/drawing/2014/main" id="{13865200-7153-B509-CE27-08E98D692176}"/>
+              </a:ext>
+              <a:ext uri="{C183D7F6-B498-43B3-948B-1728B52AA6E4}">
+                <adec:decorative xmlns:adec="http://schemas.microsoft.com/office/drawing/2017/decorative" val="1"/>
+              </a:ext>
+            </a:extLst>
+          </p:cNvPr>
+          <p:cNvSpPr>
+            <a:spLocks noGrp="1" noRot="1" noChangeAspect="1" noMove="1" noResize="1" noEditPoints="1" noAdjustHandles="1" noChangeArrowheads="1" noChangeShapeType="1" noTextEdit="1"/>
+          </p:cNvSpPr>
+          <p:nvPr>
+            <p:extLst>
+              <p:ext uri="{386F3935-93C4-4BCD-93E2-E3B085C9AB24}">
+                <p16:designElem xmlns:p16="http://schemas.microsoft.com/office/powerpoint/2015/main" val="1"/>
+              </p:ext>
+            </p:extLst>
+          </p:nvPr>
+        </p:nvSpPr>
+        <p:spPr>
+          <a:xfrm>
+            <a:off x="0" y="0"/>
+            <a:ext cx="12192000" cy="6858000"/>
+          </a:xfrm>
+          <a:prstGeom prst="rect">
+            <a:avLst/>
+          </a:prstGeom>
+          <a:solidFill>
+            <a:schemeClr val="bg1"/>
+          </a:solidFill>
+          <a:ln w="12700" cap="flat" cmpd="sng" algn="ctr">
+            <a:noFill/>
+            <a:prstDash val="solid"/>
+            <a:miter lim="800000"/>
+          </a:ln>
+          <a:effectLst/>
+          <a:extLst>
+            <a:ext uri="{91240B29-F687-4F45-9708-019B960494DF}">
+              <a14:hiddenLine xmlns:a14="http://schemas.microsoft.com/office/drawing/2010/main" w="12700" cap="flat" cmpd="sng" algn="ctr">
+                <a:solidFill>
+                  <a:schemeClr val="accent1">
+                    <a:shade val="15000"/>
+                  </a:schemeClr>
+                </a:solidFill>
+                <a:prstDash val="solid"/>
+                <a:miter lim="800000"/>
+              </a14:hiddenLine>
+            </a:ext>
+          </a:extLst>
+        </p:spPr>
+        <p:style>
+          <a:lnRef idx="2">
+            <a:schemeClr val="accent1">
+              <a:shade val="15000"/>
+            </a:schemeClr>
+          </a:lnRef>
+          <a:fillRef idx="1">
+            <a:schemeClr val="accent1"/>
+          </a:fillRef>
+          <a:effectRef idx="0">
+            <a:schemeClr val="accent1"/>
+          </a:effectRef>
+          <a:fontRef idx="minor">
+            <a:schemeClr val="lt1"/>
+          </a:fontRef>
+        </p:style>
+        <p:txBody>
+          <a:bodyPr rtlCol="0" anchor="ctr"/>
+          <a:lstStyle/>
+          <a:p>
+            <a:pPr algn="ctr"/>
+            <a:endParaRPr lang="en-US"/>
+          </a:p>
+        </p:txBody>
+      </p:sp>
+      <p:sp>
+        <p:nvSpPr>
+          <p:cNvPr id="2" name="Title 1">
+            <a:extLst>
+              <a:ext uri="{FF2B5EF4-FFF2-40B4-BE49-F238E27FC236}">
+                <a16:creationId xmlns:a16="http://schemas.microsoft.com/office/drawing/2014/main" id="{932BE2FA-A8BF-0029-838D-5C2F51411E9E}"/>
+              </a:ext>
+            </a:extLst>
+          </p:cNvPr>
+          <p:cNvSpPr>
+            <a:spLocks noGrp="1"/>
+          </p:cNvSpPr>
+          <p:nvPr>
+            <p:ph type="title"/>
+          </p:nvPr>
+        </p:nvSpPr>
+        <p:spPr>
+          <a:xfrm>
+            <a:off x="2767556" y="173328"/>
+            <a:ext cx="6467963" cy="937259"/>
+          </a:xfrm>
+        </p:spPr>
+        <p:txBody>
+          <a:bodyPr vert="horz" lIns="91440" tIns="45720" rIns="91440" bIns="45720" rtlCol="0" anchor="b">
+            <a:normAutofit/>
+          </a:bodyPr>
+          <a:lstStyle/>
+          <a:p>
+            <a:pPr algn="ctr"/>
+            <a:r>
+              <a:rPr lang="en-US" dirty="0" err="1"/>
+              <a:t>Configuração</a:t>
+            </a:r>
+            <a:r>
+              <a:rPr lang="en-US" dirty="0"/>
+              <a:t> da WAF</a:t>
+            </a:r>
+          </a:p>
+        </p:txBody>
+      </p:sp>
+      <p:sp>
+        <p:nvSpPr>
+          <p:cNvPr id="3" name="Content Placeholder 2">
+            <a:extLst>
+              <a:ext uri="{FF2B5EF4-FFF2-40B4-BE49-F238E27FC236}">
+                <a16:creationId xmlns:a16="http://schemas.microsoft.com/office/drawing/2014/main" id="{1472DFF0-2B1E-BD65-20D0-4DB9C0E16EFA}"/>
+              </a:ext>
+            </a:extLst>
+          </p:cNvPr>
+          <p:cNvSpPr>
+            <a:spLocks noGrp="1"/>
+          </p:cNvSpPr>
+          <p:nvPr>
+            <p:ph idx="1"/>
+          </p:nvPr>
+        </p:nvSpPr>
+        <p:spPr>
+          <a:xfrm>
+            <a:off x="1942345" y="3609699"/>
+            <a:ext cx="3152077" cy="561068"/>
+          </a:xfrm>
+        </p:spPr>
+        <p:style>
+          <a:lnRef idx="2">
+            <a:schemeClr val="accent1"/>
+          </a:lnRef>
+          <a:fillRef idx="1">
+            <a:schemeClr val="lt1"/>
+          </a:fillRef>
+          <a:effectRef idx="0">
+            <a:schemeClr val="accent1"/>
+          </a:effectRef>
+          <a:fontRef idx="minor">
+            <a:schemeClr val="dk1"/>
+          </a:fontRef>
+        </p:style>
+        <p:txBody>
+          <a:bodyPr vert="horz" lIns="91440" tIns="45720" rIns="91440" bIns="45720" rtlCol="0">
+            <a:normAutofit fontScale="92500"/>
+          </a:bodyPr>
+          <a:lstStyle/>
+          <a:p>
+            <a:pPr marL="0" indent="0" algn="ctr">
+              <a:buNone/>
+            </a:pPr>
+            <a:r>
+              <a:rPr lang="en-US" sz="1800" dirty="0" err="1"/>
+              <a:t>Criação</a:t>
+            </a:r>
+            <a:r>
+              <a:rPr lang="en-US" sz="1800" dirty="0"/>
+              <a:t> de um Novo </a:t>
+            </a:r>
+            <a:r>
+              <a:rPr lang="en-US" sz="1800" dirty="0" err="1"/>
+              <a:t>Serviço</a:t>
+            </a:r>
+            <a:endParaRPr lang="en-US" sz="1800" dirty="0"/>
+          </a:p>
+        </p:txBody>
+      </p:sp>
+      <p:pic>
+        <p:nvPicPr>
+          <p:cNvPr id="5" name="Picture 4" descr="A screenshot of a phone&#10;&#10;AI-generated content may be incorrect.">
+            <a:extLst>
+              <a:ext uri="{FF2B5EF4-FFF2-40B4-BE49-F238E27FC236}">
+                <a16:creationId xmlns:a16="http://schemas.microsoft.com/office/drawing/2014/main" id="{2B07172A-C3EA-8C3E-F35E-3C5764786231}"/>
+              </a:ext>
+            </a:extLst>
+          </p:cNvPr>
+          <p:cNvPicPr>
+            <a:picLocks noChangeAspect="1"/>
+          </p:cNvPicPr>
+          <p:nvPr/>
+        </p:nvPicPr>
+        <p:blipFill>
+          <a:blip r:embed="rId2">
+            <a:extLst>
+              <a:ext uri="{28A0092B-C50C-407E-A947-70E740481C1C}">
+                <a14:useLocalDpi xmlns:a14="http://schemas.microsoft.com/office/drawing/2010/main" val="0"/>
+              </a:ext>
+            </a:extLst>
+          </a:blip>
+          <a:stretch>
+            <a:fillRect/>
+          </a:stretch>
+        </p:blipFill>
+        <p:spPr>
+          <a:xfrm>
+            <a:off x="2099661" y="1842092"/>
+            <a:ext cx="2837443" cy="1248475"/>
+          </a:xfrm>
+          <a:prstGeom prst="rect">
+            <a:avLst/>
+          </a:prstGeom>
+        </p:spPr>
+      </p:pic>
+      <p:pic>
+        <p:nvPicPr>
+          <p:cNvPr id="7" name="Picture 6" descr="A blue rectangular sign with white text&#10;&#10;AI-generated content may be incorrect.">
+            <a:extLst>
+              <a:ext uri="{FF2B5EF4-FFF2-40B4-BE49-F238E27FC236}">
+                <a16:creationId xmlns:a16="http://schemas.microsoft.com/office/drawing/2014/main" id="{2F4DAAD5-163F-AC2A-D5BA-015519A05829}"/>
+              </a:ext>
+            </a:extLst>
+          </p:cNvPr>
+          <p:cNvPicPr>
+            <a:picLocks noChangeAspect="1"/>
+          </p:cNvPicPr>
+          <p:nvPr/>
+        </p:nvPicPr>
+        <p:blipFill>
+          <a:blip r:embed="rId3">
+            <a:extLst>
+              <a:ext uri="{28A0092B-C50C-407E-A947-70E740481C1C}">
+                <a14:useLocalDpi xmlns:a14="http://schemas.microsoft.com/office/drawing/2010/main" val="0"/>
+              </a:ext>
+            </a:extLst>
+          </a:blip>
+          <a:stretch>
+            <a:fillRect/>
+          </a:stretch>
+        </p:blipFill>
+        <p:spPr>
+          <a:xfrm>
+            <a:off x="6908654" y="1985272"/>
+            <a:ext cx="3154481" cy="962117"/>
+          </a:xfrm>
+          <a:prstGeom prst="rect">
+            <a:avLst/>
+          </a:prstGeom>
+        </p:spPr>
+      </p:pic>
+      <p:pic>
+        <p:nvPicPr>
+          <p:cNvPr id="13" name="Picture 12" descr="A screenshot of a computer&#10;&#10;AI-generated content may be incorrect.">
+            <a:extLst>
+              <a:ext uri="{FF2B5EF4-FFF2-40B4-BE49-F238E27FC236}">
+                <a16:creationId xmlns:a16="http://schemas.microsoft.com/office/drawing/2014/main" id="{1162E6A6-9769-FAA5-9D8D-61A78BB88F03}"/>
+              </a:ext>
+            </a:extLst>
+          </p:cNvPr>
+          <p:cNvPicPr>
+            <a:picLocks noChangeAspect="1"/>
+          </p:cNvPicPr>
+          <p:nvPr/>
+        </p:nvPicPr>
+        <p:blipFill>
+          <a:blip r:embed="rId4">
+            <a:extLst>
+              <a:ext uri="{28A0092B-C50C-407E-A947-70E740481C1C}">
+                <a14:useLocalDpi xmlns:a14="http://schemas.microsoft.com/office/drawing/2010/main" val="0"/>
+              </a:ext>
+            </a:extLst>
+          </a:blip>
+          <a:stretch>
+            <a:fillRect/>
+          </a:stretch>
+        </p:blipFill>
+        <p:spPr>
+          <a:xfrm>
+            <a:off x="1942345" y="4801448"/>
+            <a:ext cx="3152077" cy="1394794"/>
+          </a:xfrm>
+          <a:prstGeom prst="rect">
+            <a:avLst/>
+          </a:prstGeom>
+        </p:spPr>
+      </p:pic>
+      <p:pic>
+        <p:nvPicPr>
+          <p:cNvPr id="11" name="Picture 10" descr="A screen shot of a computer program&#10;&#10;AI-generated content may be incorrect.">
+            <a:extLst>
+              <a:ext uri="{FF2B5EF4-FFF2-40B4-BE49-F238E27FC236}">
+                <a16:creationId xmlns:a16="http://schemas.microsoft.com/office/drawing/2014/main" id="{E02C0645-30DE-6C89-C535-B7EC03C73DF6}"/>
+              </a:ext>
+            </a:extLst>
+          </p:cNvPr>
+          <p:cNvPicPr>
+            <a:picLocks noChangeAspect="1"/>
+          </p:cNvPicPr>
+          <p:nvPr/>
+        </p:nvPicPr>
+        <p:blipFill>
+          <a:blip r:embed="rId5">
+            <a:extLst>
+              <a:ext uri="{28A0092B-C50C-407E-A947-70E740481C1C}">
+                <a14:useLocalDpi xmlns:a14="http://schemas.microsoft.com/office/drawing/2010/main" val="0"/>
+              </a:ext>
+            </a:extLst>
+          </a:blip>
+          <a:stretch>
+            <a:fillRect/>
+          </a:stretch>
+        </p:blipFill>
+        <p:spPr>
+          <a:xfrm>
+            <a:off x="6908654" y="4808271"/>
+            <a:ext cx="3154481" cy="1387971"/>
+          </a:xfrm>
+          <a:prstGeom prst="rect">
+            <a:avLst/>
+          </a:prstGeom>
+        </p:spPr>
+      </p:pic>
+      <p:pic>
+        <p:nvPicPr>
+          <p:cNvPr id="14" name="Picture 13" descr="A blue rectangular sign with white text&#10;&#10;AI-generated content may be incorrect.">
+            <a:extLst>
+              <a:ext uri="{FF2B5EF4-FFF2-40B4-BE49-F238E27FC236}">
+                <a16:creationId xmlns:a16="http://schemas.microsoft.com/office/drawing/2014/main" id="{A9E13D19-3C39-69BA-5447-D1B5D669316D}"/>
+              </a:ext>
+            </a:extLst>
+          </p:cNvPr>
+          <p:cNvPicPr>
+            <a:picLocks noChangeAspect="1"/>
+          </p:cNvPicPr>
+          <p:nvPr/>
+        </p:nvPicPr>
+        <p:blipFill>
+          <a:blip r:embed="rId3">
+            <a:extLst>
+              <a:ext uri="{28A0092B-C50C-407E-A947-70E740481C1C}">
+                <a14:useLocalDpi xmlns:a14="http://schemas.microsoft.com/office/drawing/2010/main" val="0"/>
+              </a:ext>
+            </a:extLst>
+          </a:blip>
+          <a:stretch>
+            <a:fillRect/>
+          </a:stretch>
+        </p:blipFill>
+        <p:spPr>
+          <a:xfrm>
+            <a:off x="6908654" y="3393360"/>
+            <a:ext cx="3154481" cy="962117"/>
+          </a:xfrm>
+          <a:prstGeom prst="rect">
+            <a:avLst/>
+          </a:prstGeom>
+        </p:spPr>
+      </p:pic>
+      <p:cxnSp>
+        <p:nvCxnSpPr>
+          <p:cNvPr id="16" name="Straight Arrow Connector 15">
+            <a:extLst>
+              <a:ext uri="{FF2B5EF4-FFF2-40B4-BE49-F238E27FC236}">
+                <a16:creationId xmlns:a16="http://schemas.microsoft.com/office/drawing/2014/main" id="{F06E1AF7-FC15-C913-FDB3-90902CD55F35}"/>
+              </a:ext>
+            </a:extLst>
+          </p:cNvPr>
+          <p:cNvCxnSpPr>
+            <a:cxnSpLocks/>
+            <a:stCxn id="5" idx="3"/>
+            <a:endCxn id="7" idx="1"/>
+          </p:cNvCxnSpPr>
+          <p:nvPr/>
+        </p:nvCxnSpPr>
+        <p:spPr>
+          <a:xfrm>
+            <a:off x="4937104" y="2466330"/>
+            <a:ext cx="1971550" cy="1"/>
+          </a:xfrm>
+          <a:prstGeom prst="straightConnector1">
+            <a:avLst/>
+          </a:prstGeom>
+          <a:ln>
+            <a:tailEnd type="triangle"/>
+          </a:ln>
+        </p:spPr>
+        <p:style>
+          <a:lnRef idx="1">
+            <a:schemeClr val="accent1"/>
+          </a:lnRef>
+          <a:fillRef idx="0">
+            <a:schemeClr val="accent1"/>
+          </a:fillRef>
+          <a:effectRef idx="0">
+            <a:schemeClr val="accent1"/>
+          </a:effectRef>
+          <a:fontRef idx="minor">
+            <a:schemeClr val="tx1"/>
+          </a:fontRef>
+        </p:style>
+      </p:cxnSp>
+      <p:cxnSp>
+        <p:nvCxnSpPr>
+          <p:cNvPr id="20" name="Straight Arrow Connector 19">
+            <a:extLst>
+              <a:ext uri="{FF2B5EF4-FFF2-40B4-BE49-F238E27FC236}">
+                <a16:creationId xmlns:a16="http://schemas.microsoft.com/office/drawing/2014/main" id="{C9EF8933-E0C5-38B1-39BC-ED5F56D89028}"/>
+              </a:ext>
+            </a:extLst>
+          </p:cNvPr>
+          <p:cNvCxnSpPr>
+            <a:cxnSpLocks/>
+            <a:stCxn id="7" idx="2"/>
+            <a:endCxn id="14" idx="0"/>
+          </p:cNvCxnSpPr>
+          <p:nvPr/>
+        </p:nvCxnSpPr>
+        <p:spPr>
+          <a:xfrm>
+            <a:off x="8485895" y="2947389"/>
+            <a:ext cx="0" cy="445971"/>
+          </a:xfrm>
+          <a:prstGeom prst="straightConnector1">
+            <a:avLst/>
+          </a:prstGeom>
+          <a:ln>
+            <a:tailEnd type="triangle"/>
+          </a:ln>
+        </p:spPr>
+        <p:style>
+          <a:lnRef idx="1">
+            <a:schemeClr val="accent1"/>
+          </a:lnRef>
+          <a:fillRef idx="0">
+            <a:schemeClr val="accent1"/>
+          </a:fillRef>
+          <a:effectRef idx="0">
+            <a:schemeClr val="accent1"/>
+          </a:effectRef>
+          <a:fontRef idx="minor">
+            <a:schemeClr val="tx1"/>
+          </a:fontRef>
+        </p:style>
+      </p:cxnSp>
+      <p:cxnSp>
+        <p:nvCxnSpPr>
+          <p:cNvPr id="23" name="Straight Arrow Connector 22">
+            <a:extLst>
+              <a:ext uri="{FF2B5EF4-FFF2-40B4-BE49-F238E27FC236}">
+                <a16:creationId xmlns:a16="http://schemas.microsoft.com/office/drawing/2014/main" id="{4884C874-8204-F351-F35A-FA5D7872486B}"/>
+              </a:ext>
+            </a:extLst>
+          </p:cNvPr>
+          <p:cNvCxnSpPr>
+            <a:cxnSpLocks/>
+            <a:stCxn id="14" idx="2"/>
+            <a:endCxn id="11" idx="0"/>
+          </p:cNvCxnSpPr>
+          <p:nvPr/>
+        </p:nvCxnSpPr>
+        <p:spPr>
+          <a:xfrm>
+            <a:off x="8485895" y="4355477"/>
+            <a:ext cx="0" cy="452794"/>
+          </a:xfrm>
+          <a:prstGeom prst="straightConnector1">
+            <a:avLst/>
+          </a:prstGeom>
+          <a:ln>
+            <a:tailEnd type="triangle"/>
+          </a:ln>
+        </p:spPr>
+        <p:style>
+          <a:lnRef idx="1">
+            <a:schemeClr val="accent1"/>
+          </a:lnRef>
+          <a:fillRef idx="0">
+            <a:schemeClr val="accent1"/>
+          </a:fillRef>
+          <a:effectRef idx="0">
+            <a:schemeClr val="accent1"/>
+          </a:effectRef>
+          <a:fontRef idx="minor">
+            <a:schemeClr val="tx1"/>
+          </a:fontRef>
+        </p:style>
+      </p:cxnSp>
+      <p:cxnSp>
+        <p:nvCxnSpPr>
+          <p:cNvPr id="26" name="Straight Arrow Connector 25">
+            <a:extLst>
+              <a:ext uri="{FF2B5EF4-FFF2-40B4-BE49-F238E27FC236}">
+                <a16:creationId xmlns:a16="http://schemas.microsoft.com/office/drawing/2014/main" id="{E8E765D7-44E1-98F6-AB5E-363844348577}"/>
+              </a:ext>
+            </a:extLst>
+          </p:cNvPr>
+          <p:cNvCxnSpPr>
+            <a:cxnSpLocks/>
+            <a:stCxn id="11" idx="1"/>
+            <a:endCxn id="13" idx="3"/>
+          </p:cNvCxnSpPr>
+          <p:nvPr/>
+        </p:nvCxnSpPr>
+        <p:spPr>
+          <a:xfrm flipH="1" flipV="1">
+            <a:off x="5094422" y="5498845"/>
+            <a:ext cx="1814232" cy="3412"/>
+          </a:xfrm>
+          <a:prstGeom prst="straightConnector1">
+            <a:avLst/>
+          </a:prstGeom>
+          <a:ln>
+            <a:tailEnd type="triangle"/>
+          </a:ln>
+        </p:spPr>
+        <p:style>
+          <a:lnRef idx="1">
+            <a:schemeClr val="accent1"/>
+          </a:lnRef>
+          <a:fillRef idx="0">
+            <a:schemeClr val="accent1"/>
+          </a:fillRef>
+          <a:effectRef idx="0">
+            <a:schemeClr val="accent1"/>
+          </a:effectRef>
+          <a:fontRef idx="minor">
+            <a:schemeClr val="tx1"/>
+          </a:fontRef>
+        </p:style>
+      </p:cxnSp>
+      <p:cxnSp>
+        <p:nvCxnSpPr>
+          <p:cNvPr id="32" name="Straight Arrow Connector 31">
+            <a:extLst>
+              <a:ext uri="{FF2B5EF4-FFF2-40B4-BE49-F238E27FC236}">
+                <a16:creationId xmlns:a16="http://schemas.microsoft.com/office/drawing/2014/main" id="{F0B801CC-F508-31E5-B5C1-1115B885D5E0}"/>
+              </a:ext>
+            </a:extLst>
+          </p:cNvPr>
+          <p:cNvCxnSpPr>
+            <a:cxnSpLocks/>
+            <a:stCxn id="3" idx="0"/>
+            <a:endCxn id="5" idx="2"/>
+          </p:cNvCxnSpPr>
+          <p:nvPr/>
+        </p:nvCxnSpPr>
+        <p:spPr>
+          <a:xfrm flipH="1" flipV="1">
+            <a:off x="3518383" y="3090567"/>
+            <a:ext cx="1" cy="519132"/>
+          </a:xfrm>
+          <a:prstGeom prst="straightConnector1">
+            <a:avLst/>
+          </a:prstGeom>
+          <a:ln>
+            <a:tailEnd type="triangle"/>
+          </a:ln>
+        </p:spPr>
+        <p:style>
+          <a:lnRef idx="1">
+            <a:schemeClr val="accent1"/>
+          </a:lnRef>
+          <a:fillRef idx="0">
+            <a:schemeClr val="accent1"/>
+          </a:fillRef>
+          <a:effectRef idx="0">
+            <a:schemeClr val="accent1"/>
+          </a:effectRef>
+          <a:fontRef idx="minor">
+            <a:schemeClr val="tx1"/>
+          </a:fontRef>
+        </p:style>
+      </p:cxnSp>
+    </p:spTree>
+    <p:extLst>
+      <p:ext uri="{BB962C8B-B14F-4D97-AF65-F5344CB8AC3E}">
+        <p14:creationId xmlns:p14="http://schemas.microsoft.com/office/powerpoint/2010/main" val="2893323914"/>
+      </p:ext>
+    </p:extLst>
+  </p:cSld>
+  <p:clrMapOvr>
+    <a:masterClrMapping/>
+  </p:clrMapOvr>
+</p:sld>
+</file>
+
+<file path=ppt/slides/slide15.xml><?xml version="1.0" encoding="utf-8"?>
+<p:sld xmlns:a="http://schemas.openxmlformats.org/drawingml/2006/main" xmlns:r="http://schemas.openxmlformats.org/officeDocument/2006/relationships" xmlns:p="http://schemas.openxmlformats.org/presentationml/2006/main">
+  <p:cSld>
+    <p:spTree>
+      <p:nvGrpSpPr>
+        <p:cNvPr id="1" name="">
+          <a:extLst>
+            <a:ext uri="{FF2B5EF4-FFF2-40B4-BE49-F238E27FC236}">
+              <a16:creationId xmlns:a16="http://schemas.microsoft.com/office/drawing/2014/main" id="{2C3CCAF7-F05F-0951-200D-33BA028425A1}"/>
+            </a:ext>
+          </a:extLst>
+        </p:cNvPr>
+        <p:cNvGrpSpPr/>
+        <p:nvPr/>
+      </p:nvGrpSpPr>
+      <p:grpSpPr>
+        <a:xfrm>
+          <a:off x="0" y="0"/>
+          <a:ext cx="0" cy="0"/>
+          <a:chOff x="0" y="0"/>
+          <a:chExt cx="0" cy="0"/>
+        </a:xfrm>
+      </p:grpSpPr>
+      <p:sp>
+        <p:nvSpPr>
+          <p:cNvPr id="2" name="Title 1">
+            <a:extLst>
+              <a:ext uri="{FF2B5EF4-FFF2-40B4-BE49-F238E27FC236}">
+                <a16:creationId xmlns:a16="http://schemas.microsoft.com/office/drawing/2014/main" id="{18E3EE94-DCCD-9A46-500C-359D16F415A2}"/>
+              </a:ext>
+            </a:extLst>
+          </p:cNvPr>
+          <p:cNvSpPr>
+            <a:spLocks noGrp="1"/>
+          </p:cNvSpPr>
+          <p:nvPr>
+            <p:ph type="title"/>
+          </p:nvPr>
+        </p:nvSpPr>
+        <p:spPr/>
+        <p:txBody>
+          <a:bodyPr/>
+          <a:lstStyle/>
+          <a:p>
+            <a:r>
+              <a:rPr lang="pt-PT" dirty="0"/>
+              <a:t>Resultado WAF </a:t>
+            </a:r>
+            <a:br>
+              <a:rPr lang="pt-PT" dirty="0"/>
+            </a:br>
+            <a:r>
+              <a:rPr lang="pt-PT" dirty="0"/>
+              <a:t>(Testes com Kali Linux)</a:t>
+            </a:r>
+          </a:p>
+        </p:txBody>
+      </p:sp>
+      <p:sp>
+        <p:nvSpPr>
+          <p:cNvPr id="3" name="Content Placeholder 2">
+            <a:extLst>
+              <a:ext uri="{FF2B5EF4-FFF2-40B4-BE49-F238E27FC236}">
+                <a16:creationId xmlns:a16="http://schemas.microsoft.com/office/drawing/2014/main" id="{F2039C19-756A-464E-EE23-76F1595EACD2}"/>
+              </a:ext>
+            </a:extLst>
+          </p:cNvPr>
+          <p:cNvSpPr>
+            <a:spLocks noGrp="1"/>
+          </p:cNvSpPr>
+          <p:nvPr>
+            <p:ph idx="1"/>
+          </p:nvPr>
+        </p:nvSpPr>
+        <p:spPr/>
+        <p:txBody>
+          <a:bodyPr/>
+          <a:lstStyle/>
+          <a:p>
+            <a:endParaRPr lang="pt-PT"/>
+          </a:p>
+        </p:txBody>
+      </p:sp>
+    </p:spTree>
+    <p:extLst>
+      <p:ext uri="{BB962C8B-B14F-4D97-AF65-F5344CB8AC3E}">
+        <p14:creationId xmlns:p14="http://schemas.microsoft.com/office/powerpoint/2010/main" val="119805705"/>
+      </p:ext>
+    </p:extLst>
+  </p:cSld>
+  <p:clrMapOvr>
+    <a:masterClrMapping/>
+  </p:clrMapOvr>
+  <mc:AlternateContent xmlns:mc="http://schemas.openxmlformats.org/markup-compatibility/2006" xmlns:p159="http://schemas.microsoft.com/office/powerpoint/2015/09/main">
+    <mc:Choice Requires="p159">
+      <p:transition xmlns:p14="http://schemas.microsoft.com/office/powerpoint/2010/main" spd="slow" p14:dur="2000">
+        <p159:morph option="byObject"/>
+      </p:transition>
+    </mc:Choice>
+    <mc:Fallback xmlns="">
+      <p:transition spd="slow">
+        <p:fade/>
+      </p:transition>
+    </mc:Fallback>
+  </mc:AlternateContent>
+</p:sld>
+</file>
+
+<file path=ppt/slides/slide16.xml><?xml version="1.0" encoding="utf-8"?>
+<p:sld xmlns:a="http://schemas.openxmlformats.org/drawingml/2006/main" xmlns:r="http://schemas.openxmlformats.org/officeDocument/2006/relationships" xmlns:p="http://schemas.openxmlformats.org/presentationml/2006/main">
+  <p:cSld>
+    <p:bg>
+      <p:bgPr>
+        <a:solidFill>
+          <a:schemeClr val="bg1"/>
+        </a:solidFill>
+        <a:effectLst/>
+      </p:bgPr>
+    </p:bg>
+    <p:spTree>
+      <p:nvGrpSpPr>
+        <p:cNvPr id="1" name=""/>
+        <p:cNvGrpSpPr/>
+        <p:nvPr/>
+      </p:nvGrpSpPr>
+      <p:grpSpPr>
+        <a:xfrm>
+          <a:off x="0" y="0"/>
+          <a:ext cx="0" cy="0"/>
+          <a:chOff x="0" y="0"/>
+          <a:chExt cx="0" cy="0"/>
+        </a:xfrm>
+      </p:grpSpPr>
+      <p:sp useBgFill="1">
+        <p:nvSpPr>
+          <p:cNvPr id="10" name="Rectangle 9">
+            <a:extLst>
+              <a:ext uri="{FF2B5EF4-FFF2-40B4-BE49-F238E27FC236}">
+                <a16:creationId xmlns:a16="http://schemas.microsoft.com/office/drawing/2014/main" id="{CBB0869A-0BE5-B3E9-F73D-2F3691E4D932}"/>
+              </a:ext>
+              <a:ext uri="{C183D7F6-B498-43B3-948B-1728B52AA6E4}">
+                <adec:decorative xmlns:adec="http://schemas.microsoft.com/office/drawing/2017/decorative" val="1"/>
+              </a:ext>
+            </a:extLst>
+          </p:cNvPr>
+          <p:cNvSpPr>
+            <a:spLocks noGrp="1" noRot="1" noChangeAspect="1" noMove="1" noResize="1" noEditPoints="1" noAdjustHandles="1" noChangeArrowheads="1" noChangeShapeType="1" noTextEdit="1"/>
+          </p:cNvSpPr>
+          <p:nvPr>
+            <p:extLst>
+              <p:ext uri="{386F3935-93C4-4BCD-93E2-E3B085C9AB24}">
+                <p16:designElem xmlns:p16="http://schemas.microsoft.com/office/powerpoint/2015/main" val="1"/>
+              </p:ext>
+            </p:extLst>
+          </p:nvPr>
+        </p:nvSpPr>
+        <p:spPr>
+          <a:xfrm>
+            <a:off x="0" y="0"/>
+            <a:ext cx="12192000" cy="6858000"/>
+          </a:xfrm>
+          <a:prstGeom prst="rect">
+            <a:avLst/>
+          </a:prstGeom>
+          <a:ln w="12700" cap="flat" cmpd="sng" algn="ctr">
+            <a:noFill/>
+            <a:prstDash val="solid"/>
+            <a:miter lim="800000"/>
+          </a:ln>
+          <a:effectLst/>
+          <a:extLst>
+            <a:ext uri="{91240B29-F687-4F45-9708-019B960494DF}">
+              <a14:hiddenLine xmlns:a14="http://schemas.microsoft.com/office/drawing/2010/main" w="12700" cap="flat" cmpd="sng" algn="ctr">
+                <a:solidFill>
+                  <a:schemeClr val="accent1">
+                    <a:shade val="15000"/>
+                  </a:schemeClr>
+                </a:solidFill>
+                <a:prstDash val="solid"/>
+                <a:miter lim="800000"/>
+              </a14:hiddenLine>
+            </a:ext>
+          </a:extLst>
+        </p:spPr>
+        <p:style>
+          <a:lnRef idx="2">
+            <a:schemeClr val="accent1">
+              <a:shade val="15000"/>
+            </a:schemeClr>
+          </a:lnRef>
+          <a:fillRef idx="1">
+            <a:schemeClr val="accent1"/>
+          </a:fillRef>
+          <a:effectRef idx="0">
+            <a:schemeClr val="accent1"/>
+          </a:effectRef>
+          <a:fontRef idx="minor">
+            <a:schemeClr val="lt1"/>
+          </a:fontRef>
+        </p:style>
+        <p:txBody>
+          <a:bodyPr rtlCol="0" anchor="ctr"/>
+          <a:lstStyle/>
+          <a:p>
+            <a:pPr algn="ctr"/>
+            <a:endParaRPr lang="en-US"/>
+          </a:p>
+        </p:txBody>
+      </p:sp>
+      <p:sp>
+        <p:nvSpPr>
+          <p:cNvPr id="2" name="Title 1">
+            <a:extLst>
+              <a:ext uri="{FF2B5EF4-FFF2-40B4-BE49-F238E27FC236}">
+                <a16:creationId xmlns:a16="http://schemas.microsoft.com/office/drawing/2014/main" id="{B2847950-2D06-FAF8-2D5C-C86613BD6D81}"/>
+              </a:ext>
+            </a:extLst>
+          </p:cNvPr>
+          <p:cNvSpPr>
+            <a:spLocks noGrp="1"/>
+          </p:cNvSpPr>
+          <p:nvPr>
+            <p:ph type="title"/>
+          </p:nvPr>
+        </p:nvSpPr>
+        <p:spPr>
+          <a:xfrm>
+            <a:off x="612648" y="1114923"/>
+            <a:ext cx="4621553" cy="1360728"/>
+          </a:xfrm>
+        </p:spPr>
+        <p:txBody>
+          <a:bodyPr anchor="b">
+            <a:normAutofit/>
+          </a:bodyPr>
+          <a:lstStyle/>
+          <a:p>
+            <a:r>
+              <a:rPr lang="pt-PT" dirty="0"/>
+              <a:t>Conclusão</a:t>
+            </a:r>
+          </a:p>
+        </p:txBody>
+      </p:sp>
+      <p:sp>
+        <p:nvSpPr>
+          <p:cNvPr id="3" name="Content Placeholder 2">
+            <a:extLst>
+              <a:ext uri="{FF2B5EF4-FFF2-40B4-BE49-F238E27FC236}">
+                <a16:creationId xmlns:a16="http://schemas.microsoft.com/office/drawing/2014/main" id="{1914C95A-E121-3161-98C6-9FC61BCD354E}"/>
+              </a:ext>
+            </a:extLst>
+          </p:cNvPr>
+          <p:cNvSpPr>
+            <a:spLocks noGrp="1"/>
+          </p:cNvSpPr>
+          <p:nvPr>
+            <p:ph idx="1"/>
+          </p:nvPr>
+        </p:nvSpPr>
+        <p:spPr>
+          <a:xfrm>
+            <a:off x="612648" y="2584058"/>
+            <a:ext cx="4621553" cy="3159018"/>
+          </a:xfrm>
+        </p:spPr>
+        <p:txBody>
+          <a:bodyPr>
+            <a:normAutofit/>
+          </a:bodyPr>
+          <a:lstStyle/>
+          <a:p>
+            <a:r>
+              <a:rPr lang="pt-PT" sz="1800"/>
+              <a:t>Semelhanças ao Lab 2 de AS</a:t>
+            </a:r>
+          </a:p>
+          <a:p>
+            <a:r>
+              <a:rPr lang="pt-PT" sz="1800"/>
+              <a:t>Adquirir conhecimentos sobre segurança</a:t>
+            </a:r>
+          </a:p>
+          <a:p>
+            <a:r>
+              <a:rPr lang="pt-PT" sz="1800"/>
+              <a:t>Importância das WAF na web</a:t>
+            </a:r>
+          </a:p>
+        </p:txBody>
+      </p:sp>
+      <p:pic>
+        <p:nvPicPr>
+          <p:cNvPr id="7" name="Graphic 6" descr="Checkmark">
+            <a:extLst>
+              <a:ext uri="{FF2B5EF4-FFF2-40B4-BE49-F238E27FC236}">
+                <a16:creationId xmlns:a16="http://schemas.microsoft.com/office/drawing/2014/main" id="{3778A9DE-A55A-9302-589D-C1411F39A2B2}"/>
+              </a:ext>
+            </a:extLst>
+          </p:cNvPr>
+          <p:cNvPicPr>
+            <a:picLocks noChangeAspect="1"/>
+          </p:cNvPicPr>
+          <p:nvPr/>
+        </p:nvPicPr>
+        <p:blipFill>
+          <a:blip r:embed="rId2">
+            <a:extLst>
+              <a:ext uri="{28A0092B-C50C-407E-A947-70E740481C1C}">
+                <a14:useLocalDpi xmlns:a14="http://schemas.microsoft.com/office/drawing/2010/main" val="0"/>
+              </a:ext>
+              <a:ext uri="{96DAC541-7B7A-43D3-8B79-37D633B846F1}">
+                <asvg:svgBlip xmlns:asvg="http://schemas.microsoft.com/office/drawing/2016/SVG/main" r:embed="rId3"/>
+              </a:ext>
+            </a:extLst>
+          </a:blip>
+          <a:stretch>
+            <a:fillRect/>
+          </a:stretch>
+        </p:blipFill>
+        <p:spPr>
+          <a:xfrm>
+            <a:off x="6296074" y="1114923"/>
+            <a:ext cx="4628153" cy="4628153"/>
+          </a:xfrm>
+          <a:prstGeom prst="rect">
+            <a:avLst/>
+          </a:prstGeom>
+        </p:spPr>
+      </p:pic>
+    </p:spTree>
+    <p:extLst>
+      <p:ext uri="{BB962C8B-B14F-4D97-AF65-F5344CB8AC3E}">
+        <p14:creationId xmlns:p14="http://schemas.microsoft.com/office/powerpoint/2010/main" val="3934055088"/>
+      </p:ext>
+    </p:extLst>
+  </p:cSld>
+  <p:clrMapOvr>
+    <a:masterClrMapping/>
+  </p:clrMapOvr>
+  <mc:AlternateContent xmlns:mc="http://schemas.openxmlformats.org/markup-compatibility/2006" xmlns:p159="http://schemas.microsoft.com/office/powerpoint/2015/09/main">
+    <mc:Choice Requires="p159">
+      <p:transition xmlns:p14="http://schemas.microsoft.com/office/powerpoint/2010/main" spd="slow" p14:dur="2000">
+        <p159:morph option="byObject"/>
+      </p:transition>
+    </mc:Choice>
+    <mc:Fallback xmlns="">
+      <p:transition spd="slow">
+        <p:fade/>
+      </p:transition>
+    </mc:Fallback>
+  </mc:AlternateContent>
+</p:sld>
+</file>
+
+<file path=ppt/slides/slide17.xml><?xml version="1.0" encoding="utf-8"?>
+<p:sld xmlns:a="http://schemas.openxmlformats.org/drawingml/2006/main" xmlns:r="http://schemas.openxmlformats.org/officeDocument/2006/relationships" xmlns:p="http://schemas.openxmlformats.org/presentationml/2006/main">
+  <p:cSld>
+    <p:bg>
+      <p:bgPr>
+        <a:solidFill>
+          <a:schemeClr val="bg1"/>
+        </a:solidFill>
+        <a:effectLst/>
+      </p:bgPr>
+    </p:bg>
+    <p:spTree>
+      <p:nvGrpSpPr>
+        <p:cNvPr id="1" name=""/>
+        <p:cNvGrpSpPr/>
+        <p:nvPr/>
+      </p:nvGrpSpPr>
+      <p:grpSpPr>
+        <a:xfrm>
+          <a:off x="0" y="0"/>
+          <a:ext cx="0" cy="0"/>
+          <a:chOff x="0" y="0"/>
+          <a:chExt cx="0" cy="0"/>
+        </a:xfrm>
+      </p:grpSpPr>
+      <p:sp useBgFill="1">
+        <p:nvSpPr>
+          <p:cNvPr id="14" name="Rectangle 13">
+            <a:extLst>
+              <a:ext uri="{FF2B5EF4-FFF2-40B4-BE49-F238E27FC236}">
+                <a16:creationId xmlns:a16="http://schemas.microsoft.com/office/drawing/2014/main" id="{14D27876-614E-CCD5-5142-A650DBF0B099}"/>
+              </a:ext>
+              <a:ext uri="{C183D7F6-B498-43B3-948B-1728B52AA6E4}">
+                <adec:decorative xmlns:adec="http://schemas.microsoft.com/office/drawing/2017/decorative" val="1"/>
+              </a:ext>
+            </a:extLst>
+          </p:cNvPr>
+          <p:cNvSpPr>
+            <a:spLocks noGrp="1" noRot="1" noChangeAspect="1" noMove="1" noResize="1" noEditPoints="1" noAdjustHandles="1" noChangeArrowheads="1" noChangeShapeType="1" noTextEdit="1"/>
+          </p:cNvSpPr>
+          <p:nvPr>
+            <p:extLst>
+              <p:ext uri="{386F3935-93C4-4BCD-93E2-E3B085C9AB24}">
+                <p16:designElem xmlns:p16="http://schemas.microsoft.com/office/powerpoint/2015/main" val="1"/>
+              </p:ext>
+            </p:extLst>
+          </p:nvPr>
+        </p:nvSpPr>
+        <p:spPr>
+          <a:xfrm>
+            <a:off x="0" y="0"/>
+            <a:ext cx="12192000" cy="6858000"/>
+          </a:xfrm>
+          <a:prstGeom prst="rect">
+            <a:avLst/>
+          </a:prstGeom>
+          <a:ln w="12700" cap="flat" cmpd="sng" algn="ctr">
+            <a:noFill/>
+            <a:prstDash val="solid"/>
+            <a:miter lim="800000"/>
+          </a:ln>
+          <a:effectLst/>
+          <a:extLst>
+            <a:ext uri="{91240B29-F687-4F45-9708-019B960494DF}">
+              <a14:hiddenLine xmlns:a14="http://schemas.microsoft.com/office/drawing/2010/main" w="12700" cap="flat" cmpd="sng" algn="ctr">
+                <a:solidFill>
+                  <a:schemeClr val="accent1">
+                    <a:shade val="15000"/>
+                  </a:schemeClr>
+                </a:solidFill>
+                <a:prstDash val="solid"/>
+                <a:miter lim="800000"/>
+              </a14:hiddenLine>
+            </a:ext>
+          </a:extLst>
+        </p:spPr>
+        <p:style>
+          <a:lnRef idx="2">
+            <a:schemeClr val="accent1">
+              <a:shade val="15000"/>
+            </a:schemeClr>
+          </a:lnRef>
+          <a:fillRef idx="1">
+            <a:schemeClr val="accent1"/>
+          </a:fillRef>
+          <a:effectRef idx="0">
+            <a:schemeClr val="accent1"/>
+          </a:effectRef>
+          <a:fontRef idx="minor">
+            <a:schemeClr val="lt1"/>
+          </a:fontRef>
+        </p:style>
+        <p:txBody>
+          <a:bodyPr rtlCol="0" anchor="ctr"/>
+          <a:lstStyle/>
+          <a:p>
+            <a:pPr algn="ctr"/>
+            <a:endParaRPr lang="en-US"/>
+          </a:p>
+        </p:txBody>
+      </p:sp>
+      <p:sp>
+        <p:nvSpPr>
+          <p:cNvPr id="2" name="Title 1">
+            <a:extLst>
+              <a:ext uri="{FF2B5EF4-FFF2-40B4-BE49-F238E27FC236}">
+                <a16:creationId xmlns:a16="http://schemas.microsoft.com/office/drawing/2014/main" id="{22D35795-1FAD-FDF7-4D48-6CC0462687D7}"/>
+              </a:ext>
+            </a:extLst>
+          </p:cNvPr>
+          <p:cNvSpPr>
+            <a:spLocks noGrp="1"/>
+          </p:cNvSpPr>
+          <p:nvPr>
+            <p:ph type="title"/>
+          </p:nvPr>
+        </p:nvSpPr>
+        <p:spPr>
+          <a:xfrm>
+            <a:off x="1994140" y="5137536"/>
+            <a:ext cx="8203720" cy="732129"/>
+          </a:xfrm>
+        </p:spPr>
+        <p:txBody>
+          <a:bodyPr vert="horz" lIns="91440" tIns="45720" rIns="91440" bIns="45720" rtlCol="0" anchor="b">
+            <a:normAutofit/>
+          </a:bodyPr>
+          <a:lstStyle/>
+          <a:p>
+            <a:pPr algn="ctr"/>
+            <a:r>
+              <a:rPr lang="en-US"/>
+              <a:t>Obrigado por ouvir!</a:t>
+            </a:r>
+          </a:p>
+        </p:txBody>
+      </p:sp>
+      <p:pic>
+        <p:nvPicPr>
+          <p:cNvPr id="6" name="Graphic 5" descr="Presentation with checklist with solid fill">
+            <a:extLst>
+              <a:ext uri="{FF2B5EF4-FFF2-40B4-BE49-F238E27FC236}">
+                <a16:creationId xmlns:a16="http://schemas.microsoft.com/office/drawing/2014/main" id="{9BEA04DC-1479-ABD7-749E-BBFE2054D999}"/>
+              </a:ext>
+            </a:extLst>
+          </p:cNvPr>
+          <p:cNvPicPr>
+            <a:picLocks noChangeAspect="1"/>
+          </p:cNvPicPr>
+          <p:nvPr/>
+        </p:nvPicPr>
+        <p:blipFill>
+          <a:blip r:embed="rId2">
+            <a:extLst>
+              <a:ext uri="{96DAC541-7B7A-43D3-8B79-37D633B846F1}">
+                <asvg:svgBlip xmlns:asvg="http://schemas.microsoft.com/office/drawing/2016/SVG/main" r:embed="rId3"/>
+              </a:ext>
+            </a:extLst>
+          </a:blip>
+          <a:stretch/>
+        </p:blipFill>
+        <p:spPr>
+          <a:xfrm>
+            <a:off x="3811686" y="418089"/>
+            <a:ext cx="4567076" cy="4567076"/>
+          </a:xfrm>
+          <a:prstGeom prst="rect">
+            <a:avLst/>
+          </a:prstGeom>
+        </p:spPr>
+      </p:pic>
+    </p:spTree>
+    <p:extLst>
+      <p:ext uri="{BB962C8B-B14F-4D97-AF65-F5344CB8AC3E}">
+        <p14:creationId xmlns:p14="http://schemas.microsoft.com/office/powerpoint/2010/main" val="3462872469"/>
+      </p:ext>
+    </p:extLst>
+  </p:cSld>
+  <p:clrMapOvr>
+    <a:masterClrMapping/>
+  </p:clrMapOvr>
+  <mc:AlternateContent xmlns:mc="http://schemas.openxmlformats.org/markup-compatibility/2006" xmlns:p159="http://schemas.microsoft.com/office/powerpoint/2015/09/main">
+    <mc:Choice Requires="p159">
+      <p:transition xmlns:p14="http://schemas.microsoft.com/office/powerpoint/2010/main" spd="slow" p14:dur="2000">
+        <p159:morph option="byObject"/>
+      </p:transition>
+    </mc:Choice>
+    <mc:Fallback xmlns="">
+      <p:transition spd="slow">
+        <p:fade/>
+      </p:transition>
+    </mc:Fallback>
+  </mc:AlternateContent>
+</p:sld>
+</file>
+
+<file path=ppt/slides/slide2.xml><?xml version="1.0" encoding="utf-8"?>
+<p:sld xmlns:a="http://schemas.openxmlformats.org/drawingml/2006/main" xmlns:r="http://schemas.openxmlformats.org/officeDocument/2006/relationships" xmlns:p="http://schemas.openxmlformats.org/presentationml/2006/main">
+  <p:cSld>
+    <p:bg>
+      <p:bgPr>
+        <a:solidFill>
+          <a:schemeClr val="bg1"/>
+        </a:solidFill>
+        <a:effectLst/>
+      </p:bgPr>
+    </p:bg>
+    <p:spTree>
+      <p:nvGrpSpPr>
+        <p:cNvPr id="1" name=""/>
+        <p:cNvGrpSpPr/>
+        <p:nvPr/>
+      </p:nvGrpSpPr>
+      <p:grpSpPr>
+        <a:xfrm>
+          <a:off x="0" y="0"/>
+          <a:ext cx="0" cy="0"/>
+          <a:chOff x="0" y="0"/>
+          <a:chExt cx="0" cy="0"/>
+        </a:xfrm>
+      </p:grpSpPr>
+      <p:sp>
+        <p:nvSpPr>
+          <p:cNvPr id="9" name="Rectangle 8">
+            <a:extLst>
+              <a:ext uri="{FF2B5EF4-FFF2-40B4-BE49-F238E27FC236}">
+                <a16:creationId xmlns:a16="http://schemas.microsoft.com/office/drawing/2014/main" id="{01A22726-DA03-BCB0-F12E-98258FB7E5C0}"/>
+              </a:ext>
+              <a:ext uri="{C183D7F6-B498-43B3-948B-1728B52AA6E4}">
+                <adec:decorative xmlns:adec="http://schemas.microsoft.com/office/drawing/2017/decorative" val="1"/>
+              </a:ext>
+            </a:extLst>
+          </p:cNvPr>
+          <p:cNvSpPr>
+            <a:spLocks noGrp="1" noRot="1" noChangeAspect="1" noMove="1" noResize="1" noEditPoints="1" noAdjustHandles="1" noChangeArrowheads="1" noChangeShapeType="1" noTextEdit="1"/>
+          </p:cNvSpPr>
+          <p:nvPr>
+            <p:extLst>
+              <p:ext uri="{386F3935-93C4-4BCD-93E2-E3B085C9AB24}">
+                <p16:designElem xmlns:p16="http://schemas.microsoft.com/office/powerpoint/2015/main" val="1"/>
+              </p:ext>
+            </p:extLst>
+          </p:nvPr>
+        </p:nvSpPr>
+        <p:spPr>
+          <a:xfrm>
+            <a:off x="0" y="0"/>
+            <a:ext cx="12192000" cy="6858000"/>
+          </a:xfrm>
+          <a:prstGeom prst="rect">
+            <a:avLst/>
+          </a:prstGeom>
+          <a:solidFill>
+            <a:schemeClr val="bg1"/>
+          </a:solidFill>
+          <a:ln w="12700" cap="flat" cmpd="sng" algn="ctr">
+            <a:noFill/>
+            <a:prstDash val="solid"/>
+            <a:miter lim="800000"/>
+          </a:ln>
+          <a:effectLst/>
+          <a:extLst>
+            <a:ext uri="{91240B29-F687-4F45-9708-019B960494DF}">
+              <a14:hiddenLine xmlns:a14="http://schemas.microsoft.com/office/drawing/2010/main" w="12700" cap="flat" cmpd="sng" algn="ctr">
+                <a:solidFill>
+                  <a:schemeClr val="accent1">
+                    <a:shade val="15000"/>
+                  </a:schemeClr>
+                </a:solidFill>
+                <a:prstDash val="solid"/>
+                <a:miter lim="800000"/>
+              </a14:hiddenLine>
+            </a:ext>
+          </a:extLst>
+        </p:spPr>
+        <p:style>
+          <a:lnRef idx="2">
+            <a:schemeClr val="accent1">
+              <a:shade val="15000"/>
+            </a:schemeClr>
+          </a:lnRef>
+          <a:fillRef idx="1">
+            <a:schemeClr val="accent1"/>
+          </a:fillRef>
+          <a:effectRef idx="0">
+            <a:schemeClr val="accent1"/>
+          </a:effectRef>
+          <a:fontRef idx="minor">
+            <a:schemeClr val="lt1"/>
+          </a:fontRef>
+        </p:style>
+        <p:txBody>
+          <a:bodyPr rtlCol="0" anchor="ctr"/>
+          <a:lstStyle/>
+          <a:p>
+            <a:pPr algn="ctr"/>
+            <a:endParaRPr lang="en-US"/>
+          </a:p>
+        </p:txBody>
+      </p:sp>
+      <p:sp>
+        <p:nvSpPr>
+          <p:cNvPr id="2" name="Title 1">
+            <a:extLst>
+              <a:ext uri="{FF2B5EF4-FFF2-40B4-BE49-F238E27FC236}">
                 <a16:creationId xmlns:a16="http://schemas.microsoft.com/office/drawing/2014/main" id="{ED125ED6-1BD7-5EBB-D54E-A0C8432B0D62}"/>
               </a:ext>
             </a:extLst>
@@ -7896,13 +11573,13 @@
   <p:clrMapOvr>
     <a:masterClrMapping/>
   </p:clrMapOvr>
-  <mc:AlternateContent xmlns:mc="http://schemas.openxmlformats.org/markup-compatibility/2006">
-    <mc:Choice xmlns:p159="http://schemas.microsoft.com/office/powerpoint/2015/09/main" Requires="p159">
+  <mc:AlternateContent xmlns:mc="http://schemas.openxmlformats.org/markup-compatibility/2006" xmlns:p159="http://schemas.microsoft.com/office/powerpoint/2015/09/main">
+    <mc:Choice Requires="p159">
       <p:transition xmlns:p14="http://schemas.microsoft.com/office/powerpoint/2010/main" spd="slow" p14:dur="2000">
         <p159:morph option="byObject"/>
       </p:transition>
     </mc:Choice>
-    <mc:Fallback>
+    <mc:Fallback xmlns="">
       <p:transition spd="slow">
         <p:fade/>
       </p:transition>
@@ -7914,6 +11591,14 @@
 <file path=ppt/slides/slide3.xml><?xml version="1.0" encoding="utf-8"?>
 <p:sld xmlns:a="http://schemas.openxmlformats.org/drawingml/2006/main" xmlns:r="http://schemas.openxmlformats.org/officeDocument/2006/relationships" xmlns:p="http://schemas.openxmlformats.org/presentationml/2006/main">
   <p:cSld>
+    <p:bg>
+      <p:bgPr>
+        <a:solidFill>
+          <a:schemeClr val="bg1"/>
+        </a:solidFill>
+        <a:effectLst/>
+      </p:bgPr>
+    </p:bg>
     <p:spTree>
       <p:nvGrpSpPr>
         <p:cNvPr id="1" name=""/>
@@ -7928,6 +11613,82 @@
           <a:chExt cx="0" cy="0"/>
         </a:xfrm>
       </p:grpSpPr>
+      <p:sp useBgFill="1">
+        <p:nvSpPr>
+          <p:cNvPr id="10" name="Rectangle 9">
+            <a:extLst>
+              <a:ext uri="{FF2B5EF4-FFF2-40B4-BE49-F238E27FC236}">
+                <a16:creationId xmlns:a16="http://schemas.microsoft.com/office/drawing/2014/main" id="{9B65F7F7-2FCE-8F01-53DE-15C39342BE99}"/>
+              </a:ext>
+              <a:ext uri="{C183D7F6-B498-43B3-948B-1728B52AA6E4}">
+                <adec:decorative xmlns:adec="http://schemas.microsoft.com/office/drawing/2017/decorative" val="1"/>
+              </a:ext>
+            </a:extLst>
+          </p:cNvPr>
+          <p:cNvSpPr>
+            <a:spLocks noGrp="1" noRot="1" noChangeAspect="1" noMove="1" noResize="1" noEditPoints="1" noAdjustHandles="1" noChangeArrowheads="1" noChangeShapeType="1" noTextEdit="1"/>
+          </p:cNvSpPr>
+          <p:nvPr>
+            <p:extLst>
+              <p:ext uri="{386F3935-93C4-4BCD-93E2-E3B085C9AB24}">
+                <p16:designElem xmlns:p16="http://schemas.microsoft.com/office/powerpoint/2015/main" val="1"/>
+              </p:ext>
+            </p:extLst>
+          </p:nvPr>
+        </p:nvSpPr>
+        <p:spPr>
+          <a:xfrm>
+            <a:off x="0" y="0"/>
+            <a:ext cx="12192000" cy="6858000"/>
+          </a:xfrm>
+          <a:prstGeom prst="rect">
+            <a:avLst/>
+          </a:prstGeom>
+          <a:ln w="12700" cap="flat" cmpd="sng" algn="ctr">
+            <a:noFill/>
+            <a:prstDash val="solid"/>
+            <a:miter lim="800000"/>
+          </a:ln>
+          <a:effectLst/>
+          <a:extLst>
+            <a:ext uri="{91240B29-F687-4F45-9708-019B960494DF}">
+              <a14:hiddenLine xmlns:a14="http://schemas.microsoft.com/office/drawing/2010/main" w="12700" cap="flat" cmpd="sng" algn="ctr">
+                <a:solidFill>
+                  <a:schemeClr val="accent1">
+                    <a:shade val="15000"/>
+                  </a:schemeClr>
+                </a:solidFill>
+                <a:prstDash val="solid"/>
+                <a:miter lim="800000"/>
+              </a14:hiddenLine>
+            </a:ext>
+          </a:extLst>
+        </p:spPr>
+        <p:style>
+          <a:lnRef idx="2">
+            <a:schemeClr val="accent1">
+              <a:shade val="15000"/>
+            </a:schemeClr>
+          </a:lnRef>
+          <a:fillRef idx="1">
+            <a:schemeClr val="accent1"/>
+          </a:fillRef>
+          <a:effectRef idx="0">
+            <a:schemeClr val="accent1"/>
+          </a:effectRef>
+          <a:fontRef idx="minor">
+            <a:schemeClr val="lt1"/>
+          </a:fontRef>
+        </p:style>
+        <p:txBody>
+          <a:bodyPr rtlCol="0" anchor="ctr"/>
+          <a:lstStyle/>
+          <a:p>
+            <a:pPr algn="ctr"/>
+            <a:endParaRPr lang="en-US"/>
+          </a:p>
+        </p:txBody>
+      </p:sp>
       <p:sp>
         <p:nvSpPr>
           <p:cNvPr id="2" name="Title 1">
@@ -7944,43 +11705,64 @@
             <p:ph type="title"/>
           </p:nvPr>
         </p:nvSpPr>
-        <p:spPr/>
+        <p:spPr>
+          <a:xfrm>
+            <a:off x="1731821" y="501345"/>
+            <a:ext cx="8728364" cy="689279"/>
+          </a:xfrm>
+        </p:spPr>
         <p:txBody>
-          <a:bodyPr/>
+          <a:bodyPr vert="horz" lIns="91440" tIns="45720" rIns="91440" bIns="45720" rtlCol="0" anchor="b">
+            <a:normAutofit/>
+          </a:bodyPr>
           <a:lstStyle/>
           <a:p>
+            <a:pPr algn="ctr"/>
             <a:r>
-              <a:rPr lang="pt-PT" dirty="0"/>
+              <a:rPr lang="en-US"/>
               <a:t>Topologia do Projeto</a:t>
             </a:r>
           </a:p>
         </p:txBody>
       </p:sp>
-      <p:sp>
-        <p:nvSpPr>
-          <p:cNvPr id="3" name="Content Placeholder 2">
+      <p:pic>
+        <p:nvPicPr>
+          <p:cNvPr id="5" name="Content Placeholder 4" descr="A diagram of a cloud computing system&#10;&#10;AI-generated content may be incorrect.">
             <a:extLst>
               <a:ext uri="{FF2B5EF4-FFF2-40B4-BE49-F238E27FC236}">
-                <a16:creationId xmlns:a16="http://schemas.microsoft.com/office/drawing/2014/main" id="{7D8383F4-90F6-3009-0105-72AC9F0ED49C}"/>
+                <a16:creationId xmlns:a16="http://schemas.microsoft.com/office/drawing/2014/main" id="{94BD0D18-0A76-0BB3-CBE1-5D1D9906E211}"/>
               </a:ext>
             </a:extLst>
           </p:cNvPr>
-          <p:cNvSpPr>
-            <a:spLocks noGrp="1"/>
-          </p:cNvSpPr>
+          <p:cNvPicPr>
+            <a:picLocks noGrp="1" noChangeAspect="1"/>
+          </p:cNvPicPr>
           <p:nvPr>
             <p:ph idx="1"/>
           </p:nvPr>
-        </p:nvSpPr>
-        <p:spPr/>
-        <p:txBody>
-          <a:bodyPr/>
-          <a:lstStyle/>
-          <a:p>
-            <a:endParaRPr lang="pt-PT"/>
-          </a:p>
-        </p:txBody>
-      </p:sp>
+        </p:nvPicPr>
+        <p:blipFill>
+          <a:blip r:embed="rId2">
+            <a:extLst>
+              <a:ext uri="{28A0092B-C50C-407E-A947-70E740481C1C}">
+                <a14:useLocalDpi xmlns:a14="http://schemas.microsoft.com/office/drawing/2010/main" val="0"/>
+              </a:ext>
+            </a:extLst>
+          </a:blip>
+          <a:stretch>
+            <a:fillRect/>
+          </a:stretch>
+        </p:blipFill>
+        <p:spPr>
+          <a:xfrm>
+            <a:off x="1994916" y="2612230"/>
+            <a:ext cx="8202168" cy="2911770"/>
+          </a:xfrm>
+          <a:prstGeom prst="rect">
+            <a:avLst/>
+          </a:prstGeom>
+        </p:spPr>
+      </p:pic>
     </p:spTree>
     <p:extLst>
       <p:ext uri="{BB962C8B-B14F-4D97-AF65-F5344CB8AC3E}">
@@ -7991,13 +11773,13 @@
   <p:clrMapOvr>
     <a:masterClrMapping/>
   </p:clrMapOvr>
-  <mc:AlternateContent xmlns:mc="http://schemas.openxmlformats.org/markup-compatibility/2006">
-    <mc:Choice xmlns:p159="http://schemas.microsoft.com/office/powerpoint/2015/09/main" Requires="p159">
+  <mc:AlternateContent xmlns:mc="http://schemas.openxmlformats.org/markup-compatibility/2006" xmlns:p159="http://schemas.microsoft.com/office/powerpoint/2015/09/main">
+    <mc:Choice Requires="p159">
       <p:transition xmlns:p14="http://schemas.microsoft.com/office/powerpoint/2010/main" spd="slow" p14:dur="2000">
         <p159:morph option="byObject"/>
       </p:transition>
     </mc:Choice>
-    <mc:Fallback>
+    <mc:Fallback xmlns="">
       <p:transition spd="slow">
         <p:fade/>
       </p:transition>
@@ -8009,6 +11791,14 @@
 <file path=ppt/slides/slide4.xml><?xml version="1.0" encoding="utf-8"?>
 <p:sld xmlns:a="http://schemas.openxmlformats.org/drawingml/2006/main" xmlns:r="http://schemas.openxmlformats.org/officeDocument/2006/relationships" xmlns:p="http://schemas.openxmlformats.org/presentationml/2006/main">
   <p:cSld>
+    <p:bg>
+      <p:bgPr>
+        <a:solidFill>
+          <a:schemeClr val="bg1"/>
+        </a:solidFill>
+        <a:effectLst/>
+      </p:bgPr>
+    </p:bg>
     <p:spTree>
       <p:nvGrpSpPr>
         <p:cNvPr id="1" name=""/>
@@ -8023,6 +11813,82 @@
           <a:chExt cx="0" cy="0"/>
         </a:xfrm>
       </p:grpSpPr>
+      <p:sp useBgFill="1">
+        <p:nvSpPr>
+          <p:cNvPr id="10" name="Rectangle 9">
+            <a:extLst>
+              <a:ext uri="{FF2B5EF4-FFF2-40B4-BE49-F238E27FC236}">
+                <a16:creationId xmlns:a16="http://schemas.microsoft.com/office/drawing/2014/main" id="{CBB0869A-0BE5-B3E9-F73D-2F3691E4D932}"/>
+              </a:ext>
+              <a:ext uri="{C183D7F6-B498-43B3-948B-1728B52AA6E4}">
+                <adec:decorative xmlns:adec="http://schemas.microsoft.com/office/drawing/2017/decorative" val="1"/>
+              </a:ext>
+            </a:extLst>
+          </p:cNvPr>
+          <p:cNvSpPr>
+            <a:spLocks noGrp="1" noRot="1" noChangeAspect="1" noMove="1" noResize="1" noEditPoints="1" noAdjustHandles="1" noChangeArrowheads="1" noChangeShapeType="1" noTextEdit="1"/>
+          </p:cNvSpPr>
+          <p:nvPr>
+            <p:extLst>
+              <p:ext uri="{386F3935-93C4-4BCD-93E2-E3B085C9AB24}">
+                <p16:designElem xmlns:p16="http://schemas.microsoft.com/office/powerpoint/2015/main" val="1"/>
+              </p:ext>
+            </p:extLst>
+          </p:nvPr>
+        </p:nvSpPr>
+        <p:spPr>
+          <a:xfrm>
+            <a:off x="0" y="0"/>
+            <a:ext cx="12192000" cy="6858000"/>
+          </a:xfrm>
+          <a:prstGeom prst="rect">
+            <a:avLst/>
+          </a:prstGeom>
+          <a:ln w="12700" cap="flat" cmpd="sng" algn="ctr">
+            <a:noFill/>
+            <a:prstDash val="solid"/>
+            <a:miter lim="800000"/>
+          </a:ln>
+          <a:effectLst/>
+          <a:extLst>
+            <a:ext uri="{91240B29-F687-4F45-9708-019B960494DF}">
+              <a14:hiddenLine xmlns:a14="http://schemas.microsoft.com/office/drawing/2010/main" w="12700" cap="flat" cmpd="sng" algn="ctr">
+                <a:solidFill>
+                  <a:schemeClr val="accent1">
+                    <a:shade val="15000"/>
+                  </a:schemeClr>
+                </a:solidFill>
+                <a:prstDash val="solid"/>
+                <a:miter lim="800000"/>
+              </a14:hiddenLine>
+            </a:ext>
+          </a:extLst>
+        </p:spPr>
+        <p:style>
+          <a:lnRef idx="2">
+            <a:schemeClr val="accent1">
+              <a:shade val="15000"/>
+            </a:schemeClr>
+          </a:lnRef>
+          <a:fillRef idx="1">
+            <a:schemeClr val="accent1"/>
+          </a:fillRef>
+          <a:effectRef idx="0">
+            <a:schemeClr val="accent1"/>
+          </a:effectRef>
+          <a:fontRef idx="minor">
+            <a:schemeClr val="lt1"/>
+          </a:fontRef>
+        </p:style>
+        <p:txBody>
+          <a:bodyPr rtlCol="0" anchor="ctr"/>
+          <a:lstStyle/>
+          <a:p>
+            <a:pPr algn="ctr"/>
+            <a:endParaRPr lang="en-US"/>
+          </a:p>
+        </p:txBody>
+      </p:sp>
       <p:sp>
         <p:nvSpPr>
           <p:cNvPr id="2" name="Title 1">
@@ -8039,9 +11905,16 @@
             <p:ph type="title"/>
           </p:nvPr>
         </p:nvSpPr>
-        <p:spPr/>
+        <p:spPr>
+          <a:xfrm>
+            <a:off x="612648" y="1114923"/>
+            <a:ext cx="4621553" cy="1360728"/>
+          </a:xfrm>
+        </p:spPr>
         <p:txBody>
-          <a:bodyPr/>
+          <a:bodyPr anchor="b">
+            <a:normAutofit/>
+          </a:bodyPr>
           <a:lstStyle/>
           <a:p>
             <a:r>
@@ -8072,15 +11945,85 @@
             <p:ph idx="1"/>
           </p:nvPr>
         </p:nvSpPr>
-        <p:spPr/>
+        <p:spPr>
+          <a:xfrm>
+            <a:off x="612648" y="2584058"/>
+            <a:ext cx="4621553" cy="3159018"/>
+          </a:xfrm>
+        </p:spPr>
         <p:txBody>
-          <a:bodyPr/>
+          <a:bodyPr>
+            <a:normAutofit/>
+          </a:bodyPr>
           <a:lstStyle/>
           <a:p>
-            <a:endParaRPr lang="pt-PT"/>
+            <a:r>
+              <a:rPr lang="pt-PT" sz="1800" dirty="0"/>
+              <a:t>/</a:t>
+            </a:r>
+            <a:r>
+              <a:rPr lang="pt-PT" sz="1800" dirty="0" err="1"/>
+              <a:t>boot</a:t>
+            </a:r>
+            <a:r>
+              <a:rPr lang="pt-PT" sz="1800" dirty="0"/>
+              <a:t> - 500MB em EXT4</a:t>
+            </a:r>
+          </a:p>
+          <a:p>
+            <a:r>
+              <a:rPr lang="pt-PT" sz="1800" dirty="0" err="1"/>
+              <a:t>swap</a:t>
+            </a:r>
+            <a:r>
+              <a:rPr lang="pt-PT" sz="1800" dirty="0"/>
+              <a:t> -  1024MB</a:t>
+            </a:r>
+          </a:p>
+          <a:p>
+            <a:r>
+              <a:rPr lang="pt-PT" sz="1800" dirty="0"/>
+              <a:t>/ - Restante do disco em EXT4</a:t>
+            </a:r>
           </a:p>
         </p:txBody>
       </p:sp>
+      <p:pic>
+        <p:nvPicPr>
+          <p:cNvPr id="5" name="Picture 4" descr="A screenshot of a computer program&#10;&#10;AI-generated content may be incorrect.">
+            <a:extLst>
+              <a:ext uri="{FF2B5EF4-FFF2-40B4-BE49-F238E27FC236}">
+                <a16:creationId xmlns:a16="http://schemas.microsoft.com/office/drawing/2014/main" id="{5657455B-2BC3-AC20-ED1E-3B73FABE539A}"/>
+              </a:ext>
+            </a:extLst>
+          </p:cNvPr>
+          <p:cNvPicPr>
+            <a:picLocks noChangeAspect="1"/>
+          </p:cNvPicPr>
+          <p:nvPr/>
+        </p:nvPicPr>
+        <p:blipFill>
+          <a:blip r:embed="rId2">
+            <a:extLst>
+              <a:ext uri="{28A0092B-C50C-407E-A947-70E740481C1C}">
+                <a14:useLocalDpi xmlns:a14="http://schemas.microsoft.com/office/drawing/2010/main" val="0"/>
+              </a:ext>
+            </a:extLst>
+          </a:blip>
+          <a:stretch>
+            <a:fillRect/>
+          </a:stretch>
+        </p:blipFill>
+        <p:spPr>
+          <a:xfrm>
+            <a:off x="5691261" y="1123076"/>
+            <a:ext cx="5837780" cy="4611847"/>
+          </a:xfrm>
+          <a:prstGeom prst="rect">
+            <a:avLst/>
+          </a:prstGeom>
+        </p:spPr>
+      </p:pic>
     </p:spTree>
     <p:extLst>
       <p:ext uri="{BB962C8B-B14F-4D97-AF65-F5344CB8AC3E}">
@@ -8091,13 +12034,13 @@
   <p:clrMapOvr>
     <a:masterClrMapping/>
   </p:clrMapOvr>
-  <mc:AlternateContent xmlns:mc="http://schemas.openxmlformats.org/markup-compatibility/2006">
-    <mc:Choice xmlns:p159="http://schemas.microsoft.com/office/powerpoint/2015/09/main" Requires="p159">
+  <mc:AlternateContent xmlns:mc="http://schemas.openxmlformats.org/markup-compatibility/2006" xmlns:p159="http://schemas.microsoft.com/office/powerpoint/2015/09/main">
+    <mc:Choice Requires="p159">
       <p:transition xmlns:p14="http://schemas.microsoft.com/office/powerpoint/2010/main" spd="slow" p14:dur="2000">
         <p159:morph option="byObject"/>
       </p:transition>
     </mc:Choice>
-    <mc:Fallback>
+    <mc:Fallback xmlns="">
       <p:transition spd="slow">
         <p:fade/>
       </p:transition>
@@ -8167,15 +12110,356 @@
             <p:ph idx="1"/>
           </p:nvPr>
         </p:nvSpPr>
-        <p:spPr/>
+        <p:spPr>
+          <a:xfrm>
+            <a:off x="612647" y="1715532"/>
+            <a:ext cx="5414527" cy="4593828"/>
+          </a:xfrm>
+        </p:spPr>
         <p:txBody>
           <a:bodyPr/>
           <a:lstStyle/>
           <a:p>
-            <a:endParaRPr lang="pt-PT"/>
+            <a:r>
+              <a:rPr lang="pt-PT" dirty="0"/>
+              <a:t>Servidor: </a:t>
+            </a:r>
+          </a:p>
+          <a:p>
+            <a:pPr lvl="1"/>
+            <a:r>
+              <a:rPr lang="pt-PT" dirty="0"/>
+              <a:t>nano - Para a edição de ficheiros </a:t>
+            </a:r>
+          </a:p>
+          <a:p>
+            <a:pPr lvl="1"/>
+            <a:r>
+              <a:rPr lang="pt-PT" dirty="0" err="1"/>
+              <a:t>whois</a:t>
+            </a:r>
+            <a:r>
+              <a:rPr lang="pt-PT" dirty="0"/>
+              <a:t> - Para verificar o IP da máquina </a:t>
+            </a:r>
+          </a:p>
+          <a:p>
+            <a:pPr lvl="1"/>
+            <a:r>
+              <a:rPr lang="pt-PT" dirty="0" err="1"/>
+              <a:t>bind</a:t>
+            </a:r>
+            <a:r>
+              <a:rPr lang="pt-PT" dirty="0"/>
+              <a:t> - Para o DNS </a:t>
+            </a:r>
+          </a:p>
+          <a:p>
+            <a:pPr lvl="1"/>
+            <a:r>
+              <a:rPr lang="pt-PT" dirty="0" err="1"/>
+              <a:t>bind-utils</a:t>
+            </a:r>
+            <a:r>
+              <a:rPr lang="pt-PT" dirty="0"/>
+              <a:t> - Para o DNS </a:t>
+            </a:r>
+          </a:p>
+          <a:p>
+            <a:pPr lvl="1"/>
+            <a:r>
+              <a:rPr lang="pt-PT" dirty="0" err="1"/>
+              <a:t>httpd</a:t>
+            </a:r>
+            <a:r>
+              <a:rPr lang="pt-PT" dirty="0"/>
+              <a:t> - Para as Virtual </a:t>
+            </a:r>
+            <a:r>
+              <a:rPr lang="pt-PT" dirty="0" err="1"/>
+              <a:t>Hosts</a:t>
+            </a:r>
+            <a:endParaRPr lang="pt-PT" dirty="0"/>
           </a:p>
         </p:txBody>
       </p:sp>
+      <p:sp>
+        <p:nvSpPr>
+          <p:cNvPr id="4" name="Content Placeholder 2">
+            <a:extLst>
+              <a:ext uri="{FF2B5EF4-FFF2-40B4-BE49-F238E27FC236}">
+                <a16:creationId xmlns:a16="http://schemas.microsoft.com/office/drawing/2014/main" id="{A7E24451-9C2F-24A5-1ED3-C473F3322ED2}"/>
+              </a:ext>
+            </a:extLst>
+          </p:cNvPr>
+          <p:cNvSpPr txBox="1">
+            <a:spLocks/>
+          </p:cNvSpPr>
+          <p:nvPr/>
+        </p:nvSpPr>
+        <p:spPr>
+          <a:xfrm>
+            <a:off x="5939437" y="1715532"/>
+            <a:ext cx="5414527" cy="4593828"/>
+          </a:xfrm>
+          <a:prstGeom prst="rect">
+            <a:avLst/>
+          </a:prstGeom>
+        </p:spPr>
+        <p:txBody>
+          <a:bodyPr vert="horz" lIns="91440" tIns="45720" rIns="91440" bIns="45720" rtlCol="0">
+            <a:normAutofit/>
+          </a:bodyPr>
+          <a:lstStyle>
+            <a:lvl1pPr marL="228600" indent="-228600" algn="l" defTabSz="914400" rtl="0" eaLnBrk="1" latinLnBrk="0" hangingPunct="1">
+              <a:lnSpc>
+                <a:spcPct val="120000"/>
+              </a:lnSpc>
+              <a:spcBef>
+                <a:spcPts val="1000"/>
+              </a:spcBef>
+              <a:buFont typeface="Arial" panose="020B0604020202020204" pitchFamily="34" charset="0"/>
+              <a:buChar char="•"/>
+              <a:defRPr sz="2000" kern="1200">
+                <a:solidFill>
+                  <a:schemeClr val="tx1"/>
+                </a:solidFill>
+                <a:latin typeface="+mn-lt"/>
+                <a:ea typeface="+mn-ea"/>
+                <a:cs typeface="+mn-cs"/>
+              </a:defRPr>
+            </a:lvl1pPr>
+            <a:lvl2pPr marL="457200" indent="-228600" algn="l" defTabSz="914400" rtl="0" eaLnBrk="1" latinLnBrk="0" hangingPunct="1">
+              <a:lnSpc>
+                <a:spcPct val="120000"/>
+              </a:lnSpc>
+              <a:spcBef>
+                <a:spcPts val="500"/>
+              </a:spcBef>
+              <a:buFont typeface="Arial" panose="020B0604020202020204" pitchFamily="34" charset="0"/>
+              <a:buChar char="•"/>
+              <a:defRPr sz="1800" kern="1200">
+                <a:solidFill>
+                  <a:schemeClr val="tx1"/>
+                </a:solidFill>
+                <a:latin typeface="+mn-lt"/>
+                <a:ea typeface="+mn-ea"/>
+                <a:cs typeface="+mn-cs"/>
+              </a:defRPr>
+            </a:lvl2pPr>
+            <a:lvl3pPr marL="685800" indent="-228600" algn="l" defTabSz="914400" rtl="0" eaLnBrk="1" latinLnBrk="0" hangingPunct="1">
+              <a:lnSpc>
+                <a:spcPct val="120000"/>
+              </a:lnSpc>
+              <a:spcBef>
+                <a:spcPts val="500"/>
+              </a:spcBef>
+              <a:buFont typeface="Arial" panose="020B0604020202020204" pitchFamily="34" charset="0"/>
+              <a:buChar char="•"/>
+              <a:defRPr sz="1600" kern="1200">
+                <a:solidFill>
+                  <a:schemeClr val="tx1"/>
+                </a:solidFill>
+                <a:latin typeface="+mn-lt"/>
+                <a:ea typeface="+mn-ea"/>
+                <a:cs typeface="+mn-cs"/>
+              </a:defRPr>
+            </a:lvl3pPr>
+            <a:lvl4pPr marL="914400" indent="-228600" algn="l" defTabSz="914400" rtl="0" eaLnBrk="1" latinLnBrk="0" hangingPunct="1">
+              <a:lnSpc>
+                <a:spcPct val="120000"/>
+              </a:lnSpc>
+              <a:spcBef>
+                <a:spcPts val="500"/>
+              </a:spcBef>
+              <a:buFont typeface="Arial" panose="020B0604020202020204" pitchFamily="34" charset="0"/>
+              <a:buChar char="•"/>
+              <a:defRPr sz="1400" kern="1200">
+                <a:solidFill>
+                  <a:schemeClr val="tx1"/>
+                </a:solidFill>
+                <a:latin typeface="+mn-lt"/>
+                <a:ea typeface="+mn-ea"/>
+                <a:cs typeface="+mn-cs"/>
+              </a:defRPr>
+            </a:lvl4pPr>
+            <a:lvl5pPr marL="1143000" indent="-228600" algn="l" defTabSz="914400" rtl="0" eaLnBrk="1" latinLnBrk="0" hangingPunct="1">
+              <a:lnSpc>
+                <a:spcPct val="120000"/>
+              </a:lnSpc>
+              <a:spcBef>
+                <a:spcPts val="500"/>
+              </a:spcBef>
+              <a:buFont typeface="Arial" panose="020B0604020202020204" pitchFamily="34" charset="0"/>
+              <a:buChar char="•"/>
+              <a:defRPr sz="1200" kern="1200">
+                <a:solidFill>
+                  <a:schemeClr val="tx1"/>
+                </a:solidFill>
+                <a:latin typeface="+mn-lt"/>
+                <a:ea typeface="+mn-ea"/>
+                <a:cs typeface="+mn-cs"/>
+              </a:defRPr>
+            </a:lvl5pPr>
+            <a:lvl6pPr marL="2514600" indent="-228600" algn="l" defTabSz="914400" rtl="0" eaLnBrk="1" latinLnBrk="0" hangingPunct="1">
+              <a:lnSpc>
+                <a:spcPct val="90000"/>
+              </a:lnSpc>
+              <a:spcBef>
+                <a:spcPts val="500"/>
+              </a:spcBef>
+              <a:buFont typeface="Arial" panose="020B0604020202020204" pitchFamily="34" charset="0"/>
+              <a:buChar char="•"/>
+              <a:defRPr sz="1800" kern="1200">
+                <a:solidFill>
+                  <a:schemeClr val="tx1"/>
+                </a:solidFill>
+                <a:latin typeface="+mn-lt"/>
+                <a:ea typeface="+mn-ea"/>
+                <a:cs typeface="+mn-cs"/>
+              </a:defRPr>
+            </a:lvl6pPr>
+            <a:lvl7pPr marL="2971800" indent="-228600" algn="l" defTabSz="914400" rtl="0" eaLnBrk="1" latinLnBrk="0" hangingPunct="1">
+              <a:lnSpc>
+                <a:spcPct val="90000"/>
+              </a:lnSpc>
+              <a:spcBef>
+                <a:spcPts val="500"/>
+              </a:spcBef>
+              <a:buFont typeface="Arial" panose="020B0604020202020204" pitchFamily="34" charset="0"/>
+              <a:buChar char="•"/>
+              <a:defRPr sz="1800" kern="1200">
+                <a:solidFill>
+                  <a:schemeClr val="tx1"/>
+                </a:solidFill>
+                <a:latin typeface="+mn-lt"/>
+                <a:ea typeface="+mn-ea"/>
+                <a:cs typeface="+mn-cs"/>
+              </a:defRPr>
+            </a:lvl7pPr>
+            <a:lvl8pPr marL="3429000" indent="-228600" algn="l" defTabSz="914400" rtl="0" eaLnBrk="1" latinLnBrk="0" hangingPunct="1">
+              <a:lnSpc>
+                <a:spcPct val="90000"/>
+              </a:lnSpc>
+              <a:spcBef>
+                <a:spcPts val="500"/>
+              </a:spcBef>
+              <a:buFont typeface="Arial" panose="020B0604020202020204" pitchFamily="34" charset="0"/>
+              <a:buChar char="•"/>
+              <a:defRPr sz="1800" kern="1200">
+                <a:solidFill>
+                  <a:schemeClr val="tx1"/>
+                </a:solidFill>
+                <a:latin typeface="+mn-lt"/>
+                <a:ea typeface="+mn-ea"/>
+                <a:cs typeface="+mn-cs"/>
+              </a:defRPr>
+            </a:lvl8pPr>
+            <a:lvl9pPr marL="3886200" indent="-228600" algn="l" defTabSz="914400" rtl="0" eaLnBrk="1" latinLnBrk="0" hangingPunct="1">
+              <a:lnSpc>
+                <a:spcPct val="90000"/>
+              </a:lnSpc>
+              <a:spcBef>
+                <a:spcPts val="500"/>
+              </a:spcBef>
+              <a:buFont typeface="Arial" panose="020B0604020202020204" pitchFamily="34" charset="0"/>
+              <a:buChar char="•"/>
+              <a:defRPr sz="1800" kern="1200">
+                <a:solidFill>
+                  <a:schemeClr val="tx1"/>
+                </a:solidFill>
+                <a:latin typeface="+mn-lt"/>
+                <a:ea typeface="+mn-ea"/>
+                <a:cs typeface="+mn-cs"/>
+              </a:defRPr>
+            </a:lvl9pPr>
+          </a:lstStyle>
+          <a:p>
+            <a:r>
+              <a:rPr lang="pt-PT" dirty="0"/>
+              <a:t>WAF: </a:t>
+            </a:r>
+          </a:p>
+          <a:p>
+            <a:pPr lvl="1"/>
+            <a:r>
+              <a:rPr lang="pt-PT" dirty="0"/>
+              <a:t>nano - Para a edição de ficheiros </a:t>
+            </a:r>
+          </a:p>
+          <a:p>
+            <a:pPr lvl="1"/>
+            <a:r>
+              <a:rPr lang="pt-PT" dirty="0" err="1"/>
+              <a:t>nginx</a:t>
+            </a:r>
+            <a:r>
+              <a:rPr lang="pt-PT" dirty="0"/>
+              <a:t> - Para a WAF </a:t>
+            </a:r>
+          </a:p>
+          <a:p>
+            <a:pPr lvl="1"/>
+            <a:r>
+              <a:rPr lang="pt-PT" dirty="0" err="1"/>
+              <a:t>epel-release</a:t>
+            </a:r>
+            <a:r>
+              <a:rPr lang="pt-PT" dirty="0"/>
+              <a:t> - Para a WAF </a:t>
+            </a:r>
+          </a:p>
+          <a:p>
+            <a:pPr lvl="1"/>
+            <a:r>
+              <a:rPr lang="pt-PT" dirty="0" err="1"/>
+              <a:t>bunkerweb</a:t>
+            </a:r>
+            <a:r>
+              <a:rPr lang="pt-PT" dirty="0"/>
+              <a:t> - Para a WAF</a:t>
+            </a:r>
+          </a:p>
+        </p:txBody>
+      </p:sp>
+      <p:cxnSp>
+        <p:nvCxnSpPr>
+          <p:cNvPr id="6" name="Straight Connector 5">
+            <a:extLst>
+              <a:ext uri="{FF2B5EF4-FFF2-40B4-BE49-F238E27FC236}">
+                <a16:creationId xmlns:a16="http://schemas.microsoft.com/office/drawing/2014/main" id="{C76C65D8-7AF0-89DF-988B-0AE724068BC8}"/>
+              </a:ext>
+            </a:extLst>
+          </p:cNvPr>
+          <p:cNvCxnSpPr>
+            <a:cxnSpLocks/>
+          </p:cNvCxnSpPr>
+          <p:nvPr/>
+        </p:nvCxnSpPr>
+        <p:spPr>
+          <a:xfrm>
+            <a:off x="5769666" y="1455174"/>
+            <a:ext cx="0" cy="4854186"/>
+          </a:xfrm>
+          <a:prstGeom prst="line">
+            <a:avLst/>
+          </a:prstGeom>
+        </p:spPr>
+        <p:style>
+          <a:lnRef idx="1">
+            <a:schemeClr val="accent1"/>
+          </a:lnRef>
+          <a:fillRef idx="0">
+            <a:schemeClr val="accent1"/>
+          </a:fillRef>
+          <a:effectRef idx="0">
+            <a:schemeClr val="accent1"/>
+          </a:effectRef>
+          <a:fontRef idx="minor">
+            <a:schemeClr val="tx1"/>
+          </a:fontRef>
+        </p:style>
+      </p:cxnSp>
     </p:spTree>
     <p:extLst>
       <p:ext uri="{BB962C8B-B14F-4D97-AF65-F5344CB8AC3E}">
@@ -8186,13 +12470,13 @@
   <p:clrMapOvr>
     <a:masterClrMapping/>
   </p:clrMapOvr>
-  <mc:AlternateContent xmlns:mc="http://schemas.openxmlformats.org/markup-compatibility/2006">
-    <mc:Choice xmlns:p159="http://schemas.microsoft.com/office/powerpoint/2015/09/main" Requires="p159">
+  <mc:AlternateContent xmlns:mc="http://schemas.openxmlformats.org/markup-compatibility/2006" xmlns:p159="http://schemas.microsoft.com/office/powerpoint/2015/09/main">
+    <mc:Choice Requires="p159">
       <p:transition xmlns:p14="http://schemas.microsoft.com/office/powerpoint/2010/main" spd="slow" p14:dur="2000">
         <p159:morph option="byObject"/>
       </p:transition>
     </mc:Choice>
-    <mc:Fallback>
+    <mc:Fallback xmlns="">
       <p:transition spd="slow">
         <p:fade/>
       </p:transition>
@@ -8204,6 +12488,14 @@
 <file path=ppt/slides/slide6.xml><?xml version="1.0" encoding="utf-8"?>
 <p:sld xmlns:a="http://schemas.openxmlformats.org/drawingml/2006/main" xmlns:r="http://schemas.openxmlformats.org/officeDocument/2006/relationships" xmlns:p="http://schemas.openxmlformats.org/presentationml/2006/main">
   <p:cSld>
+    <p:bg>
+      <p:bgPr>
+        <a:solidFill>
+          <a:schemeClr val="bg1"/>
+        </a:solidFill>
+        <a:effectLst/>
+      </p:bgPr>
+    </p:bg>
     <p:spTree>
       <p:nvGrpSpPr>
         <p:cNvPr id="1" name=""/>
@@ -8218,6 +12510,82 @@
           <a:chExt cx="0" cy="0"/>
         </a:xfrm>
       </p:grpSpPr>
+      <p:sp useBgFill="1">
+        <p:nvSpPr>
+          <p:cNvPr id="17" name="Rectangle 16">
+            <a:extLst>
+              <a:ext uri="{FF2B5EF4-FFF2-40B4-BE49-F238E27FC236}">
+                <a16:creationId xmlns:a16="http://schemas.microsoft.com/office/drawing/2014/main" id="{37B65277-82C6-6D08-6DCA-4A7DCC3B7136}"/>
+              </a:ext>
+              <a:ext uri="{C183D7F6-B498-43B3-948B-1728B52AA6E4}">
+                <adec:decorative xmlns:adec="http://schemas.microsoft.com/office/drawing/2017/decorative" val="1"/>
+              </a:ext>
+            </a:extLst>
+          </p:cNvPr>
+          <p:cNvSpPr>
+            <a:spLocks noGrp="1" noRot="1" noChangeAspect="1" noMove="1" noResize="1" noEditPoints="1" noAdjustHandles="1" noChangeArrowheads="1" noChangeShapeType="1" noTextEdit="1"/>
+          </p:cNvSpPr>
+          <p:nvPr>
+            <p:extLst>
+              <p:ext uri="{386F3935-93C4-4BCD-93E2-E3B085C9AB24}">
+                <p16:designElem xmlns:p16="http://schemas.microsoft.com/office/powerpoint/2015/main" val="1"/>
+              </p:ext>
+            </p:extLst>
+          </p:nvPr>
+        </p:nvSpPr>
+        <p:spPr>
+          <a:xfrm>
+            <a:off x="0" y="0"/>
+            <a:ext cx="12192000" cy="6858000"/>
+          </a:xfrm>
+          <a:prstGeom prst="rect">
+            <a:avLst/>
+          </a:prstGeom>
+          <a:ln w="12700" cap="flat" cmpd="sng" algn="ctr">
+            <a:noFill/>
+            <a:prstDash val="solid"/>
+            <a:miter lim="800000"/>
+          </a:ln>
+          <a:effectLst/>
+          <a:extLst>
+            <a:ext uri="{91240B29-F687-4F45-9708-019B960494DF}">
+              <a14:hiddenLine xmlns:a14="http://schemas.microsoft.com/office/drawing/2010/main" w="12700" cap="flat" cmpd="sng" algn="ctr">
+                <a:solidFill>
+                  <a:schemeClr val="accent1">
+                    <a:shade val="15000"/>
+                  </a:schemeClr>
+                </a:solidFill>
+                <a:prstDash val="solid"/>
+                <a:miter lim="800000"/>
+              </a14:hiddenLine>
+            </a:ext>
+          </a:extLst>
+        </p:spPr>
+        <p:style>
+          <a:lnRef idx="2">
+            <a:schemeClr val="accent1">
+              <a:shade val="15000"/>
+            </a:schemeClr>
+          </a:lnRef>
+          <a:fillRef idx="1">
+            <a:schemeClr val="accent1"/>
+          </a:fillRef>
+          <a:effectRef idx="0">
+            <a:schemeClr val="accent1"/>
+          </a:effectRef>
+          <a:fontRef idx="minor">
+            <a:schemeClr val="lt1"/>
+          </a:fontRef>
+        </p:style>
+        <p:txBody>
+          <a:bodyPr rtlCol="0" anchor="ctr"/>
+          <a:lstStyle/>
+          <a:p>
+            <a:pPr algn="ctr"/>
+            <a:endParaRPr lang="en-US"/>
+          </a:p>
+        </p:txBody>
+      </p:sp>
       <p:sp>
         <p:nvSpPr>
           <p:cNvPr id="2" name="Title 1">
@@ -8234,15 +12602,23 @@
             <p:ph type="title"/>
           </p:nvPr>
         </p:nvSpPr>
-        <p:spPr/>
+        <p:spPr>
+          <a:xfrm>
+            <a:off x="612648" y="603504"/>
+            <a:ext cx="5862396" cy="1527048"/>
+          </a:xfrm>
+        </p:spPr>
         <p:txBody>
-          <a:bodyPr/>
+          <a:bodyPr anchor="b">
+            <a:normAutofit/>
+          </a:bodyPr>
           <a:lstStyle/>
           <a:p>
             <a:r>
-              <a:rPr lang="pt-PT" dirty="0"/>
+              <a:rPr lang="pt-PT"/>
               <a:t>Configuração DNS</a:t>
             </a:r>
+            <a:endParaRPr lang="pt-PT" dirty="0"/>
           </a:p>
         </p:txBody>
       </p:sp>
@@ -8262,15 +12638,79 @@
             <p:ph idx="1"/>
           </p:nvPr>
         </p:nvSpPr>
-        <p:spPr/>
+        <p:spPr>
+          <a:xfrm>
+            <a:off x="612648" y="2212848"/>
+            <a:ext cx="5862396" cy="4096512"/>
+          </a:xfrm>
+        </p:spPr>
         <p:txBody>
-          <a:bodyPr/>
+          <a:bodyPr>
+            <a:normAutofit/>
+          </a:bodyPr>
           <a:lstStyle/>
           <a:p>
-            <a:endParaRPr lang="pt-PT"/>
+            <a:r>
+              <a:rPr lang="pt-PT" sz="1800" dirty="0"/>
+              <a:t>Criação das Zonas Master </a:t>
+            </a:r>
+            <a:r>
+              <a:rPr lang="pt-PT" sz="1800" dirty="0" err="1"/>
+              <a:t>Forward</a:t>
+            </a:r>
+            <a:r>
+              <a:rPr lang="pt-PT" sz="1800" dirty="0"/>
+              <a:t> (Diretorias para ficheiro de configuração de cada zona)</a:t>
+            </a:r>
           </a:p>
         </p:txBody>
       </p:sp>
+      <p:pic>
+        <p:nvPicPr>
+          <p:cNvPr id="5" name="Picture 4" descr="A screenshot of a computer program&#10;&#10;AI-generated content may be incorrect.">
+            <a:extLst>
+              <a:ext uri="{FF2B5EF4-FFF2-40B4-BE49-F238E27FC236}">
+                <a16:creationId xmlns:a16="http://schemas.microsoft.com/office/drawing/2014/main" id="{60A46AE2-159E-B569-307E-8674339122F8}"/>
+              </a:ext>
+            </a:extLst>
+          </p:cNvPr>
+          <p:cNvPicPr>
+            <a:picLocks noChangeAspect="1"/>
+          </p:cNvPicPr>
+          <p:nvPr/>
+        </p:nvPicPr>
+        <p:blipFill>
+          <a:blip r:embed="rId2">
+            <a:extLst>
+              <a:ext uri="{28A0092B-C50C-407E-A947-70E740481C1C}">
+                <a14:useLocalDpi xmlns:a14="http://schemas.microsoft.com/office/drawing/2010/main" val="0"/>
+              </a:ext>
+            </a:extLst>
+          </a:blip>
+          <a:stretch>
+            <a:fillRect/>
+          </a:stretch>
+        </p:blipFill>
+        <p:spPr>
+          <a:xfrm>
+            <a:off x="7648836" y="433384"/>
+            <a:ext cx="3566624" cy="6019618"/>
+          </a:xfrm>
+          <a:prstGeom prst="rect">
+            <a:avLst/>
+          </a:prstGeom>
+          <a:ln>
+            <a:noFill/>
+          </a:ln>
+          <a:effectLst>
+            <a:outerShdw blurRad="292100" dist="139700" dir="2700000" algn="tl" rotWithShape="0">
+              <a:srgbClr val="333333">
+                <a:alpha val="65000"/>
+              </a:srgbClr>
+            </a:outerShdw>
+          </a:effectLst>
+        </p:spPr>
+      </p:pic>
     </p:spTree>
     <p:extLst>
       <p:ext uri="{BB962C8B-B14F-4D97-AF65-F5344CB8AC3E}">
@@ -8281,13 +12721,13 @@
   <p:clrMapOvr>
     <a:masterClrMapping/>
   </p:clrMapOvr>
-  <mc:AlternateContent xmlns:mc="http://schemas.openxmlformats.org/markup-compatibility/2006">
-    <mc:Choice xmlns:p159="http://schemas.microsoft.com/office/powerpoint/2015/09/main" Requires="p159">
+  <mc:AlternateContent xmlns:mc="http://schemas.openxmlformats.org/markup-compatibility/2006" xmlns:p159="http://schemas.microsoft.com/office/powerpoint/2015/09/main">
+    <mc:Choice Requires="p159">
       <p:transition xmlns:p14="http://schemas.microsoft.com/office/powerpoint/2010/main" spd="slow" p14:dur="2000">
         <p159:morph option="byObject"/>
       </p:transition>
     </mc:Choice>
-    <mc:Fallback>
+    <mc:Fallback xmlns="">
       <p:transition spd="slow">
         <p:fade/>
       </p:transition>
@@ -8299,6 +12739,14 @@
 <file path=ppt/slides/slide7.xml><?xml version="1.0" encoding="utf-8"?>
 <p:sld xmlns:a="http://schemas.openxmlformats.org/drawingml/2006/main" xmlns:r="http://schemas.openxmlformats.org/officeDocument/2006/relationships" xmlns:p="http://schemas.openxmlformats.org/presentationml/2006/main">
   <p:cSld>
+    <p:bg>
+      <p:bgPr>
+        <a:solidFill>
+          <a:schemeClr val="bg1"/>
+        </a:solidFill>
+        <a:effectLst/>
+      </p:bgPr>
+    </p:bg>
     <p:spTree>
       <p:nvGrpSpPr>
         <p:cNvPr id="1" name="">
@@ -8321,6 +12769,85 @@
       </p:grpSpPr>
       <p:sp>
         <p:nvSpPr>
+          <p:cNvPr id="15" name="Rectangle 14">
+            <a:extLst>
+              <a:ext uri="{FF2B5EF4-FFF2-40B4-BE49-F238E27FC236}">
+                <a16:creationId xmlns:a16="http://schemas.microsoft.com/office/drawing/2014/main" id="{7F3E6F82-836B-858F-ADED-19E9A71A0081}"/>
+              </a:ext>
+              <a:ext uri="{C183D7F6-B498-43B3-948B-1728B52AA6E4}">
+                <adec:decorative xmlns:adec="http://schemas.microsoft.com/office/drawing/2017/decorative" val="1"/>
+              </a:ext>
+            </a:extLst>
+          </p:cNvPr>
+          <p:cNvSpPr>
+            <a:spLocks noGrp="1" noRot="1" noChangeAspect="1" noMove="1" noResize="1" noEditPoints="1" noAdjustHandles="1" noChangeArrowheads="1" noChangeShapeType="1" noTextEdit="1"/>
+          </p:cNvSpPr>
+          <p:nvPr>
+            <p:extLst>
+              <p:ext uri="{386F3935-93C4-4BCD-93E2-E3B085C9AB24}">
+                <p16:designElem xmlns:p16="http://schemas.microsoft.com/office/powerpoint/2015/main" val="1"/>
+              </p:ext>
+            </p:extLst>
+          </p:nvPr>
+        </p:nvSpPr>
+        <p:spPr>
+          <a:xfrm>
+            <a:off x="0" y="0"/>
+            <a:ext cx="12192000" cy="6858000"/>
+          </a:xfrm>
+          <a:prstGeom prst="rect">
+            <a:avLst/>
+          </a:prstGeom>
+          <a:solidFill>
+            <a:schemeClr val="bg1"/>
+          </a:solidFill>
+          <a:ln w="12700" cap="flat" cmpd="sng" algn="ctr">
+            <a:noFill/>
+            <a:prstDash val="solid"/>
+            <a:miter lim="800000"/>
+          </a:ln>
+          <a:effectLst/>
+          <a:extLst>
+            <a:ext uri="{91240B29-F687-4F45-9708-019B960494DF}">
+              <a14:hiddenLine xmlns:a14="http://schemas.microsoft.com/office/drawing/2010/main" w="12700" cap="flat" cmpd="sng" algn="ctr">
+                <a:solidFill>
+                  <a:schemeClr val="accent1">
+                    <a:shade val="15000"/>
+                  </a:schemeClr>
+                </a:solidFill>
+                <a:prstDash val="solid"/>
+                <a:miter lim="800000"/>
+              </a14:hiddenLine>
+            </a:ext>
+          </a:extLst>
+        </p:spPr>
+        <p:style>
+          <a:lnRef idx="2">
+            <a:schemeClr val="accent1">
+              <a:shade val="15000"/>
+            </a:schemeClr>
+          </a:lnRef>
+          <a:fillRef idx="1">
+            <a:schemeClr val="accent1"/>
+          </a:fillRef>
+          <a:effectRef idx="0">
+            <a:schemeClr val="accent1"/>
+          </a:effectRef>
+          <a:fontRef idx="minor">
+            <a:schemeClr val="lt1"/>
+          </a:fontRef>
+        </p:style>
+        <p:txBody>
+          <a:bodyPr rtlCol="0" anchor="ctr"/>
+          <a:lstStyle/>
+          <a:p>
+            <a:pPr algn="ctr"/>
+            <a:endParaRPr lang="en-US"/>
+          </a:p>
+        </p:txBody>
+      </p:sp>
+      <p:sp>
+        <p:nvSpPr>
           <p:cNvPr id="2" name="Title 1">
             <a:extLst>
               <a:ext uri="{FF2B5EF4-FFF2-40B4-BE49-F238E27FC236}">
@@ -8335,13 +12862,21 @@
             <p:ph type="title"/>
           </p:nvPr>
         </p:nvSpPr>
-        <p:spPr/>
+        <p:spPr>
+          <a:xfrm>
+            <a:off x="1729740" y="454924"/>
+            <a:ext cx="8732520" cy="905256"/>
+          </a:xfrm>
+        </p:spPr>
         <p:txBody>
-          <a:bodyPr/>
+          <a:bodyPr vert="horz" lIns="91440" tIns="45720" rIns="91440" bIns="45720" rtlCol="0" anchor="b">
+            <a:normAutofit/>
+          </a:bodyPr>
           <a:lstStyle/>
           <a:p>
+            <a:pPr algn="ctr"/>
             <a:r>
-              <a:rPr lang="pt-PT" dirty="0"/>
+              <a:rPr lang="en-US" sz="4400"/>
               <a:t>Configuração DNS</a:t>
             </a:r>
           </a:p>
@@ -8363,15 +12898,123 @@
             <p:ph idx="1"/>
           </p:nvPr>
         </p:nvSpPr>
-        <p:spPr/>
+        <p:spPr>
+          <a:xfrm>
+            <a:off x="1729740" y="1445870"/>
+            <a:ext cx="8732520" cy="667512"/>
+          </a:xfrm>
+        </p:spPr>
         <p:txBody>
-          <a:bodyPr/>
+          <a:bodyPr vert="horz" lIns="91440" tIns="45720" rIns="91440" bIns="45720" rtlCol="0" anchor="t">
+            <a:normAutofit/>
+          </a:bodyPr>
           <a:lstStyle/>
           <a:p>
-            <a:endParaRPr lang="pt-PT"/>
+            <a:pPr marL="0" indent="0" algn="ctr">
+              <a:lnSpc>
+                <a:spcPct val="110000"/>
+              </a:lnSpc>
+              <a:buNone/>
+            </a:pPr>
+            <a:r>
+              <a:rPr lang="en-US" sz="1700"/>
+              <a:t>Criação das Zonas Master Forward (Atribuição do IP para determinado destino)</a:t>
+            </a:r>
           </a:p>
         </p:txBody>
       </p:sp>
+      <p:pic>
+        <p:nvPicPr>
+          <p:cNvPr id="7" name="Picture 6" descr="A screenshot of a computer code&#10;&#10;AI-generated content may be incorrect.">
+            <a:extLst>
+              <a:ext uri="{FF2B5EF4-FFF2-40B4-BE49-F238E27FC236}">
+                <a16:creationId xmlns:a16="http://schemas.microsoft.com/office/drawing/2014/main" id="{8A8A28DE-A3B3-173F-FBE5-A733FD471886}"/>
+              </a:ext>
+            </a:extLst>
+          </p:cNvPr>
+          <p:cNvPicPr>
+            <a:picLocks noChangeAspect="1"/>
+          </p:cNvPicPr>
+          <p:nvPr/>
+        </p:nvPicPr>
+        <p:blipFill>
+          <a:blip r:embed="rId2">
+            <a:extLst>
+              <a:ext uri="{28A0092B-C50C-407E-A947-70E740481C1C}">
+                <a14:useLocalDpi xmlns:a14="http://schemas.microsoft.com/office/drawing/2010/main" val="0"/>
+              </a:ext>
+            </a:extLst>
+          </a:blip>
+          <a:stretch>
+            <a:fillRect/>
+          </a:stretch>
+        </p:blipFill>
+        <p:spPr>
+          <a:xfrm>
+            <a:off x="6820776" y="2362952"/>
+            <a:ext cx="3504438" cy="3840480"/>
+          </a:xfrm>
+          <a:prstGeom prst="rect">
+            <a:avLst/>
+          </a:prstGeom>
+          <a:ln>
+            <a:noFill/>
+          </a:ln>
+          <a:effectLst>
+            <a:outerShdw blurRad="292100" dist="139700" dir="2700000" algn="tl" rotWithShape="0">
+              <a:srgbClr val="333333">
+                <a:alpha val="65000"/>
+              </a:srgbClr>
+            </a:outerShdw>
+          </a:effectLst>
+        </p:spPr>
+      </p:pic>
+      <p:pic>
+        <p:nvPicPr>
+          <p:cNvPr id="5" name="Picture 4" descr="A screenshot of a computer&#10;&#10;AI-generated content may be incorrect.">
+            <a:extLst>
+              <a:ext uri="{FF2B5EF4-FFF2-40B4-BE49-F238E27FC236}">
+                <a16:creationId xmlns:a16="http://schemas.microsoft.com/office/drawing/2014/main" id="{14DBA73A-CAC5-FFA7-D510-3B83CFB24883}"/>
+              </a:ext>
+            </a:extLst>
+          </p:cNvPr>
+          <p:cNvPicPr>
+            <a:picLocks noChangeAspect="1"/>
+          </p:cNvPicPr>
+          <p:nvPr/>
+        </p:nvPicPr>
+        <p:blipFill>
+          <a:blip r:embed="rId3">
+            <a:extLst>
+              <a:ext uri="{28A0092B-C50C-407E-A947-70E740481C1C}">
+                <a14:useLocalDpi xmlns:a14="http://schemas.microsoft.com/office/drawing/2010/main" val="0"/>
+              </a:ext>
+            </a:extLst>
+          </a:blip>
+          <a:stretch>
+            <a:fillRect/>
+          </a:stretch>
+        </p:blipFill>
+        <p:spPr>
+          <a:xfrm>
+            <a:off x="1965714" y="2362952"/>
+            <a:ext cx="3802076" cy="3840480"/>
+          </a:xfrm>
+          <a:prstGeom prst="rect">
+            <a:avLst/>
+          </a:prstGeom>
+          <a:ln>
+            <a:noFill/>
+          </a:ln>
+          <a:effectLst>
+            <a:outerShdw blurRad="292100" dist="139700" dir="2700000" algn="tl" rotWithShape="0">
+              <a:srgbClr val="333333">
+                <a:alpha val="65000"/>
+              </a:srgbClr>
+            </a:outerShdw>
+          </a:effectLst>
+        </p:spPr>
+      </p:pic>
     </p:spTree>
     <p:extLst>
       <p:ext uri="{BB962C8B-B14F-4D97-AF65-F5344CB8AC3E}">
@@ -8382,13 +13025,13 @@
   <p:clrMapOvr>
     <a:masterClrMapping/>
   </p:clrMapOvr>
-  <mc:AlternateContent xmlns:mc="http://schemas.openxmlformats.org/markup-compatibility/2006">
-    <mc:Choice xmlns:p159="http://schemas.microsoft.com/office/powerpoint/2015/09/main" Requires="p159">
+  <mc:AlternateContent xmlns:mc="http://schemas.openxmlformats.org/markup-compatibility/2006" xmlns:p159="http://schemas.microsoft.com/office/powerpoint/2015/09/main">
+    <mc:Choice Requires="p159">
       <p:transition xmlns:p14="http://schemas.microsoft.com/office/powerpoint/2010/main" spd="slow" p14:dur="2000">
         <p159:morph option="byObject"/>
       </p:transition>
     </mc:Choice>
-    <mc:Fallback>
+    <mc:Fallback xmlns="">
       <p:transition spd="slow">
         <p:fade/>
       </p:transition>
@@ -8400,6 +13043,14 @@
 <file path=ppt/slides/slide8.xml><?xml version="1.0" encoding="utf-8"?>
 <p:sld xmlns:a="http://schemas.openxmlformats.org/drawingml/2006/main" xmlns:r="http://schemas.openxmlformats.org/officeDocument/2006/relationships" xmlns:p="http://schemas.openxmlformats.org/presentationml/2006/main">
   <p:cSld>
+    <p:bg>
+      <p:bgPr>
+        <a:solidFill>
+          <a:schemeClr val="bg1"/>
+        </a:solidFill>
+        <a:effectLst/>
+      </p:bgPr>
+    </p:bg>
     <p:spTree>
       <p:nvGrpSpPr>
         <p:cNvPr id="1" name="">
@@ -8420,6 +13071,82 @@
           <a:chExt cx="0" cy="0"/>
         </a:xfrm>
       </p:grpSpPr>
+      <p:sp useBgFill="1">
+        <p:nvSpPr>
+          <p:cNvPr id="12" name="Rectangle 11">
+            <a:extLst>
+              <a:ext uri="{FF2B5EF4-FFF2-40B4-BE49-F238E27FC236}">
+                <a16:creationId xmlns:a16="http://schemas.microsoft.com/office/drawing/2014/main" id="{9B65F7F7-2FCE-8F01-53DE-15C39342BE99}"/>
+              </a:ext>
+              <a:ext uri="{C183D7F6-B498-43B3-948B-1728B52AA6E4}">
+                <adec:decorative xmlns:adec="http://schemas.microsoft.com/office/drawing/2017/decorative" val="1"/>
+              </a:ext>
+            </a:extLst>
+          </p:cNvPr>
+          <p:cNvSpPr>
+            <a:spLocks noGrp="1" noRot="1" noChangeAspect="1" noMove="1" noResize="1" noEditPoints="1" noAdjustHandles="1" noChangeArrowheads="1" noChangeShapeType="1" noTextEdit="1"/>
+          </p:cNvSpPr>
+          <p:nvPr>
+            <p:extLst>
+              <p:ext uri="{386F3935-93C4-4BCD-93E2-E3B085C9AB24}">
+                <p16:designElem xmlns:p16="http://schemas.microsoft.com/office/powerpoint/2015/main" val="1"/>
+              </p:ext>
+            </p:extLst>
+          </p:nvPr>
+        </p:nvSpPr>
+        <p:spPr>
+          <a:xfrm>
+            <a:off x="0" y="0"/>
+            <a:ext cx="12192000" cy="6858000"/>
+          </a:xfrm>
+          <a:prstGeom prst="rect">
+            <a:avLst/>
+          </a:prstGeom>
+          <a:ln w="12700" cap="flat" cmpd="sng" algn="ctr">
+            <a:noFill/>
+            <a:prstDash val="solid"/>
+            <a:miter lim="800000"/>
+          </a:ln>
+          <a:effectLst/>
+          <a:extLst>
+            <a:ext uri="{91240B29-F687-4F45-9708-019B960494DF}">
+              <a14:hiddenLine xmlns:a14="http://schemas.microsoft.com/office/drawing/2010/main" w="12700" cap="flat" cmpd="sng" algn="ctr">
+                <a:solidFill>
+                  <a:schemeClr val="accent1">
+                    <a:shade val="15000"/>
+                  </a:schemeClr>
+                </a:solidFill>
+                <a:prstDash val="solid"/>
+                <a:miter lim="800000"/>
+              </a14:hiddenLine>
+            </a:ext>
+          </a:extLst>
+        </p:spPr>
+        <p:style>
+          <a:lnRef idx="2">
+            <a:schemeClr val="accent1">
+              <a:shade val="15000"/>
+            </a:schemeClr>
+          </a:lnRef>
+          <a:fillRef idx="1">
+            <a:schemeClr val="accent1"/>
+          </a:fillRef>
+          <a:effectRef idx="0">
+            <a:schemeClr val="accent1"/>
+          </a:effectRef>
+          <a:fontRef idx="minor">
+            <a:schemeClr val="lt1"/>
+          </a:fontRef>
+        </p:style>
+        <p:txBody>
+          <a:bodyPr rtlCol="0" anchor="ctr"/>
+          <a:lstStyle/>
+          <a:p>
+            <a:pPr algn="ctr"/>
+            <a:endParaRPr lang="en-US"/>
+          </a:p>
+        </p:txBody>
+      </p:sp>
       <p:sp>
         <p:nvSpPr>
           <p:cNvPr id="2" name="Title 1">
@@ -8436,43 +13163,64 @@
             <p:ph type="title"/>
           </p:nvPr>
         </p:nvSpPr>
-        <p:spPr/>
+        <p:spPr>
+          <a:xfrm>
+            <a:off x="1731821" y="501345"/>
+            <a:ext cx="8728364" cy="689279"/>
+          </a:xfrm>
+        </p:spPr>
         <p:txBody>
-          <a:bodyPr/>
+          <a:bodyPr vert="horz" lIns="91440" tIns="45720" rIns="91440" bIns="45720" rtlCol="0" anchor="b">
+            <a:normAutofit/>
+          </a:bodyPr>
           <a:lstStyle/>
           <a:p>
+            <a:pPr algn="ctr"/>
             <a:r>
-              <a:rPr lang="pt-PT" dirty="0"/>
+              <a:rPr lang="en-US"/>
               <a:t>Resultado DNS</a:t>
             </a:r>
           </a:p>
         </p:txBody>
       </p:sp>
-      <p:sp>
-        <p:nvSpPr>
-          <p:cNvPr id="3" name="Content Placeholder 2">
+      <p:pic>
+        <p:nvPicPr>
+          <p:cNvPr id="5" name="Content Placeholder 4" descr="A computer screen with white text&#10;&#10;AI-generated content may be incorrect.">
             <a:extLst>
               <a:ext uri="{FF2B5EF4-FFF2-40B4-BE49-F238E27FC236}">
-                <a16:creationId xmlns:a16="http://schemas.microsoft.com/office/drawing/2014/main" id="{F4C76158-E07F-A119-A826-19E53692708D}"/>
+                <a16:creationId xmlns:a16="http://schemas.microsoft.com/office/drawing/2014/main" id="{4A05E6EC-54AF-025D-7540-CF1674273555}"/>
               </a:ext>
             </a:extLst>
           </p:cNvPr>
-          <p:cNvSpPr>
-            <a:spLocks noGrp="1"/>
-          </p:cNvSpPr>
+          <p:cNvPicPr>
+            <a:picLocks noGrp="1" noChangeAspect="1"/>
+          </p:cNvPicPr>
           <p:nvPr>
             <p:ph idx="1"/>
           </p:nvPr>
-        </p:nvSpPr>
-        <p:spPr/>
-        <p:txBody>
-          <a:bodyPr/>
-          <a:lstStyle/>
-          <a:p>
-            <a:endParaRPr lang="pt-PT"/>
-          </a:p>
-        </p:txBody>
-      </p:sp>
+        </p:nvPicPr>
+        <p:blipFill>
+          <a:blip r:embed="rId2">
+            <a:extLst>
+              <a:ext uri="{28A0092B-C50C-407E-A947-70E740481C1C}">
+                <a14:useLocalDpi xmlns:a14="http://schemas.microsoft.com/office/drawing/2010/main" val="0"/>
+              </a:ext>
+            </a:extLst>
+          </a:blip>
+          <a:stretch>
+            <a:fillRect/>
+          </a:stretch>
+        </p:blipFill>
+        <p:spPr>
+          <a:xfrm>
+            <a:off x="3117499" y="1782115"/>
+            <a:ext cx="5957002" cy="4572000"/>
+          </a:xfrm>
+          <a:prstGeom prst="rect">
+            <a:avLst/>
+          </a:prstGeom>
+        </p:spPr>
+      </p:pic>
     </p:spTree>
     <p:extLst>
       <p:ext uri="{BB962C8B-B14F-4D97-AF65-F5344CB8AC3E}">
@@ -8483,13 +13231,13 @@
   <p:clrMapOvr>
     <a:masterClrMapping/>
   </p:clrMapOvr>
-  <mc:AlternateContent xmlns:mc="http://schemas.openxmlformats.org/markup-compatibility/2006">
-    <mc:Choice xmlns:p159="http://schemas.microsoft.com/office/powerpoint/2015/09/main" Requires="p159">
+  <mc:AlternateContent xmlns:mc="http://schemas.openxmlformats.org/markup-compatibility/2006" xmlns:p159="http://schemas.microsoft.com/office/powerpoint/2015/09/main">
+    <mc:Choice Requires="p159">
       <p:transition xmlns:p14="http://schemas.microsoft.com/office/powerpoint/2010/main" spd="slow" p14:dur="2000">
         <p159:morph option="byObject"/>
       </p:transition>
     </mc:Choice>
-    <mc:Fallback>
+    <mc:Fallback xmlns="">
       <p:transition spd="slow">
         <p:fade/>
       </p:transition>
@@ -8537,42 +13285,44 @@
           <a:lstStyle/>
           <a:p>
             <a:r>
-              <a:rPr lang="pt-PT" dirty="0"/>
-              <a:t>Configuração Virtual </a:t>
-            </a:r>
-            <a:r>
-              <a:rPr lang="pt-PT" dirty="0" err="1"/>
-              <a:t>Hosts</a:t>
+              <a:rPr lang="pt-PT"/>
+              <a:t>Configuração Virtual Hosts</a:t>
             </a:r>
             <a:endParaRPr lang="pt-PT" dirty="0"/>
           </a:p>
         </p:txBody>
       </p:sp>
-      <p:sp>
-        <p:nvSpPr>
-          <p:cNvPr id="3" name="Content Placeholder 2">
+      <p:graphicFrame>
+        <p:nvGraphicFramePr>
+          <p:cNvPr id="11" name="Content Placeholder 2">
             <a:extLst>
               <a:ext uri="{FF2B5EF4-FFF2-40B4-BE49-F238E27FC236}">
-                <a16:creationId xmlns:a16="http://schemas.microsoft.com/office/drawing/2014/main" id="{15F3A737-2715-A0E1-9030-A258343F21AA}"/>
+                <a16:creationId xmlns:a16="http://schemas.microsoft.com/office/drawing/2014/main" id="{6282D613-28F0-7CE7-863E-9A83B5B2699A}"/>
               </a:ext>
             </a:extLst>
           </p:cNvPr>
-          <p:cNvSpPr>
-            <a:spLocks noGrp="1"/>
-          </p:cNvSpPr>
+          <p:cNvGraphicFramePr>
+            <a:graphicFrameLocks noGrp="1"/>
+          </p:cNvGraphicFramePr>
           <p:nvPr>
             <p:ph idx="1"/>
+            <p:extLst>
+              <p:ext uri="{D42A27DB-BD31-4B8C-83A1-F6EECF244321}">
+                <p14:modId xmlns:p14="http://schemas.microsoft.com/office/powerpoint/2010/main" val="2569364999"/>
+              </p:ext>
+            </p:extLst>
           </p:nvPr>
-        </p:nvSpPr>
-        <p:spPr/>
-        <p:txBody>
-          <a:bodyPr/>
-          <a:lstStyle/>
-          <a:p>
-            <a:endParaRPr lang="pt-PT"/>
-          </a:p>
-        </p:txBody>
-      </p:sp>
+        </p:nvGraphicFramePr>
+        <p:xfrm>
+          <a:off x="612647" y="1715532"/>
+          <a:ext cx="10653579" cy="4593828"/>
+        </p:xfrm>
+        <a:graphic>
+          <a:graphicData uri="http://schemas.openxmlformats.org/drawingml/2006/diagram">
+            <dgm:relIds xmlns:dgm="http://schemas.openxmlformats.org/drawingml/2006/diagram" xmlns:r="http://schemas.openxmlformats.org/officeDocument/2006/relationships" r:dm="rId2" r:lo="rId3" r:qs="rId4" r:cs="rId5"/>
+          </a:graphicData>
+        </a:graphic>
+      </p:graphicFrame>
     </p:spTree>
     <p:extLst>
       <p:ext uri="{BB962C8B-B14F-4D97-AF65-F5344CB8AC3E}">
@@ -8583,13 +13333,13 @@
   <p:clrMapOvr>
     <a:masterClrMapping/>
   </p:clrMapOvr>
-  <mc:AlternateContent xmlns:mc="http://schemas.openxmlformats.org/markup-compatibility/2006">
-    <mc:Choice xmlns:p159="http://schemas.microsoft.com/office/powerpoint/2015/09/main" Requires="p159">
+  <mc:AlternateContent xmlns:mc="http://schemas.openxmlformats.org/markup-compatibility/2006" xmlns:p159="http://schemas.microsoft.com/office/powerpoint/2015/09/main">
+    <mc:Choice Requires="p159">
       <p:transition xmlns:p14="http://schemas.microsoft.com/office/powerpoint/2010/main" spd="slow" p14:dur="2000">
         <p159:morph option="byObject"/>
       </p:transition>
     </mc:Choice>
-    <mc:Fallback>
+    <mc:Fallback xmlns="">
       <p:transition spd="slow">
         <p:fade/>
       </p:transition>

--- a/Presentation/SlidesApresentaçãoProjeto.pptx
+++ b/Presentation/SlidesApresentaçãoProjeto.pptx
@@ -1892,7 +1892,7 @@
         <a:lstStyle/>
         <a:p>
           <a:r>
-            <a:rPr lang="pt-PT" sz="2800" dirty="0"/>
+            <a:rPr lang="pt-PT" sz="2800"/>
             <a:t>Criação de 3 utilizadores (trinta.org, 3emfrente.eu, the.com)</a:t>
           </a:r>
           <a:endParaRPr lang="en-US" sz="2800" dirty="0"/>
@@ -1921,51 +1921,6 @@
         </a:p>
       </dgm:t>
     </dgm:pt>
-    <dgm:pt modelId="{4B0CF132-C0B1-48D7-8296-B0265E2D746B}">
-      <dgm:prSet custT="1"/>
-      <dgm:spPr/>
-      <dgm:t>
-        <a:bodyPr/>
-        <a:lstStyle/>
-        <a:p>
-          <a:r>
-            <a:rPr lang="pt-PT" sz="2800" dirty="0"/>
-            <a:t>Criação da diretoria ‘</a:t>
-          </a:r>
-          <a:r>
-            <a:rPr lang="pt-PT" sz="2800" dirty="0" err="1"/>
-            <a:t>public_html</a:t>
-          </a:r>
-          <a:r>
-            <a:rPr lang="pt-PT" sz="2800" dirty="0"/>
-            <a:t>’</a:t>
-          </a:r>
-          <a:endParaRPr lang="en-US" sz="2800" dirty="0"/>
-        </a:p>
-      </dgm:t>
-    </dgm:pt>
-    <dgm:pt modelId="{4FAB5512-CC16-47AF-82EB-B79D9E5CDD0F}" type="parTrans" cxnId="{F9F49E3A-A8AC-493B-8FE3-D1986BF1F816}">
-      <dgm:prSet/>
-      <dgm:spPr/>
-      <dgm:t>
-        <a:bodyPr/>
-        <a:lstStyle/>
-        <a:p>
-          <a:endParaRPr lang="en-US"/>
-        </a:p>
-      </dgm:t>
-    </dgm:pt>
-    <dgm:pt modelId="{C155C518-3A31-41D9-8DE1-EA41CC9B50D4}" type="sibTrans" cxnId="{F9F49E3A-A8AC-493B-8FE3-D1986BF1F816}">
-      <dgm:prSet/>
-      <dgm:spPr/>
-      <dgm:t>
-        <a:bodyPr/>
-        <a:lstStyle/>
-        <a:p>
-          <a:endParaRPr lang="en-US"/>
-        </a:p>
-      </dgm:t>
-    </dgm:pt>
     <dgm:pt modelId="{2B8068CB-D073-4151-9254-50E9C732DE4F}">
       <dgm:prSet custT="1"/>
       <dgm:spPr/>
@@ -1974,7 +1929,7 @@
         <a:lstStyle/>
         <a:p>
           <a:r>
-            <a:rPr lang="pt-PT" sz="2800" dirty="0"/>
+            <a:rPr lang="pt-PT" sz="2800"/>
             <a:t>Criação de ficheiro ‘index.html’</a:t>
           </a:r>
           <a:endParaRPr lang="en-US" sz="2800" dirty="0"/>
@@ -2013,7 +1968,7 @@
       <dgm:spPr/>
     </dgm:pt>
     <dgm:pt modelId="{AE8B2BB8-81A8-4ABC-BD47-E592CE20F646}" type="pres">
-      <dgm:prSet presAssocID="{42E65A4E-65B3-4BEA-8D0D-64E59626FAEA}" presName="parentText" presStyleLbl="node1" presStyleIdx="0" presStyleCnt="3">
+      <dgm:prSet presAssocID="{42E65A4E-65B3-4BEA-8D0D-64E59626FAEA}" presName="parentText" presStyleLbl="node1" presStyleIdx="0" presStyleCnt="2">
         <dgm:presLayoutVars>
           <dgm:chMax val="0"/>
           <dgm:bulletEnabled val="1"/>
@@ -2025,21 +1980,8 @@
       <dgm:prSet presAssocID="{6662FF75-7869-4C8F-B914-8A1F71E4B037}" presName="spacer" presStyleCnt="0"/>
       <dgm:spPr/>
     </dgm:pt>
-    <dgm:pt modelId="{C13ABA29-EC0A-4897-99A3-1BA2E1C9DC72}" type="pres">
-      <dgm:prSet presAssocID="{4B0CF132-C0B1-48D7-8296-B0265E2D746B}" presName="parentText" presStyleLbl="node1" presStyleIdx="1" presStyleCnt="3">
-        <dgm:presLayoutVars>
-          <dgm:chMax val="0"/>
-          <dgm:bulletEnabled val="1"/>
-        </dgm:presLayoutVars>
-      </dgm:prSet>
-      <dgm:spPr/>
-    </dgm:pt>
-    <dgm:pt modelId="{6F6685BB-9D42-417A-8223-DB946E9EFBAF}" type="pres">
-      <dgm:prSet presAssocID="{C155C518-3A31-41D9-8DE1-EA41CC9B50D4}" presName="spacer" presStyleCnt="0"/>
-      <dgm:spPr/>
-    </dgm:pt>
     <dgm:pt modelId="{84117C14-5A47-4CB2-8553-F4D0C3D2E9D3}" type="pres">
-      <dgm:prSet presAssocID="{2B8068CB-D073-4151-9254-50E9C732DE4F}" presName="parentText" presStyleLbl="node1" presStyleIdx="2" presStyleCnt="3">
+      <dgm:prSet presAssocID="{2B8068CB-D073-4151-9254-50E9C732DE4F}" presName="parentText" presStyleLbl="node1" presStyleIdx="1" presStyleCnt="2">
         <dgm:presLayoutVars>
           <dgm:chMax val="0"/>
           <dgm:bulletEnabled val="1"/>
@@ -2049,18 +1991,14 @@
     </dgm:pt>
   </dgm:ptLst>
   <dgm:cxnLst>
-    <dgm:cxn modelId="{F9F49E3A-A8AC-493B-8FE3-D1986BF1F816}" srcId="{EE23037F-FC2B-43C1-B0F0-B27AD3868204}" destId="{4B0CF132-C0B1-48D7-8296-B0265E2D746B}" srcOrd="1" destOrd="0" parTransId="{4FAB5512-CC16-47AF-82EB-B79D9E5CDD0F}" sibTransId="{C155C518-3A31-41D9-8DE1-EA41CC9B50D4}"/>
-    <dgm:cxn modelId="{17F94769-FDEA-4DED-9A56-42BF4106A38D}" type="presOf" srcId="{EE23037F-FC2B-43C1-B0F0-B27AD3868204}" destId="{F491D090-79A8-4325-AE34-3A929128C64C}" srcOrd="0" destOrd="0" presId="urn:microsoft.com/office/officeart/2005/8/layout/vList2"/>
-    <dgm:cxn modelId="{525B8083-237A-4C63-B814-EC0075533D51}" type="presOf" srcId="{4B0CF132-C0B1-48D7-8296-B0265E2D746B}" destId="{C13ABA29-EC0A-4897-99A3-1BA2E1C9DC72}" srcOrd="0" destOrd="0" presId="urn:microsoft.com/office/officeart/2005/8/layout/vList2"/>
+    <dgm:cxn modelId="{62F2FD09-B908-43E9-A3D4-EC7378CA5868}" type="presOf" srcId="{2B8068CB-D073-4151-9254-50E9C732DE4F}" destId="{84117C14-5A47-4CB2-8553-F4D0C3D2E9D3}" srcOrd="0" destOrd="0" presId="urn:microsoft.com/office/officeart/2005/8/layout/vList2"/>
     <dgm:cxn modelId="{CCAABD86-1515-4922-9012-49E7FC0A9481}" srcId="{EE23037F-FC2B-43C1-B0F0-B27AD3868204}" destId="{42E65A4E-65B3-4BEA-8D0D-64E59626FAEA}" srcOrd="0" destOrd="0" parTransId="{30B389F9-564B-46D5-AD2C-AC00BE512025}" sibTransId="{6662FF75-7869-4C8F-B914-8A1F71E4B037}"/>
-    <dgm:cxn modelId="{1A9AACAD-9445-407A-A2F4-6D8E4E4C095B}" type="presOf" srcId="{42E65A4E-65B3-4BEA-8D0D-64E59626FAEA}" destId="{AE8B2BB8-81A8-4ABC-BD47-E592CE20F646}" srcOrd="0" destOrd="0" presId="urn:microsoft.com/office/officeart/2005/8/layout/vList2"/>
-    <dgm:cxn modelId="{458BBDB6-572A-465C-8FDA-3AAE4ABED144}" srcId="{EE23037F-FC2B-43C1-B0F0-B27AD3868204}" destId="{2B8068CB-D073-4151-9254-50E9C732DE4F}" srcOrd="2" destOrd="0" parTransId="{7C04799B-772D-4BC2-B461-D6827215E71C}" sibTransId="{B608E7DB-5B1D-4F96-B12F-AD779B1EEC11}"/>
-    <dgm:cxn modelId="{8E80DAF9-BC88-4155-926B-5BDB40C2A212}" type="presOf" srcId="{2B8068CB-D073-4151-9254-50E9C732DE4F}" destId="{84117C14-5A47-4CB2-8553-F4D0C3D2E9D3}" srcOrd="0" destOrd="0" presId="urn:microsoft.com/office/officeart/2005/8/layout/vList2"/>
-    <dgm:cxn modelId="{02E7278A-2390-43DD-83F2-F423F9600F42}" type="presParOf" srcId="{F491D090-79A8-4325-AE34-3A929128C64C}" destId="{AE8B2BB8-81A8-4ABC-BD47-E592CE20F646}" srcOrd="0" destOrd="0" presId="urn:microsoft.com/office/officeart/2005/8/layout/vList2"/>
-    <dgm:cxn modelId="{B3A3F6F6-0A43-410E-B47A-D04CF21EBD7B}" type="presParOf" srcId="{F491D090-79A8-4325-AE34-3A929128C64C}" destId="{C4A0E675-0D42-416E-8790-FBB30E1DFD30}" srcOrd="1" destOrd="0" presId="urn:microsoft.com/office/officeart/2005/8/layout/vList2"/>
-    <dgm:cxn modelId="{421A3449-A6A9-4718-B8B1-F04022D94900}" type="presParOf" srcId="{F491D090-79A8-4325-AE34-3A929128C64C}" destId="{C13ABA29-EC0A-4897-99A3-1BA2E1C9DC72}" srcOrd="2" destOrd="0" presId="urn:microsoft.com/office/officeart/2005/8/layout/vList2"/>
-    <dgm:cxn modelId="{1EA24269-A6B5-4230-9A7D-E61A3F6AB03F}" type="presParOf" srcId="{F491D090-79A8-4325-AE34-3A929128C64C}" destId="{6F6685BB-9D42-417A-8223-DB946E9EFBAF}" srcOrd="3" destOrd="0" presId="urn:microsoft.com/office/officeart/2005/8/layout/vList2"/>
-    <dgm:cxn modelId="{AF1CF7BF-D7DC-472C-BFF2-48E358553CAC}" type="presParOf" srcId="{F491D090-79A8-4325-AE34-3A929128C64C}" destId="{84117C14-5A47-4CB2-8553-F4D0C3D2E9D3}" srcOrd="4" destOrd="0" presId="urn:microsoft.com/office/officeart/2005/8/layout/vList2"/>
+    <dgm:cxn modelId="{6A2894AC-D1DE-4414-BE40-DB557B3CAF9E}" type="presOf" srcId="{EE23037F-FC2B-43C1-B0F0-B27AD3868204}" destId="{F491D090-79A8-4325-AE34-3A929128C64C}" srcOrd="0" destOrd="0" presId="urn:microsoft.com/office/officeart/2005/8/layout/vList2"/>
+    <dgm:cxn modelId="{E153D9AD-5582-4AB8-ADA6-0EF3974ED372}" type="presOf" srcId="{42E65A4E-65B3-4BEA-8D0D-64E59626FAEA}" destId="{AE8B2BB8-81A8-4ABC-BD47-E592CE20F646}" srcOrd="0" destOrd="0" presId="urn:microsoft.com/office/officeart/2005/8/layout/vList2"/>
+    <dgm:cxn modelId="{458BBDB6-572A-465C-8FDA-3AAE4ABED144}" srcId="{EE23037F-FC2B-43C1-B0F0-B27AD3868204}" destId="{2B8068CB-D073-4151-9254-50E9C732DE4F}" srcOrd="1" destOrd="0" parTransId="{7C04799B-772D-4BC2-B461-D6827215E71C}" sibTransId="{B608E7DB-5B1D-4F96-B12F-AD779B1EEC11}"/>
+    <dgm:cxn modelId="{F2232ED8-FBCC-4E67-A991-1420F7BB5107}" type="presParOf" srcId="{F491D090-79A8-4325-AE34-3A929128C64C}" destId="{AE8B2BB8-81A8-4ABC-BD47-E592CE20F646}" srcOrd="0" destOrd="0" presId="urn:microsoft.com/office/officeart/2005/8/layout/vList2"/>
+    <dgm:cxn modelId="{109B23F6-1A69-4F67-85CD-2737565425F7}" type="presParOf" srcId="{F491D090-79A8-4325-AE34-3A929128C64C}" destId="{C4A0E675-0D42-416E-8790-FBB30E1DFD30}" srcOrd="1" destOrd="0" presId="urn:microsoft.com/office/officeart/2005/8/layout/vList2"/>
+    <dgm:cxn modelId="{AA5AE64E-C017-41BA-B7D5-E21D14B2F7BF}" type="presParOf" srcId="{F491D090-79A8-4325-AE34-3A929128C64C}" destId="{84117C14-5A47-4CB2-8553-F4D0C3D2E9D3}" srcOrd="2" destOrd="0" presId="urn:microsoft.com/office/officeart/2005/8/layout/vList2"/>
   </dgm:cxnLst>
   <dgm:bg/>
   <dgm:whole/>
@@ -2499,7 +2437,7 @@
       </dsp:nvSpPr>
       <dsp:spPr>
         <a:xfrm>
-          <a:off x="0" y="284513"/>
+          <a:off x="0" y="986513"/>
           <a:ext cx="10653579" cy="1216800"/>
         </a:xfrm>
         <a:prstGeom prst="roundRect">
@@ -2560,25 +2498,25 @@
             <a:buNone/>
           </a:pPr>
           <a:r>
-            <a:rPr lang="pt-PT" sz="2800" kern="1200" dirty="0"/>
+            <a:rPr lang="pt-PT" sz="2800" kern="1200"/>
             <a:t>Criação de 3 utilizadores (trinta.org, 3emfrente.eu, the.com)</a:t>
           </a:r>
           <a:endParaRPr lang="en-US" sz="2800" kern="1200" dirty="0"/>
         </a:p>
       </dsp:txBody>
       <dsp:txXfrm>
-        <a:off x="59399" y="343912"/>
+        <a:off x="59399" y="1045912"/>
         <a:ext cx="10534781" cy="1098002"/>
       </dsp:txXfrm>
     </dsp:sp>
-    <dsp:sp modelId="{C13ABA29-EC0A-4897-99A3-1BA2E1C9DC72}">
+    <dsp:sp modelId="{84117C14-5A47-4CB2-8553-F4D0C3D2E9D3}">
       <dsp:nvSpPr>
         <dsp:cNvPr id="0" name=""/>
         <dsp:cNvSpPr/>
       </dsp:nvSpPr>
       <dsp:spPr>
         <a:xfrm>
-          <a:off x="0" y="1688514"/>
+          <a:off x="0" y="2390514"/>
           <a:ext cx="10653579" cy="1216800"/>
         </a:xfrm>
         <a:prstGeom prst="roundRect">
@@ -2639,101 +2577,14 @@
             <a:buNone/>
           </a:pPr>
           <a:r>
-            <a:rPr lang="pt-PT" sz="2800" kern="1200" dirty="0"/>
-            <a:t>Criação da diretoria ‘</a:t>
-          </a:r>
-          <a:r>
-            <a:rPr lang="pt-PT" sz="2800" kern="1200" dirty="0" err="1"/>
-            <a:t>public_html</a:t>
-          </a:r>
-          <a:r>
-            <a:rPr lang="pt-PT" sz="2800" kern="1200" dirty="0"/>
-            <a:t>’</a:t>
-          </a:r>
-          <a:endParaRPr lang="en-US" sz="2800" kern="1200" dirty="0"/>
-        </a:p>
-      </dsp:txBody>
-      <dsp:txXfrm>
-        <a:off x="59399" y="1747913"/>
-        <a:ext cx="10534781" cy="1098002"/>
-      </dsp:txXfrm>
-    </dsp:sp>
-    <dsp:sp modelId="{84117C14-5A47-4CB2-8553-F4D0C3D2E9D3}">
-      <dsp:nvSpPr>
-        <dsp:cNvPr id="0" name=""/>
-        <dsp:cNvSpPr/>
-      </dsp:nvSpPr>
-      <dsp:spPr>
-        <a:xfrm>
-          <a:off x="0" y="3092514"/>
-          <a:ext cx="10653579" cy="1216800"/>
-        </a:xfrm>
-        <a:prstGeom prst="roundRect">
-          <a:avLst/>
-        </a:prstGeom>
-        <a:solidFill>
-          <a:schemeClr val="accent1">
-            <a:hueOff val="0"/>
-            <a:satOff val="0"/>
-            <a:lumOff val="0"/>
-            <a:alphaOff val="0"/>
-          </a:schemeClr>
-        </a:solidFill>
-        <a:ln w="12700" cap="flat" cmpd="sng" algn="ctr">
-          <a:solidFill>
-            <a:schemeClr val="lt1">
-              <a:hueOff val="0"/>
-              <a:satOff val="0"/>
-              <a:lumOff val="0"/>
-              <a:alphaOff val="0"/>
-            </a:schemeClr>
-          </a:solidFill>
-          <a:prstDash val="solid"/>
-          <a:miter lim="800000"/>
-        </a:ln>
-        <a:effectLst/>
-      </dsp:spPr>
-      <dsp:style>
-        <a:lnRef idx="2">
-          <a:scrgbClr r="0" g="0" b="0"/>
-        </a:lnRef>
-        <a:fillRef idx="1">
-          <a:scrgbClr r="0" g="0" b="0"/>
-        </a:fillRef>
-        <a:effectRef idx="0">
-          <a:scrgbClr r="0" g="0" b="0"/>
-        </a:effectRef>
-        <a:fontRef idx="minor">
-          <a:schemeClr val="lt1"/>
-        </a:fontRef>
-      </dsp:style>
-      <dsp:txBody>
-        <a:bodyPr spcFirstLastPara="0" vert="horz" wrap="square" lIns="106680" tIns="106680" rIns="106680" bIns="106680" numCol="1" spcCol="1270" anchor="ctr" anchorCtr="0">
-          <a:noAutofit/>
-        </a:bodyPr>
-        <a:lstStyle/>
-        <a:p>
-          <a:pPr marL="0" lvl="0" indent="0" algn="l" defTabSz="1244600">
-            <a:lnSpc>
-              <a:spcPct val="90000"/>
-            </a:lnSpc>
-            <a:spcBef>
-              <a:spcPct val="0"/>
-            </a:spcBef>
-            <a:spcAft>
-              <a:spcPct val="35000"/>
-            </a:spcAft>
-            <a:buNone/>
-          </a:pPr>
-          <a:r>
-            <a:rPr lang="pt-PT" sz="2800" kern="1200" dirty="0"/>
+            <a:rPr lang="pt-PT" sz="2800" kern="1200"/>
             <a:t>Criação de ficheiro ‘index.html’</a:t>
           </a:r>
           <a:endParaRPr lang="en-US" sz="2800" kern="1200" dirty="0"/>
         </a:p>
       </dsp:txBody>
       <dsp:txXfrm>
-        <a:off x="59399" y="3151913"/>
+        <a:off x="59399" y="2449913"/>
         <a:ext cx="10534781" cy="1098002"/>
       </dsp:txXfrm>
     </dsp:sp>
@@ -5692,7 +5543,7 @@
           <a:p>
             <a:fld id="{C128FA71-3A18-48C0-980F-4B68F7F63042}" type="datetime1">
               <a:rPr lang="en-US" smtClean="0"/>
-              <a:t>6/1/2025</a:t>
+              <a:t>6/2/2025</a:t>
             </a:fld>
             <a:endParaRPr lang="en-US"/>
           </a:p>
@@ -5900,7 +5751,7 @@
           <a:p>
             <a:fld id="{7104EDB3-C0E8-45F8-9E1D-1B6C8D1880C0}" type="datetime1">
               <a:rPr lang="en-US" smtClean="0"/>
-              <a:t>6/1/2025</a:t>
+              <a:t>6/2/2025</a:t>
             </a:fld>
             <a:endParaRPr lang="en-US"/>
           </a:p>
@@ -6110,7 +5961,7 @@
           <a:p>
             <a:fld id="{9CF0EC4B-54ED-4041-B552-9BA760FA3DBA}" type="datetime1">
               <a:rPr lang="en-US" smtClean="0"/>
-              <a:t>6/1/2025</a:t>
+              <a:t>6/2/2025</a:t>
             </a:fld>
             <a:endParaRPr lang="en-US"/>
           </a:p>
@@ -6308,7 +6159,7 @@
           <a:p>
             <a:fld id="{51C1210E-201E-4473-82AC-2466F5386C38}" type="datetime1">
               <a:rPr lang="en-US" smtClean="0"/>
-              <a:t>6/1/2025</a:t>
+              <a:t>6/2/2025</a:t>
             </a:fld>
             <a:endParaRPr lang="en-US"/>
           </a:p>
@@ -6586,7 +6437,7 @@
           <a:p>
             <a:fld id="{B01EA198-6CAB-4B8F-B93F-1F9C8C4B6CE7}" type="datetime1">
               <a:rPr lang="en-US" smtClean="0"/>
-              <a:t>6/1/2025</a:t>
+              <a:t>6/2/2025</a:t>
             </a:fld>
             <a:endParaRPr lang="en-US"/>
           </a:p>
@@ -6858,7 +6709,7 @@
           <a:p>
             <a:fld id="{CA06041F-4525-44D5-AA4F-332294BF1F56}" type="datetime1">
               <a:rPr lang="en-US" smtClean="0"/>
-              <a:t>6/1/2025</a:t>
+              <a:t>6/2/2025</a:t>
             </a:fld>
             <a:endParaRPr lang="en-US"/>
           </a:p>
@@ -7282,7 +7133,7 @@
           <a:p>
             <a:fld id="{F9557091-BBDF-4EB9-BA6B-2BB67AC4FC0F}" type="datetime1">
               <a:rPr lang="en-US" smtClean="0"/>
-              <a:t>6/1/2025</a:t>
+              <a:t>6/2/2025</a:t>
             </a:fld>
             <a:endParaRPr lang="en-US"/>
           </a:p>
@@ -7423,7 +7274,7 @@
           <a:p>
             <a:fld id="{2D6B226B-77A6-410C-9796-083F278E0125}" type="datetime1">
               <a:rPr lang="en-US" smtClean="0"/>
-              <a:t>6/1/2025</a:t>
+              <a:t>6/2/2025</a:t>
             </a:fld>
             <a:endParaRPr lang="en-US"/>
           </a:p>
@@ -7536,7 +7387,7 @@
           <a:p>
             <a:fld id="{A23A578B-D289-4C40-8593-3D356C49DA58}" type="datetime1">
               <a:rPr lang="en-US" smtClean="0"/>
-              <a:t>6/1/2025</a:t>
+              <a:t>6/2/2025</a:t>
             </a:fld>
             <a:endParaRPr lang="en-US"/>
           </a:p>
@@ -7855,7 +7706,7 @@
           <a:p>
             <a:fld id="{713DFAE3-14DB-48A7-A80F-80DDB072CE3D}" type="datetime1">
               <a:rPr lang="en-US" smtClean="0"/>
-              <a:t>6/1/2025</a:t>
+              <a:t>6/2/2025</a:t>
             </a:fld>
             <a:endParaRPr lang="en-US"/>
           </a:p>
@@ -8149,7 +8000,7 @@
           <a:p>
             <a:fld id="{92C5EAEF-6478-4102-8F5D-A5FE9FC97ACB}" type="datetime1">
               <a:rPr lang="en-US" smtClean="0"/>
-              <a:t>6/1/2025</a:t>
+              <a:t>6/2/2025</a:t>
             </a:fld>
             <a:endParaRPr lang="en-US"/>
           </a:p>
@@ -8390,7 +8241,7 @@
           <a:p>
             <a:fld id="{67F45AC6-C491-4585-A584-9CE2AF7D5500}" type="datetime1">
               <a:rPr lang="en-US" smtClean="0"/>
-              <a:t>6/1/2025</a:t>
+              <a:t>6/2/2025</a:t>
             </a:fld>
             <a:endParaRPr lang="en-US"/>
           </a:p>
@@ -9202,10 +9053,10 @@
       </p:grpSpPr>
       <p:sp useBgFill="1">
         <p:nvSpPr>
-          <p:cNvPr id="15" name="Rectangle 14">
-            <a:extLst>
-              <a:ext uri="{FF2B5EF4-FFF2-40B4-BE49-F238E27FC236}">
-                <a16:creationId xmlns:a16="http://schemas.microsoft.com/office/drawing/2014/main" id="{37B65277-82C6-6D08-6DCA-4A7DCC3B7136}"/>
+          <p:cNvPr id="20" name="Rectangle 19">
+            <a:extLst>
+              <a:ext uri="{FF2B5EF4-FFF2-40B4-BE49-F238E27FC236}">
+                <a16:creationId xmlns:a16="http://schemas.microsoft.com/office/drawing/2014/main" id="{CBB0869A-0BE5-B3E9-F73D-2F3691E4D932}"/>
               </a:ext>
               <a:ext uri="{C183D7F6-B498-43B3-948B-1728B52AA6E4}">
                 <adec:decorative xmlns:adec="http://schemas.microsoft.com/office/drawing/2017/decorative" val="1"/>
@@ -9294,8 +9145,8 @@
         </p:nvSpPr>
         <p:spPr>
           <a:xfrm>
-            <a:off x="612647" y="603504"/>
-            <a:ext cx="6201107" cy="1527048"/>
+            <a:off x="612648" y="1114923"/>
+            <a:ext cx="4621553" cy="1360728"/>
           </a:xfrm>
         </p:spPr>
         <p:txBody>
@@ -9305,12 +9156,8 @@
           <a:lstStyle/>
           <a:p>
             <a:r>
-              <a:rPr lang="pt-PT" dirty="0"/>
-              <a:t>Configuração Virtual </a:t>
-            </a:r>
-            <a:r>
-              <a:rPr lang="pt-PT" dirty="0" err="1"/>
-              <a:t>Hosts</a:t>
+              <a:rPr lang="pt-PT"/>
+              <a:t>Configuração Virtual Hosts</a:t>
             </a:r>
             <a:endParaRPr lang="pt-PT" dirty="0"/>
           </a:p>
@@ -9334,8 +9181,8 @@
         </p:nvSpPr>
         <p:spPr>
           <a:xfrm>
-            <a:off x="612648" y="2212848"/>
-            <a:ext cx="5862396" cy="4096512"/>
+            <a:off x="612648" y="2584058"/>
+            <a:ext cx="4621553" cy="3159018"/>
           </a:xfrm>
         </p:spPr>
         <p:txBody>
@@ -9349,22 +9196,22 @@
               <a:t>Detalhes sobre a Virtual </a:t>
             </a:r>
             <a:r>
-              <a:rPr lang="pt-PT" sz="1800"/>
+              <a:rPr lang="pt-PT" sz="1800" dirty="0" err="1"/>
               <a:t>Host</a:t>
             </a:r>
             <a:r>
               <a:rPr lang="pt-PT" sz="1800" dirty="0"/>
-              <a:t> (para a porta 80 e 443)</a:t>
+              <a:t> (para a porta 80, resolução 443 é feita na WAF)</a:t>
             </a:r>
           </a:p>
         </p:txBody>
       </p:sp>
       <p:pic>
         <p:nvPicPr>
-          <p:cNvPr id="5" name="Picture 4" descr="A white screen with black text&#10;&#10;AI-generated content may be incorrect.">
-            <a:extLst>
-              <a:ext uri="{FF2B5EF4-FFF2-40B4-BE49-F238E27FC236}">
-                <a16:creationId xmlns:a16="http://schemas.microsoft.com/office/drawing/2014/main" id="{FF6B1E09-B7C3-1B21-7623-B2EF51E3F6ED}"/>
+          <p:cNvPr id="8" name="Picture 7" descr="A screen shot of a computer code&#10;&#10;AI-generated content may be incorrect.">
+            <a:extLst>
+              <a:ext uri="{FF2B5EF4-FFF2-40B4-BE49-F238E27FC236}">
+                <a16:creationId xmlns:a16="http://schemas.microsoft.com/office/drawing/2014/main" id="{E79ABEDB-EBDF-0ABF-DE10-5F7BF6356792}"/>
               </a:ext>
             </a:extLst>
           </p:cNvPr>
@@ -9387,8 +9234,8 @@
         </p:blipFill>
         <p:spPr>
           <a:xfrm>
-            <a:off x="7325282" y="433384"/>
-            <a:ext cx="4213732" cy="6019618"/>
+            <a:off x="6452275" y="1114923"/>
+            <a:ext cx="4315752" cy="4628153"/>
           </a:xfrm>
           <a:prstGeom prst="rect">
             <a:avLst/>
@@ -9463,7 +9310,7 @@
       </p:grpSpPr>
       <p:sp useBgFill="1">
         <p:nvSpPr>
-          <p:cNvPr id="12" name="Rectangle 11">
+          <p:cNvPr id="17" name="Rectangle 16">
             <a:extLst>
               <a:ext uri="{FF2B5EF4-FFF2-40B4-BE49-F238E27FC236}">
                 <a16:creationId xmlns:a16="http://schemas.microsoft.com/office/drawing/2014/main" id="{9B65F7F7-2FCE-8F01-53DE-15C39342BE99}"/>
@@ -9575,10 +9422,10 @@
       </p:sp>
       <p:pic>
         <p:nvPicPr>
-          <p:cNvPr id="5" name="Content Placeholder 4" descr="A black rectangular object with white text&#10;&#10;AI-generated content may be incorrect.">
-            <a:extLst>
-              <a:ext uri="{FF2B5EF4-FFF2-40B4-BE49-F238E27FC236}">
-                <a16:creationId xmlns:a16="http://schemas.microsoft.com/office/drawing/2014/main" id="{8AADF225-EB64-DCE0-18C9-B8A5BCF45A6F}"/>
+          <p:cNvPr id="7" name="Content Placeholder 6" descr="A screenshot of a computer&#10;&#10;AI-generated content may be incorrect.">
+            <a:extLst>
+              <a:ext uri="{FF2B5EF4-FFF2-40B4-BE49-F238E27FC236}">
+                <a16:creationId xmlns:a16="http://schemas.microsoft.com/office/drawing/2014/main" id="{3D531340-9B6D-239F-07B8-5DE261BEB726}"/>
               </a:ext>
             </a:extLst>
           </p:cNvPr>
@@ -9603,8 +9450,8 @@
         </p:blipFill>
         <p:spPr>
           <a:xfrm>
-            <a:off x="1994916" y="3012086"/>
-            <a:ext cx="8202168" cy="2112058"/>
+            <a:off x="1994916" y="2540462"/>
+            <a:ext cx="8202168" cy="3055306"/>
           </a:xfrm>
           <a:prstGeom prst="rect">
             <a:avLst/>
@@ -10470,10 +10317,10 @@
       </p:pic>
       <p:pic>
         <p:nvPicPr>
-          <p:cNvPr id="7" name="Picture 6" descr="A blue rectangular sign with white text&#10;&#10;AI-generated content may be incorrect.">
-            <a:extLst>
-              <a:ext uri="{FF2B5EF4-FFF2-40B4-BE49-F238E27FC236}">
-                <a16:creationId xmlns:a16="http://schemas.microsoft.com/office/drawing/2014/main" id="{2F4DAAD5-163F-AC2A-D5BA-015519A05829}"/>
+          <p:cNvPr id="13" name="Picture 12" descr="A screenshot of a computer&#10;&#10;AI-generated content may be incorrect.">
+            <a:extLst>
+              <a:ext uri="{FF2B5EF4-FFF2-40B4-BE49-F238E27FC236}">
+                <a16:creationId xmlns:a16="http://schemas.microsoft.com/office/drawing/2014/main" id="{1162E6A6-9769-FAA5-9D8D-61A78BB88F03}"/>
               </a:ext>
             </a:extLst>
           </p:cNvPr>
@@ -10484,42 +10331,6 @@
         </p:nvPicPr>
         <p:blipFill>
           <a:blip r:embed="rId3">
-            <a:extLst>
-              <a:ext uri="{28A0092B-C50C-407E-A947-70E740481C1C}">
-                <a14:useLocalDpi xmlns:a14="http://schemas.microsoft.com/office/drawing/2010/main" val="0"/>
-              </a:ext>
-            </a:extLst>
-          </a:blip>
-          <a:stretch>
-            <a:fillRect/>
-          </a:stretch>
-        </p:blipFill>
-        <p:spPr>
-          <a:xfrm>
-            <a:off x="6908654" y="1985272"/>
-            <a:ext cx="3154481" cy="962117"/>
-          </a:xfrm>
-          <a:prstGeom prst="rect">
-            <a:avLst/>
-          </a:prstGeom>
-        </p:spPr>
-      </p:pic>
-      <p:pic>
-        <p:nvPicPr>
-          <p:cNvPr id="13" name="Picture 12" descr="A screenshot of a computer&#10;&#10;AI-generated content may be incorrect.">
-            <a:extLst>
-              <a:ext uri="{FF2B5EF4-FFF2-40B4-BE49-F238E27FC236}">
-                <a16:creationId xmlns:a16="http://schemas.microsoft.com/office/drawing/2014/main" id="{1162E6A6-9769-FAA5-9D8D-61A78BB88F03}"/>
-              </a:ext>
-            </a:extLst>
-          </p:cNvPr>
-          <p:cNvPicPr>
-            <a:picLocks noChangeAspect="1"/>
-          </p:cNvPicPr>
-          <p:nvPr/>
-        </p:nvPicPr>
-        <p:blipFill>
-          <a:blip r:embed="rId4">
             <a:extLst>
               <a:ext uri="{28A0092B-C50C-407E-A947-70E740481C1C}">
                 <a14:useLocalDpi xmlns:a14="http://schemas.microsoft.com/office/drawing/2010/main" val="0"/>
@@ -10555,7 +10366,7 @@
           <p:nvPr/>
         </p:nvPicPr>
         <p:blipFill>
-          <a:blip r:embed="rId5">
+          <a:blip r:embed="rId4">
             <a:extLst>
               <a:ext uri="{28A0092B-C50C-407E-A947-70E740481C1C}">
                 <a14:useLocalDpi xmlns:a14="http://schemas.microsoft.com/office/drawing/2010/main" val="0"/>
@@ -10591,7 +10402,7 @@
           <p:nvPr/>
         </p:nvPicPr>
         <p:blipFill>
-          <a:blip r:embed="rId3">
+          <a:blip r:embed="rId5">
             <a:extLst>
               <a:ext uri="{28A0092B-C50C-407E-A947-70E740481C1C}">
                 <a14:useLocalDpi xmlns:a14="http://schemas.microsoft.com/office/drawing/2010/main" val="0"/>
@@ -10624,7 +10435,6 @@
           <p:cNvCxnSpPr>
             <a:cxnSpLocks/>
             <a:stCxn id="5" idx="3"/>
-            <a:endCxn id="7" idx="1"/>
           </p:cNvCxnSpPr>
           <p:nvPr/>
         </p:nvCxnSpPr>
@@ -10666,7 +10476,6 @@
           </p:cNvPr>
           <p:cNvCxnSpPr>
             <a:cxnSpLocks/>
-            <a:stCxn id="7" idx="2"/>
             <a:endCxn id="14" idx="0"/>
           </p:cNvCxnSpPr>
           <p:nvPr/>
@@ -10827,6 +10636,42 @@
           </a:fontRef>
         </p:style>
       </p:cxnSp>
+      <p:pic>
+        <p:nvPicPr>
+          <p:cNvPr id="6" name="Picture 5" descr="A blue background with white text&#10;&#10;AI-generated content may be incorrect.">
+            <a:extLst>
+              <a:ext uri="{FF2B5EF4-FFF2-40B4-BE49-F238E27FC236}">
+                <a16:creationId xmlns:a16="http://schemas.microsoft.com/office/drawing/2014/main" id="{6B096F42-11FE-6F9C-7702-8340C89E6CC6}"/>
+              </a:ext>
+            </a:extLst>
+          </p:cNvPr>
+          <p:cNvPicPr>
+            <a:picLocks noChangeAspect="1"/>
+          </p:cNvPicPr>
+          <p:nvPr/>
+        </p:nvPicPr>
+        <p:blipFill>
+          <a:blip r:embed="rId6">
+            <a:extLst>
+              <a:ext uri="{28A0092B-C50C-407E-A947-70E740481C1C}">
+                <a14:useLocalDpi xmlns:a14="http://schemas.microsoft.com/office/drawing/2010/main" val="0"/>
+              </a:ext>
+            </a:extLst>
+          </a:blip>
+          <a:stretch>
+            <a:fillRect/>
+          </a:stretch>
+        </p:blipFill>
+        <p:spPr>
+          <a:xfrm>
+            <a:off x="6937859" y="1985272"/>
+            <a:ext cx="3154480" cy="926150"/>
+          </a:xfrm>
+          <a:prstGeom prst="rect">
+            <a:avLst/>
+          </a:prstGeom>
+        </p:spPr>
+      </p:pic>
     </p:spTree>
     <p:extLst>
       <p:ext uri="{BB962C8B-B14F-4D97-AF65-F5344CB8AC3E}">
@@ -13285,8 +13130,12 @@
           <a:lstStyle/>
           <a:p>
             <a:r>
-              <a:rPr lang="pt-PT"/>
-              <a:t>Configuração Virtual Hosts</a:t>
+              <a:rPr lang="pt-PT" dirty="0"/>
+              <a:t>Configuração Virtual </a:t>
+            </a:r>
+            <a:r>
+              <a:rPr lang="pt-PT" dirty="0" err="1"/>
+              <a:t>Hosts</a:t>
             </a:r>
             <a:endParaRPr lang="pt-PT" dirty="0"/>
           </a:p>
@@ -13308,7 +13157,7 @@
             <p:ph idx="1"/>
             <p:extLst>
               <p:ext uri="{D42A27DB-BD31-4B8C-83A1-F6EECF244321}">
-                <p14:modId xmlns:p14="http://schemas.microsoft.com/office/powerpoint/2010/main" val="2569364999"/>
+                <p14:modId xmlns:p14="http://schemas.microsoft.com/office/powerpoint/2010/main" val="2942022059"/>
               </p:ext>
             </p:extLst>
           </p:nvPr>

--- a/Presentation/SlidesApresentaçãoProjeto.pptx
+++ b/Presentation/SlidesApresentaçãoProjeto.pptx
@@ -20,8 +20,9 @@
     <p:sldId id="271" r:id="rId14"/>
     <p:sldId id="275" r:id="rId15"/>
     <p:sldId id="272" r:id="rId16"/>
-    <p:sldId id="273" r:id="rId17"/>
-    <p:sldId id="274" r:id="rId18"/>
+    <p:sldId id="276" r:id="rId17"/>
+    <p:sldId id="273" r:id="rId18"/>
+    <p:sldId id="274" r:id="rId19"/>
   </p:sldIdLst>
   <p:sldSz cx="12192000" cy="6858000"/>
   <p:notesSz cx="6858000" cy="9144000"/>
@@ -5543,7 +5544,7 @@
           <a:p>
             <a:fld id="{C128FA71-3A18-48C0-980F-4B68F7F63042}" type="datetime1">
               <a:rPr lang="en-US" smtClean="0"/>
-              <a:t>6/2/2025</a:t>
+              <a:t>6/3/2025</a:t>
             </a:fld>
             <a:endParaRPr lang="en-US"/>
           </a:p>
@@ -5751,7 +5752,7 @@
           <a:p>
             <a:fld id="{7104EDB3-C0E8-45F8-9E1D-1B6C8D1880C0}" type="datetime1">
               <a:rPr lang="en-US" smtClean="0"/>
-              <a:t>6/2/2025</a:t>
+              <a:t>6/3/2025</a:t>
             </a:fld>
             <a:endParaRPr lang="en-US"/>
           </a:p>
@@ -5961,7 +5962,7 @@
           <a:p>
             <a:fld id="{9CF0EC4B-54ED-4041-B552-9BA760FA3DBA}" type="datetime1">
               <a:rPr lang="en-US" smtClean="0"/>
-              <a:t>6/2/2025</a:t>
+              <a:t>6/3/2025</a:t>
             </a:fld>
             <a:endParaRPr lang="en-US"/>
           </a:p>
@@ -6159,7 +6160,7 @@
           <a:p>
             <a:fld id="{51C1210E-201E-4473-82AC-2466F5386C38}" type="datetime1">
               <a:rPr lang="en-US" smtClean="0"/>
-              <a:t>6/2/2025</a:t>
+              <a:t>6/3/2025</a:t>
             </a:fld>
             <a:endParaRPr lang="en-US"/>
           </a:p>
@@ -6437,7 +6438,7 @@
           <a:p>
             <a:fld id="{B01EA198-6CAB-4B8F-B93F-1F9C8C4B6CE7}" type="datetime1">
               <a:rPr lang="en-US" smtClean="0"/>
-              <a:t>6/2/2025</a:t>
+              <a:t>6/3/2025</a:t>
             </a:fld>
             <a:endParaRPr lang="en-US"/>
           </a:p>
@@ -6709,7 +6710,7 @@
           <a:p>
             <a:fld id="{CA06041F-4525-44D5-AA4F-332294BF1F56}" type="datetime1">
               <a:rPr lang="en-US" smtClean="0"/>
-              <a:t>6/2/2025</a:t>
+              <a:t>6/3/2025</a:t>
             </a:fld>
             <a:endParaRPr lang="en-US"/>
           </a:p>
@@ -7133,7 +7134,7 @@
           <a:p>
             <a:fld id="{F9557091-BBDF-4EB9-BA6B-2BB67AC4FC0F}" type="datetime1">
               <a:rPr lang="en-US" smtClean="0"/>
-              <a:t>6/2/2025</a:t>
+              <a:t>6/3/2025</a:t>
             </a:fld>
             <a:endParaRPr lang="en-US"/>
           </a:p>
@@ -7274,7 +7275,7 @@
           <a:p>
             <a:fld id="{2D6B226B-77A6-410C-9796-083F278E0125}" type="datetime1">
               <a:rPr lang="en-US" smtClean="0"/>
-              <a:t>6/2/2025</a:t>
+              <a:t>6/3/2025</a:t>
             </a:fld>
             <a:endParaRPr lang="en-US"/>
           </a:p>
@@ -7387,7 +7388,7 @@
           <a:p>
             <a:fld id="{A23A578B-D289-4C40-8593-3D356C49DA58}" type="datetime1">
               <a:rPr lang="en-US" smtClean="0"/>
-              <a:t>6/2/2025</a:t>
+              <a:t>6/3/2025</a:t>
             </a:fld>
             <a:endParaRPr lang="en-US"/>
           </a:p>
@@ -7706,7 +7707,7 @@
           <a:p>
             <a:fld id="{713DFAE3-14DB-48A7-A80F-80DDB072CE3D}" type="datetime1">
               <a:rPr lang="en-US" smtClean="0"/>
-              <a:t>6/2/2025</a:t>
+              <a:t>6/3/2025</a:t>
             </a:fld>
             <a:endParaRPr lang="en-US"/>
           </a:p>
@@ -8000,7 +8001,7 @@
           <a:p>
             <a:fld id="{92C5EAEF-6478-4102-8F5D-A5FE9FC97ACB}" type="datetime1">
               <a:rPr lang="en-US" smtClean="0"/>
-              <a:t>6/2/2025</a:t>
+              <a:t>6/3/2025</a:t>
             </a:fld>
             <a:endParaRPr lang="en-US"/>
           </a:p>
@@ -8241,7 +8242,7 @@
           <a:p>
             <a:fld id="{67F45AC6-C491-4585-A584-9CE2AF7D5500}" type="datetime1">
               <a:rPr lang="en-US" smtClean="0"/>
-              <a:t>6/2/2025</a:t>
+              <a:t>6/3/2025</a:t>
             </a:fld>
             <a:endParaRPr lang="en-US"/>
           </a:p>
@@ -10351,78 +10352,6 @@
           </a:prstGeom>
         </p:spPr>
       </p:pic>
-      <p:pic>
-        <p:nvPicPr>
-          <p:cNvPr id="11" name="Picture 10" descr="A screen shot of a computer program&#10;&#10;AI-generated content may be incorrect.">
-            <a:extLst>
-              <a:ext uri="{FF2B5EF4-FFF2-40B4-BE49-F238E27FC236}">
-                <a16:creationId xmlns:a16="http://schemas.microsoft.com/office/drawing/2014/main" id="{E02C0645-30DE-6C89-C535-B7EC03C73DF6}"/>
-              </a:ext>
-            </a:extLst>
-          </p:cNvPr>
-          <p:cNvPicPr>
-            <a:picLocks noChangeAspect="1"/>
-          </p:cNvPicPr>
-          <p:nvPr/>
-        </p:nvPicPr>
-        <p:blipFill>
-          <a:blip r:embed="rId4">
-            <a:extLst>
-              <a:ext uri="{28A0092B-C50C-407E-A947-70E740481C1C}">
-                <a14:useLocalDpi xmlns:a14="http://schemas.microsoft.com/office/drawing/2010/main" val="0"/>
-              </a:ext>
-            </a:extLst>
-          </a:blip>
-          <a:stretch>
-            <a:fillRect/>
-          </a:stretch>
-        </p:blipFill>
-        <p:spPr>
-          <a:xfrm>
-            <a:off x="6908654" y="4808271"/>
-            <a:ext cx="3154481" cy="1387971"/>
-          </a:xfrm>
-          <a:prstGeom prst="rect">
-            <a:avLst/>
-          </a:prstGeom>
-        </p:spPr>
-      </p:pic>
-      <p:pic>
-        <p:nvPicPr>
-          <p:cNvPr id="14" name="Picture 13" descr="A blue rectangular sign with white text&#10;&#10;AI-generated content may be incorrect.">
-            <a:extLst>
-              <a:ext uri="{FF2B5EF4-FFF2-40B4-BE49-F238E27FC236}">
-                <a16:creationId xmlns:a16="http://schemas.microsoft.com/office/drawing/2014/main" id="{A9E13D19-3C39-69BA-5447-D1B5D669316D}"/>
-              </a:ext>
-            </a:extLst>
-          </p:cNvPr>
-          <p:cNvPicPr>
-            <a:picLocks noChangeAspect="1"/>
-          </p:cNvPicPr>
-          <p:nvPr/>
-        </p:nvPicPr>
-        <p:blipFill>
-          <a:blip r:embed="rId5">
-            <a:extLst>
-              <a:ext uri="{28A0092B-C50C-407E-A947-70E740481C1C}">
-                <a14:useLocalDpi xmlns:a14="http://schemas.microsoft.com/office/drawing/2010/main" val="0"/>
-              </a:ext>
-            </a:extLst>
-          </a:blip>
-          <a:stretch>
-            <a:fillRect/>
-          </a:stretch>
-        </p:blipFill>
-        <p:spPr>
-          <a:xfrm>
-            <a:off x="6908654" y="3393360"/>
-            <a:ext cx="3154481" cy="962117"/>
-          </a:xfrm>
-          <a:prstGeom prst="rect">
-            <a:avLst/>
-          </a:prstGeom>
-        </p:spPr>
-      </p:pic>
       <p:cxnSp>
         <p:nvCxnSpPr>
           <p:cNvPr id="16" name="Straight Arrow Connector 15">
@@ -10476,14 +10405,15 @@
           </p:cNvPr>
           <p:cNvCxnSpPr>
             <a:cxnSpLocks/>
-            <a:endCxn id="14" idx="0"/>
+            <a:stCxn id="6" idx="2"/>
+            <a:endCxn id="15" idx="0"/>
           </p:cNvCxnSpPr>
           <p:nvPr/>
         </p:nvCxnSpPr>
         <p:spPr>
           <a:xfrm>
-            <a:off x="8485895" y="2947389"/>
-            <a:ext cx="0" cy="445971"/>
+            <a:off x="8515099" y="2911422"/>
+            <a:ext cx="1202" cy="535333"/>
           </a:xfrm>
           <a:prstGeom prst="straightConnector1">
             <a:avLst/>
@@ -10518,15 +10448,15 @@
           </p:cNvPr>
           <p:cNvCxnSpPr>
             <a:cxnSpLocks/>
-            <a:stCxn id="14" idx="2"/>
-            <a:endCxn id="11" idx="0"/>
+            <a:stCxn id="15" idx="2"/>
+            <a:endCxn id="7" idx="0"/>
           </p:cNvCxnSpPr>
           <p:nvPr/>
         </p:nvCxnSpPr>
         <p:spPr>
-          <a:xfrm>
-            <a:off x="8485895" y="4355477"/>
-            <a:ext cx="0" cy="452794"/>
+          <a:xfrm flipH="1">
+            <a:off x="8516300" y="4421647"/>
+            <a:ext cx="1" cy="601009"/>
           </a:xfrm>
           <a:prstGeom prst="straightConnector1">
             <a:avLst/>
@@ -10561,15 +10491,15 @@
           </p:cNvPr>
           <p:cNvCxnSpPr>
             <a:cxnSpLocks/>
-            <a:stCxn id="11" idx="1"/>
+            <a:stCxn id="7" idx="1"/>
             <a:endCxn id="13" idx="3"/>
           </p:cNvCxnSpPr>
           <p:nvPr/>
         </p:nvCxnSpPr>
         <p:spPr>
-          <a:xfrm flipH="1" flipV="1">
+          <a:xfrm flipH="1">
             <a:off x="5094422" y="5498845"/>
-            <a:ext cx="1814232" cy="3412"/>
+            <a:ext cx="1845839" cy="0"/>
           </a:xfrm>
           <a:prstGeom prst="straightConnector1">
             <a:avLst/>
@@ -10651,7 +10581,7 @@
           <p:nvPr/>
         </p:nvPicPr>
         <p:blipFill>
-          <a:blip r:embed="rId6">
+          <a:blip r:embed="rId4">
             <a:extLst>
               <a:ext uri="{28A0092B-C50C-407E-A947-70E740481C1C}">
                 <a14:useLocalDpi xmlns:a14="http://schemas.microsoft.com/office/drawing/2010/main" val="0"/>
@@ -10666,6 +10596,78 @@
           <a:xfrm>
             <a:off x="6937859" y="1985272"/>
             <a:ext cx="3154480" cy="926150"/>
+          </a:xfrm>
+          <a:prstGeom prst="rect">
+            <a:avLst/>
+          </a:prstGeom>
+        </p:spPr>
+      </p:pic>
+      <p:pic>
+        <p:nvPicPr>
+          <p:cNvPr id="7" name="Picture 6" descr="A blue rectangular object with white lines&#10;&#10;AI-generated content may be incorrect.">
+            <a:extLst>
+              <a:ext uri="{FF2B5EF4-FFF2-40B4-BE49-F238E27FC236}">
+                <a16:creationId xmlns:a16="http://schemas.microsoft.com/office/drawing/2014/main" id="{7211B908-541D-96B0-BE44-12F90C564B54}"/>
+              </a:ext>
+            </a:extLst>
+          </p:cNvPr>
+          <p:cNvPicPr>
+            <a:picLocks noChangeAspect="1"/>
+          </p:cNvPicPr>
+          <p:nvPr/>
+        </p:nvPicPr>
+        <p:blipFill>
+          <a:blip r:embed="rId5">
+            <a:extLst>
+              <a:ext uri="{28A0092B-C50C-407E-A947-70E740481C1C}">
+                <a14:useLocalDpi xmlns:a14="http://schemas.microsoft.com/office/drawing/2010/main" val="0"/>
+              </a:ext>
+            </a:extLst>
+          </a:blip>
+          <a:stretch>
+            <a:fillRect/>
+          </a:stretch>
+        </p:blipFill>
+        <p:spPr>
+          <a:xfrm>
+            <a:off x="6940261" y="5022656"/>
+            <a:ext cx="3152078" cy="952378"/>
+          </a:xfrm>
+          <a:prstGeom prst="rect">
+            <a:avLst/>
+          </a:prstGeom>
+        </p:spPr>
+      </p:pic>
+      <p:pic>
+        <p:nvPicPr>
+          <p:cNvPr id="15" name="Picture 14" descr="A blue rectangular object with white text&#10;&#10;AI-generated content may be incorrect.">
+            <a:extLst>
+              <a:ext uri="{FF2B5EF4-FFF2-40B4-BE49-F238E27FC236}">
+                <a16:creationId xmlns:a16="http://schemas.microsoft.com/office/drawing/2014/main" id="{23612D34-46A0-1B9B-176E-75099226FFD8}"/>
+              </a:ext>
+            </a:extLst>
+          </p:cNvPr>
+          <p:cNvPicPr>
+            <a:picLocks noChangeAspect="1"/>
+          </p:cNvPicPr>
+          <p:nvPr/>
+        </p:nvPicPr>
+        <p:blipFill>
+          <a:blip r:embed="rId6">
+            <a:extLst>
+              <a:ext uri="{28A0092B-C50C-407E-A947-70E740481C1C}">
+                <a14:useLocalDpi xmlns:a14="http://schemas.microsoft.com/office/drawing/2010/main" val="0"/>
+              </a:ext>
+            </a:extLst>
+          </a:blip>
+          <a:stretch>
+            <a:fillRect/>
+          </a:stretch>
+        </p:blipFill>
+        <p:spPr>
+          <a:xfrm>
+            <a:off x="6940262" y="3446755"/>
+            <a:ext cx="3152077" cy="974892"/>
           </a:xfrm>
           <a:prstGeom prst="rect">
             <a:avLst/>
@@ -10688,6 +10690,14 @@
 <file path=ppt/slides/slide15.xml><?xml version="1.0" encoding="utf-8"?>
 <p:sld xmlns:a="http://schemas.openxmlformats.org/drawingml/2006/main" xmlns:r="http://schemas.openxmlformats.org/officeDocument/2006/relationships" xmlns:p="http://schemas.openxmlformats.org/presentationml/2006/main">
   <p:cSld>
+    <p:bg>
+      <p:bgPr>
+        <a:solidFill>
+          <a:schemeClr val="bg1"/>
+        </a:solidFill>
+        <a:effectLst/>
+      </p:bgPr>
+    </p:bg>
     <p:spTree>
       <p:nvGrpSpPr>
         <p:cNvPr id="1" name="">
@@ -10710,6 +10720,85 @@
       </p:grpSpPr>
       <p:sp>
         <p:nvSpPr>
+          <p:cNvPr id="19" name="Rectangle 18">
+            <a:extLst>
+              <a:ext uri="{FF2B5EF4-FFF2-40B4-BE49-F238E27FC236}">
+                <a16:creationId xmlns:a16="http://schemas.microsoft.com/office/drawing/2014/main" id="{38ECB335-5FC8-6420-CF56-EDEFA115C672}"/>
+              </a:ext>
+              <a:ext uri="{C183D7F6-B498-43B3-948B-1728B52AA6E4}">
+                <adec:decorative xmlns:adec="http://schemas.microsoft.com/office/drawing/2017/decorative" val="1"/>
+              </a:ext>
+            </a:extLst>
+          </p:cNvPr>
+          <p:cNvSpPr>
+            <a:spLocks noGrp="1" noRot="1" noChangeAspect="1" noMove="1" noResize="1" noEditPoints="1" noAdjustHandles="1" noChangeArrowheads="1" noChangeShapeType="1" noTextEdit="1"/>
+          </p:cNvSpPr>
+          <p:nvPr>
+            <p:extLst>
+              <p:ext uri="{386F3935-93C4-4BCD-93E2-E3B085C9AB24}">
+                <p16:designElem xmlns:p16="http://schemas.microsoft.com/office/powerpoint/2015/main" val="1"/>
+              </p:ext>
+            </p:extLst>
+          </p:nvPr>
+        </p:nvSpPr>
+        <p:spPr>
+          <a:xfrm>
+            <a:off x="0" y="0"/>
+            <a:ext cx="12192000" cy="6858000"/>
+          </a:xfrm>
+          <a:prstGeom prst="rect">
+            <a:avLst/>
+          </a:prstGeom>
+          <a:solidFill>
+            <a:schemeClr val="bg1"/>
+          </a:solidFill>
+          <a:ln w="12700" cap="flat" cmpd="sng" algn="ctr">
+            <a:noFill/>
+            <a:prstDash val="solid"/>
+            <a:miter lim="800000"/>
+          </a:ln>
+          <a:effectLst/>
+          <a:extLst>
+            <a:ext uri="{91240B29-F687-4F45-9708-019B960494DF}">
+              <a14:hiddenLine xmlns:a14="http://schemas.microsoft.com/office/drawing/2010/main" w="12700" cap="flat" cmpd="sng" algn="ctr">
+                <a:solidFill>
+                  <a:schemeClr val="accent1">
+                    <a:shade val="15000"/>
+                  </a:schemeClr>
+                </a:solidFill>
+                <a:prstDash val="solid"/>
+                <a:miter lim="800000"/>
+              </a14:hiddenLine>
+            </a:ext>
+          </a:extLst>
+        </p:spPr>
+        <p:style>
+          <a:lnRef idx="2">
+            <a:schemeClr val="accent1">
+              <a:shade val="15000"/>
+            </a:schemeClr>
+          </a:lnRef>
+          <a:fillRef idx="1">
+            <a:schemeClr val="accent1"/>
+          </a:fillRef>
+          <a:effectRef idx="0">
+            <a:schemeClr val="accent1"/>
+          </a:effectRef>
+          <a:fontRef idx="minor">
+            <a:schemeClr val="lt1"/>
+          </a:fontRef>
+        </p:style>
+        <p:txBody>
+          <a:bodyPr rtlCol="0" anchor="ctr"/>
+          <a:lstStyle/>
+          <a:p>
+            <a:pPr algn="ctr"/>
+            <a:endParaRPr lang="en-US"/>
+          </a:p>
+        </p:txBody>
+      </p:sp>
+      <p:sp>
+        <p:nvSpPr>
           <p:cNvPr id="2" name="Title 1">
             <a:extLst>
               <a:ext uri="{FF2B5EF4-FFF2-40B4-BE49-F238E27FC236}">
@@ -10724,47 +10813,305 @@
             <p:ph type="title"/>
           </p:nvPr>
         </p:nvSpPr>
-        <p:spPr/>
+        <p:spPr>
+          <a:xfrm>
+            <a:off x="444361" y="643467"/>
+            <a:ext cx="11402404" cy="1363133"/>
+          </a:xfrm>
+        </p:spPr>
         <p:txBody>
-          <a:bodyPr/>
+          <a:bodyPr vert="horz" lIns="91440" tIns="45720" rIns="91440" bIns="45720" rtlCol="0" anchor="b">
+            <a:normAutofit/>
+          </a:bodyPr>
           <a:lstStyle/>
           <a:p>
+            <a:pPr algn="ctr"/>
+            <a:r>
+              <a:rPr lang="en-US" sz="4300" dirty="0" err="1"/>
+              <a:t>Resultado</a:t>
+            </a:r>
+            <a:r>
+              <a:rPr lang="en-US" sz="4300" dirty="0"/>
+              <a:t> WAF </a:t>
+            </a:r>
+            <a:br>
+              <a:rPr lang="en-US" sz="4300" dirty="0"/>
+            </a:br>
+            <a:r>
+              <a:rPr lang="en-US" sz="4300" dirty="0"/>
+              <a:t>(Testes com Kali Linux)</a:t>
+            </a:r>
+          </a:p>
+        </p:txBody>
+      </p:sp>
+      <p:pic>
+        <p:nvPicPr>
+          <p:cNvPr id="7" name="Picture 6" descr="A screenshot of a computer&#10;&#10;AI-generated content may be incorrect.">
+            <a:extLst>
+              <a:ext uri="{FF2B5EF4-FFF2-40B4-BE49-F238E27FC236}">
+                <a16:creationId xmlns:a16="http://schemas.microsoft.com/office/drawing/2014/main" id="{C8240CEB-80C9-F73D-CB8A-1515B6B26308}"/>
+              </a:ext>
+            </a:extLst>
+          </p:cNvPr>
+          <p:cNvPicPr>
+            <a:picLocks noChangeAspect="1"/>
+          </p:cNvPicPr>
+          <p:nvPr/>
+        </p:nvPicPr>
+        <p:blipFill>
+          <a:blip r:embed="rId2">
+            <a:extLst>
+              <a:ext uri="{28A0092B-C50C-407E-A947-70E740481C1C}">
+                <a14:useLocalDpi xmlns:a14="http://schemas.microsoft.com/office/drawing/2010/main" val="0"/>
+              </a:ext>
+            </a:extLst>
+          </a:blip>
+          <a:stretch>
+            <a:fillRect/>
+          </a:stretch>
+        </p:blipFill>
+        <p:spPr>
+          <a:xfrm>
+            <a:off x="4321335" y="2557906"/>
+            <a:ext cx="3648456" cy="2636009"/>
+          </a:xfrm>
+          <a:prstGeom prst="rect">
+            <a:avLst/>
+          </a:prstGeom>
+        </p:spPr>
+      </p:pic>
+      <p:pic>
+        <p:nvPicPr>
+          <p:cNvPr id="9" name="Picture 8" descr="A screenshot of a computer&#10;&#10;AI-generated content may be incorrect.">
+            <a:extLst>
+              <a:ext uri="{FF2B5EF4-FFF2-40B4-BE49-F238E27FC236}">
+                <a16:creationId xmlns:a16="http://schemas.microsoft.com/office/drawing/2014/main" id="{10958812-BA9B-F101-EADB-2A79A939C41D}"/>
+              </a:ext>
+            </a:extLst>
+          </p:cNvPr>
+          <p:cNvPicPr>
+            <a:picLocks noChangeAspect="1"/>
+          </p:cNvPicPr>
+          <p:nvPr/>
+        </p:nvPicPr>
+        <p:blipFill>
+          <a:blip r:embed="rId3">
+            <a:extLst>
+              <a:ext uri="{28A0092B-C50C-407E-A947-70E740481C1C}">
+                <a14:useLocalDpi xmlns:a14="http://schemas.microsoft.com/office/drawing/2010/main" val="0"/>
+              </a:ext>
+            </a:extLst>
+          </a:blip>
+          <a:stretch>
+            <a:fillRect/>
+          </a:stretch>
+        </p:blipFill>
+        <p:spPr>
+          <a:xfrm>
+            <a:off x="8198309" y="3009402"/>
+            <a:ext cx="3648456" cy="1733016"/>
+          </a:xfrm>
+          <a:prstGeom prst="rect">
+            <a:avLst/>
+          </a:prstGeom>
+        </p:spPr>
+      </p:pic>
+      <p:pic>
+        <p:nvPicPr>
+          <p:cNvPr id="5" name="Content Placeholder 4" descr="A screenshot of a computer&#10;&#10;AI-generated content may be incorrect.">
+            <a:extLst>
+              <a:ext uri="{FF2B5EF4-FFF2-40B4-BE49-F238E27FC236}">
+                <a16:creationId xmlns:a16="http://schemas.microsoft.com/office/drawing/2014/main" id="{677138F3-0575-2B62-C7CB-3D5DEE26F576}"/>
+              </a:ext>
+            </a:extLst>
+          </p:cNvPr>
+          <p:cNvPicPr>
+            <a:picLocks noGrp="1" noChangeAspect="1"/>
+          </p:cNvPicPr>
+          <p:nvPr>
+            <p:ph idx="1"/>
+          </p:nvPr>
+        </p:nvPicPr>
+        <p:blipFill>
+          <a:blip r:embed="rId4">
+            <a:extLst>
+              <a:ext uri="{28A0092B-C50C-407E-A947-70E740481C1C}">
+                <a14:useLocalDpi xmlns:a14="http://schemas.microsoft.com/office/drawing/2010/main" val="0"/>
+              </a:ext>
+            </a:extLst>
+          </a:blip>
+          <a:stretch>
+            <a:fillRect/>
+          </a:stretch>
+        </p:blipFill>
+        <p:spPr>
+          <a:xfrm>
+            <a:off x="444361" y="3319520"/>
+            <a:ext cx="3648456" cy="1112779"/>
+          </a:xfrm>
+          <a:prstGeom prst="rect">
+            <a:avLst/>
+          </a:prstGeom>
+        </p:spPr>
+      </p:pic>
+      <p:sp>
+        <p:nvSpPr>
+          <p:cNvPr id="10" name="TextBox 9">
+            <a:extLst>
+              <a:ext uri="{FF2B5EF4-FFF2-40B4-BE49-F238E27FC236}">
+                <a16:creationId xmlns:a16="http://schemas.microsoft.com/office/drawing/2014/main" id="{52FD557E-738E-6C47-484F-4272583E88BE}"/>
+              </a:ext>
+            </a:extLst>
+          </p:cNvPr>
+          <p:cNvSpPr txBox="1"/>
+          <p:nvPr/>
+        </p:nvSpPr>
+        <p:spPr>
+          <a:xfrm>
+            <a:off x="1347503" y="4660490"/>
+            <a:ext cx="1842171" cy="369332"/>
+          </a:xfrm>
+          <a:prstGeom prst="rect">
+            <a:avLst/>
+          </a:prstGeom>
+        </p:spPr>
+        <p:style>
+          <a:lnRef idx="2">
+            <a:schemeClr val="accent1"/>
+          </a:lnRef>
+          <a:fillRef idx="1">
+            <a:schemeClr val="lt1"/>
+          </a:fillRef>
+          <a:effectRef idx="0">
+            <a:schemeClr val="accent1"/>
+          </a:effectRef>
+          <a:fontRef idx="minor">
+            <a:schemeClr val="dk1"/>
+          </a:fontRef>
+        </p:style>
+        <p:txBody>
+          <a:bodyPr wrap="none" rtlCol="0">
+            <a:spAutoFit/>
+          </a:bodyPr>
+          <a:lstStyle/>
+          <a:p>
             <a:r>
               <a:rPr lang="pt-PT" dirty="0"/>
-              <a:t>Resultado WAF </a:t>
-            </a:r>
-            <a:br>
-              <a:rPr lang="pt-PT" dirty="0"/>
-            </a:br>
-            <a:r>
-              <a:rPr lang="pt-PT" dirty="0"/>
-              <a:t>(Testes com Kali Linux)</a:t>
+              <a:t>Sem Proteções</a:t>
             </a:r>
           </a:p>
         </p:txBody>
       </p:sp>
       <p:sp>
         <p:nvSpPr>
-          <p:cNvPr id="3" name="Content Placeholder 2">
-            <a:extLst>
-              <a:ext uri="{FF2B5EF4-FFF2-40B4-BE49-F238E27FC236}">
-                <a16:creationId xmlns:a16="http://schemas.microsoft.com/office/drawing/2014/main" id="{F2039C19-756A-464E-EE23-76F1595EACD2}"/>
-              </a:ext>
-            </a:extLst>
-          </p:cNvPr>
-          <p:cNvSpPr>
-            <a:spLocks noGrp="1"/>
-          </p:cNvSpPr>
-          <p:nvPr>
-            <p:ph idx="1"/>
-          </p:nvPr>
+          <p:cNvPr id="11" name="TextBox 10">
+            <a:extLst>
+              <a:ext uri="{FF2B5EF4-FFF2-40B4-BE49-F238E27FC236}">
+                <a16:creationId xmlns:a16="http://schemas.microsoft.com/office/drawing/2014/main" id="{2F6A11AE-3DE7-F1ED-6199-F9C8969CE983}"/>
+              </a:ext>
+            </a:extLst>
+          </p:cNvPr>
+          <p:cNvSpPr txBox="1"/>
+          <p:nvPr/>
         </p:nvSpPr>
-        <p:spPr/>
+        <p:spPr>
+          <a:xfrm>
+            <a:off x="4352444" y="5471959"/>
+            <a:ext cx="3586238" cy="369332"/>
+          </a:xfrm>
+          <a:prstGeom prst="rect">
+            <a:avLst/>
+          </a:prstGeom>
+        </p:spPr>
+        <p:style>
+          <a:lnRef idx="2">
+            <a:schemeClr val="accent1"/>
+          </a:lnRef>
+          <a:fillRef idx="1">
+            <a:schemeClr val="lt1"/>
+          </a:fillRef>
+          <a:effectRef idx="0">
+            <a:schemeClr val="accent1"/>
+          </a:effectRef>
+          <a:fontRef idx="minor">
+            <a:schemeClr val="dk1"/>
+          </a:fontRef>
+        </p:style>
         <p:txBody>
-          <a:bodyPr/>
+          <a:bodyPr wrap="none" rtlCol="0">
+            <a:spAutoFit/>
+          </a:bodyPr>
           <a:lstStyle/>
           <a:p>
-            <a:endParaRPr lang="pt-PT"/>
+            <a:r>
+              <a:rPr lang="pt-PT" dirty="0"/>
+              <a:t>IP </a:t>
+            </a:r>
+            <a:r>
+              <a:rPr lang="pt-PT" dirty="0" err="1"/>
+              <a:t>BlackList</a:t>
+            </a:r>
+            <a:r>
+              <a:rPr lang="pt-PT" dirty="0"/>
+              <a:t>/</a:t>
+            </a:r>
+            <a:r>
+              <a:rPr lang="pt-PT" dirty="0" err="1"/>
+              <a:t>Paises</a:t>
+            </a:r>
+            <a:r>
+              <a:rPr lang="pt-PT" dirty="0"/>
+              <a:t> Bloqueados</a:t>
+            </a:r>
+          </a:p>
+        </p:txBody>
+      </p:sp>
+      <p:sp>
+        <p:nvSpPr>
+          <p:cNvPr id="12" name="TextBox 11">
+            <a:extLst>
+              <a:ext uri="{FF2B5EF4-FFF2-40B4-BE49-F238E27FC236}">
+                <a16:creationId xmlns:a16="http://schemas.microsoft.com/office/drawing/2014/main" id="{9BAA9D3C-2123-97C0-B500-C60AD4261230}"/>
+              </a:ext>
+            </a:extLst>
+          </p:cNvPr>
+          <p:cNvSpPr txBox="1"/>
+          <p:nvPr/>
+        </p:nvSpPr>
+        <p:spPr>
+          <a:xfrm>
+            <a:off x="9472546" y="5009249"/>
+            <a:ext cx="1099981" cy="369332"/>
+          </a:xfrm>
+          <a:prstGeom prst="rect">
+            <a:avLst/>
+          </a:prstGeom>
+        </p:spPr>
+        <p:style>
+          <a:lnRef idx="2">
+            <a:schemeClr val="accent1"/>
+          </a:lnRef>
+          <a:fillRef idx="1">
+            <a:schemeClr val="lt1"/>
+          </a:fillRef>
+          <a:effectRef idx="0">
+            <a:schemeClr val="accent1"/>
+          </a:effectRef>
+          <a:fontRef idx="minor">
+            <a:schemeClr val="dk1"/>
+          </a:fontRef>
+        </p:style>
+        <p:txBody>
+          <a:bodyPr wrap="none" rtlCol="0">
+            <a:spAutoFit/>
+          </a:bodyPr>
+          <a:lstStyle/>
+          <a:p>
+            <a:r>
+              <a:rPr lang="pt-PT" dirty="0" err="1"/>
+              <a:t>Captcha</a:t>
+            </a:r>
+            <a:endParaRPr lang="pt-PT" dirty="0"/>
           </a:p>
         </p:txBody>
       </p:sp>
@@ -10794,6 +11141,436 @@
 </file>
 
 <file path=ppt/slides/slide16.xml><?xml version="1.0" encoding="utf-8"?>
+<p:sld xmlns:a="http://schemas.openxmlformats.org/drawingml/2006/main" xmlns:r="http://schemas.openxmlformats.org/officeDocument/2006/relationships" xmlns:p="http://schemas.openxmlformats.org/presentationml/2006/main">
+  <p:cSld>
+    <p:bg>
+      <p:bgPr>
+        <a:solidFill>
+          <a:schemeClr val="bg1"/>
+        </a:solidFill>
+        <a:effectLst/>
+      </p:bgPr>
+    </p:bg>
+    <p:spTree>
+      <p:nvGrpSpPr>
+        <p:cNvPr id="1" name=""/>
+        <p:cNvGrpSpPr/>
+        <p:nvPr/>
+      </p:nvGrpSpPr>
+      <p:grpSpPr>
+        <a:xfrm>
+          <a:off x="0" y="0"/>
+          <a:ext cx="0" cy="0"/>
+          <a:chOff x="0" y="0"/>
+          <a:chExt cx="0" cy="0"/>
+        </a:xfrm>
+      </p:grpSpPr>
+      <p:sp>
+        <p:nvSpPr>
+          <p:cNvPr id="16" name="Rectangle 15">
+            <a:extLst>
+              <a:ext uri="{FF2B5EF4-FFF2-40B4-BE49-F238E27FC236}">
+                <a16:creationId xmlns:a16="http://schemas.microsoft.com/office/drawing/2014/main" id="{8CAE37EF-F4E3-85EC-A603-860B29931FFF}"/>
+              </a:ext>
+              <a:ext uri="{C183D7F6-B498-43B3-948B-1728B52AA6E4}">
+                <adec:decorative xmlns:adec="http://schemas.microsoft.com/office/drawing/2017/decorative" val="1"/>
+              </a:ext>
+            </a:extLst>
+          </p:cNvPr>
+          <p:cNvSpPr>
+            <a:spLocks noGrp="1" noRot="1" noChangeAspect="1" noMove="1" noResize="1" noEditPoints="1" noAdjustHandles="1" noChangeArrowheads="1" noChangeShapeType="1" noTextEdit="1"/>
+          </p:cNvSpPr>
+          <p:nvPr>
+            <p:extLst>
+              <p:ext uri="{386F3935-93C4-4BCD-93E2-E3B085C9AB24}">
+                <p16:designElem xmlns:p16="http://schemas.microsoft.com/office/powerpoint/2015/main" val="1"/>
+              </p:ext>
+            </p:extLst>
+          </p:nvPr>
+        </p:nvSpPr>
+        <p:spPr>
+          <a:xfrm>
+            <a:off x="0" y="0"/>
+            <a:ext cx="12192000" cy="6858000"/>
+          </a:xfrm>
+          <a:prstGeom prst="rect">
+            <a:avLst/>
+          </a:prstGeom>
+          <a:solidFill>
+            <a:schemeClr val="bg1"/>
+          </a:solidFill>
+          <a:ln w="12700" cap="flat" cmpd="sng" algn="ctr">
+            <a:noFill/>
+            <a:prstDash val="solid"/>
+            <a:miter lim="800000"/>
+          </a:ln>
+          <a:effectLst/>
+          <a:extLst>
+            <a:ext uri="{91240B29-F687-4F45-9708-019B960494DF}">
+              <a14:hiddenLine xmlns:a14="http://schemas.microsoft.com/office/drawing/2010/main" w="12700" cap="flat" cmpd="sng" algn="ctr">
+                <a:solidFill>
+                  <a:schemeClr val="accent1">
+                    <a:shade val="15000"/>
+                  </a:schemeClr>
+                </a:solidFill>
+                <a:prstDash val="solid"/>
+                <a:miter lim="800000"/>
+              </a14:hiddenLine>
+            </a:ext>
+          </a:extLst>
+        </p:spPr>
+        <p:style>
+          <a:lnRef idx="2">
+            <a:schemeClr val="accent1">
+              <a:shade val="15000"/>
+            </a:schemeClr>
+          </a:lnRef>
+          <a:fillRef idx="1">
+            <a:schemeClr val="accent1"/>
+          </a:fillRef>
+          <a:effectRef idx="0">
+            <a:schemeClr val="accent1"/>
+          </a:effectRef>
+          <a:fontRef idx="minor">
+            <a:schemeClr val="lt1"/>
+          </a:fontRef>
+        </p:style>
+        <p:txBody>
+          <a:bodyPr rtlCol="0" anchor="ctr"/>
+          <a:lstStyle/>
+          <a:p>
+            <a:pPr algn="ctr"/>
+            <a:endParaRPr lang="en-US"/>
+          </a:p>
+        </p:txBody>
+      </p:sp>
+      <p:pic>
+        <p:nvPicPr>
+          <p:cNvPr id="7" name="Picture 6" descr="A screenshot of a computer program&#10;&#10;AI-generated content may be incorrect.">
+            <a:extLst>
+              <a:ext uri="{FF2B5EF4-FFF2-40B4-BE49-F238E27FC236}">
+                <a16:creationId xmlns:a16="http://schemas.microsoft.com/office/drawing/2014/main" id="{83CD483E-322C-3FFB-C860-E6F506E01079}"/>
+              </a:ext>
+            </a:extLst>
+          </p:cNvPr>
+          <p:cNvPicPr>
+            <a:picLocks noChangeAspect="1"/>
+          </p:cNvPicPr>
+          <p:nvPr/>
+        </p:nvPicPr>
+        <p:blipFill>
+          <a:blip r:embed="rId2">
+            <a:extLst>
+              <a:ext uri="{28A0092B-C50C-407E-A947-70E740481C1C}">
+                <a14:useLocalDpi xmlns:a14="http://schemas.microsoft.com/office/drawing/2010/main" val="0"/>
+              </a:ext>
+            </a:extLst>
+          </a:blip>
+          <a:stretch>
+            <a:fillRect/>
+          </a:stretch>
+        </p:blipFill>
+        <p:spPr>
+          <a:xfrm>
+            <a:off x="150660" y="4464434"/>
+            <a:ext cx="5841442" cy="1358133"/>
+          </a:xfrm>
+          <a:prstGeom prst="rect">
+            <a:avLst/>
+          </a:prstGeom>
+        </p:spPr>
+      </p:pic>
+      <p:pic>
+        <p:nvPicPr>
+          <p:cNvPr id="5" name="Content Placeholder 4" descr="A black screen with white text&#10;&#10;AI-generated content may be incorrect.">
+            <a:extLst>
+              <a:ext uri="{FF2B5EF4-FFF2-40B4-BE49-F238E27FC236}">
+                <a16:creationId xmlns:a16="http://schemas.microsoft.com/office/drawing/2014/main" id="{966A7010-55C3-4CEC-9360-152EF75B97A9}"/>
+              </a:ext>
+            </a:extLst>
+          </p:cNvPr>
+          <p:cNvPicPr>
+            <a:picLocks noGrp="1" noChangeAspect="1"/>
+          </p:cNvPicPr>
+          <p:nvPr>
+            <p:ph idx="1"/>
+          </p:nvPr>
+        </p:nvPicPr>
+        <p:blipFill>
+          <a:blip r:embed="rId3">
+            <a:extLst>
+              <a:ext uri="{28A0092B-C50C-407E-A947-70E740481C1C}">
+                <a14:useLocalDpi xmlns:a14="http://schemas.microsoft.com/office/drawing/2010/main" val="0"/>
+              </a:ext>
+            </a:extLst>
+          </a:blip>
+          <a:stretch>
+            <a:fillRect/>
+          </a:stretch>
+        </p:blipFill>
+        <p:spPr>
+          <a:xfrm>
+            <a:off x="2878727" y="1820365"/>
+            <a:ext cx="6434545" cy="1608635"/>
+          </a:xfrm>
+          <a:prstGeom prst="rect">
+            <a:avLst/>
+          </a:prstGeom>
+        </p:spPr>
+      </p:pic>
+      <p:pic>
+        <p:nvPicPr>
+          <p:cNvPr id="9" name="Picture 8" descr="A black screen with white text&#10;&#10;AI-generated content may be incorrect.">
+            <a:extLst>
+              <a:ext uri="{FF2B5EF4-FFF2-40B4-BE49-F238E27FC236}">
+                <a16:creationId xmlns:a16="http://schemas.microsoft.com/office/drawing/2014/main" id="{AB8D6E77-9797-BD42-D29A-AEE2AE41A5E2}"/>
+              </a:ext>
+            </a:extLst>
+          </p:cNvPr>
+          <p:cNvPicPr>
+            <a:picLocks noChangeAspect="1"/>
+          </p:cNvPicPr>
+          <p:nvPr/>
+        </p:nvPicPr>
+        <p:blipFill>
+          <a:blip r:embed="rId4">
+            <a:extLst>
+              <a:ext uri="{28A0092B-C50C-407E-A947-70E740481C1C}">
+                <a14:useLocalDpi xmlns:a14="http://schemas.microsoft.com/office/drawing/2010/main" val="0"/>
+              </a:ext>
+            </a:extLst>
+          </a:blip>
+          <a:stretch>
+            <a:fillRect/>
+          </a:stretch>
+        </p:blipFill>
+        <p:spPr>
+          <a:xfrm>
+            <a:off x="6195887" y="4426713"/>
+            <a:ext cx="5851321" cy="1433573"/>
+          </a:xfrm>
+          <a:prstGeom prst="rect">
+            <a:avLst/>
+          </a:prstGeom>
+        </p:spPr>
+      </p:pic>
+      <p:sp>
+        <p:nvSpPr>
+          <p:cNvPr id="12" name="Title 1">
+            <a:extLst>
+              <a:ext uri="{FF2B5EF4-FFF2-40B4-BE49-F238E27FC236}">
+                <a16:creationId xmlns:a16="http://schemas.microsoft.com/office/drawing/2014/main" id="{0962BBCC-E5CF-9F32-7F33-64614AA7B2CD}"/>
+              </a:ext>
+            </a:extLst>
+          </p:cNvPr>
+          <p:cNvSpPr>
+            <a:spLocks noGrp="1"/>
+          </p:cNvSpPr>
+          <p:nvPr>
+            <p:ph type="title"/>
+          </p:nvPr>
+        </p:nvSpPr>
+        <p:spPr>
+          <a:xfrm>
+            <a:off x="593111" y="260224"/>
+            <a:ext cx="10653713" cy="1131888"/>
+          </a:xfrm>
+        </p:spPr>
+        <p:txBody>
+          <a:bodyPr vert="horz" lIns="91440" tIns="45720" rIns="91440" bIns="45720" rtlCol="0" anchor="b">
+            <a:normAutofit fontScale="90000"/>
+          </a:bodyPr>
+          <a:lstStyle/>
+          <a:p>
+            <a:pPr algn="ctr"/>
+            <a:r>
+              <a:rPr lang="en-US" sz="4300" dirty="0" err="1"/>
+              <a:t>Resultado</a:t>
+            </a:r>
+            <a:r>
+              <a:rPr lang="en-US" sz="4300" dirty="0"/>
+              <a:t> WAF </a:t>
+            </a:r>
+            <a:br>
+              <a:rPr lang="en-US" sz="4300" dirty="0"/>
+            </a:br>
+            <a:r>
+              <a:rPr lang="en-US" sz="4300" dirty="0"/>
+              <a:t>(Testes com Kali Linux)</a:t>
+            </a:r>
+          </a:p>
+        </p:txBody>
+      </p:sp>
+      <p:sp>
+        <p:nvSpPr>
+          <p:cNvPr id="13" name="TextBox 12">
+            <a:extLst>
+              <a:ext uri="{FF2B5EF4-FFF2-40B4-BE49-F238E27FC236}">
+                <a16:creationId xmlns:a16="http://schemas.microsoft.com/office/drawing/2014/main" id="{80791D8F-B1A1-D7CF-103E-0A98F9BF05C4}"/>
+              </a:ext>
+            </a:extLst>
+          </p:cNvPr>
+          <p:cNvSpPr txBox="1"/>
+          <p:nvPr/>
+        </p:nvSpPr>
+        <p:spPr>
+          <a:xfrm>
+            <a:off x="5072321" y="3558524"/>
+            <a:ext cx="2047355" cy="369332"/>
+          </a:xfrm>
+          <a:prstGeom prst="rect">
+            <a:avLst/>
+          </a:prstGeom>
+        </p:spPr>
+        <p:style>
+          <a:lnRef idx="2">
+            <a:schemeClr val="accent1"/>
+          </a:lnRef>
+          <a:fillRef idx="1">
+            <a:schemeClr val="lt1"/>
+          </a:fillRef>
+          <a:effectRef idx="0">
+            <a:schemeClr val="accent1"/>
+          </a:effectRef>
+          <a:fontRef idx="minor">
+            <a:schemeClr val="dk1"/>
+          </a:fontRef>
+        </p:style>
+        <p:txBody>
+          <a:bodyPr wrap="none" rtlCol="0">
+            <a:spAutoFit/>
+          </a:bodyPr>
+          <a:lstStyle/>
+          <a:p>
+            <a:r>
+              <a:rPr lang="pt-PT" dirty="0" err="1"/>
+              <a:t>Nikto</a:t>
+            </a:r>
+            <a:r>
+              <a:rPr lang="pt-PT" dirty="0"/>
+              <a:t> ao Servidor</a:t>
+            </a:r>
+          </a:p>
+        </p:txBody>
+      </p:sp>
+      <p:sp>
+        <p:nvSpPr>
+          <p:cNvPr id="15" name="TextBox 14">
+            <a:extLst>
+              <a:ext uri="{FF2B5EF4-FFF2-40B4-BE49-F238E27FC236}">
+                <a16:creationId xmlns:a16="http://schemas.microsoft.com/office/drawing/2014/main" id="{35B68B0D-2456-8753-FD00-B5314F3E4157}"/>
+              </a:ext>
+            </a:extLst>
+          </p:cNvPr>
+          <p:cNvSpPr txBox="1"/>
+          <p:nvPr/>
+        </p:nvSpPr>
+        <p:spPr>
+          <a:xfrm>
+            <a:off x="1853740" y="5989811"/>
+            <a:ext cx="2435282" cy="369332"/>
+          </a:xfrm>
+          <a:prstGeom prst="rect">
+            <a:avLst/>
+          </a:prstGeom>
+        </p:spPr>
+        <p:style>
+          <a:lnRef idx="2">
+            <a:schemeClr val="accent1"/>
+          </a:lnRef>
+          <a:fillRef idx="1">
+            <a:schemeClr val="lt1"/>
+          </a:fillRef>
+          <a:effectRef idx="0">
+            <a:schemeClr val="accent1"/>
+          </a:effectRef>
+          <a:fontRef idx="minor">
+            <a:schemeClr val="dk1"/>
+          </a:fontRef>
+        </p:style>
+        <p:txBody>
+          <a:bodyPr wrap="none" rtlCol="0">
+            <a:spAutoFit/>
+          </a:bodyPr>
+          <a:lstStyle/>
+          <a:p>
+            <a:r>
+              <a:rPr lang="pt-PT" dirty="0" err="1"/>
+              <a:t>Nikto</a:t>
+            </a:r>
+            <a:r>
+              <a:rPr lang="pt-PT" dirty="0"/>
+              <a:t> sem Proteções</a:t>
+            </a:r>
+          </a:p>
+        </p:txBody>
+      </p:sp>
+      <p:sp>
+        <p:nvSpPr>
+          <p:cNvPr id="17" name="TextBox 16">
+            <a:extLst>
+              <a:ext uri="{FF2B5EF4-FFF2-40B4-BE49-F238E27FC236}">
+                <a16:creationId xmlns:a16="http://schemas.microsoft.com/office/drawing/2014/main" id="{DA6101CD-8224-5AB0-A012-91337444E548}"/>
+              </a:ext>
+            </a:extLst>
+          </p:cNvPr>
+          <p:cNvSpPr txBox="1"/>
+          <p:nvPr/>
+        </p:nvSpPr>
+        <p:spPr>
+          <a:xfrm>
+            <a:off x="8088417" y="5989811"/>
+            <a:ext cx="2449710" cy="369332"/>
+          </a:xfrm>
+          <a:prstGeom prst="rect">
+            <a:avLst/>
+          </a:prstGeom>
+        </p:spPr>
+        <p:style>
+          <a:lnRef idx="2">
+            <a:schemeClr val="accent1"/>
+          </a:lnRef>
+          <a:fillRef idx="1">
+            <a:schemeClr val="lt1"/>
+          </a:fillRef>
+          <a:effectRef idx="0">
+            <a:schemeClr val="accent1"/>
+          </a:effectRef>
+          <a:fontRef idx="minor">
+            <a:schemeClr val="dk1"/>
+          </a:fontRef>
+        </p:style>
+        <p:txBody>
+          <a:bodyPr wrap="none" rtlCol="0">
+            <a:spAutoFit/>
+          </a:bodyPr>
+          <a:lstStyle/>
+          <a:p>
+            <a:r>
+              <a:rPr lang="pt-PT" dirty="0" err="1"/>
+              <a:t>Nikto</a:t>
+            </a:r>
+            <a:r>
+              <a:rPr lang="pt-PT" dirty="0"/>
+              <a:t> com Proteções</a:t>
+            </a:r>
+          </a:p>
+        </p:txBody>
+      </p:sp>
+    </p:spTree>
+    <p:extLst>
+      <p:ext uri="{BB962C8B-B14F-4D97-AF65-F5344CB8AC3E}">
+        <p14:creationId xmlns:p14="http://schemas.microsoft.com/office/powerpoint/2010/main" val="2007006517"/>
+      </p:ext>
+    </p:extLst>
+  </p:cSld>
+  <p:clrMapOvr>
+    <a:masterClrMapping/>
+  </p:clrMapOvr>
+</p:sld>
+</file>
+
+<file path=ppt/slides/slide17.xml><?xml version="1.0" encoding="utf-8"?>
 <p:sld xmlns:a="http://schemas.openxmlformats.org/drawingml/2006/main" xmlns:r="http://schemas.openxmlformats.org/officeDocument/2006/relationships" xmlns:p="http://schemas.openxmlformats.org/presentationml/2006/main">
   <p:cSld>
     <p:bg>
@@ -11040,7 +11817,7 @@
 </p:sld>
 </file>
 
-<file path=ppt/slides/slide17.xml><?xml version="1.0" encoding="utf-8"?>
+<file path=ppt/slides/slide18.xml><?xml version="1.0" encoding="utf-8"?>
 <p:sld xmlns:a="http://schemas.openxmlformats.org/drawingml/2006/main" xmlns:r="http://schemas.openxmlformats.org/officeDocument/2006/relationships" xmlns:p="http://schemas.openxmlformats.org/presentationml/2006/main">
   <p:cSld>
     <p:bg>

--- a/Presentation/SlidesApresentaçãoProjeto.pptx
+++ b/Presentation/SlidesApresentaçãoProjeto.pptx
@@ -127,6 +127,51 @@
     </p:ext>
   </p:extLst>
 </p:presentation>
+</file>
+
+<file path=ppt/changesInfos/changesInfo1.xml><?xml version="1.0" encoding="utf-8"?>
+<pc:chgInfo xmlns:a="http://schemas.openxmlformats.org/drawingml/2006/main" xmlns:r="http://schemas.openxmlformats.org/officeDocument/2006/relationships" xmlns:ac="http://schemas.microsoft.com/office/drawing/2013/main/command" xmlns:pc="http://schemas.microsoft.com/office/powerpoint/2013/main/command">
+  <pc:docChgLst>
+    <pc:chgData name="Paulo António Tavares Abade" userId="c7e8cc63-a5fc-427a-a897-b95c08b7d266" providerId="ADAL" clId="{1E74A60B-70DE-4081-9950-13C8772E2BB0}"/>
+    <pc:docChg chg="custSel modSld">
+      <pc:chgData name="Paulo António Tavares Abade" userId="c7e8cc63-a5fc-427a-a897-b95c08b7d266" providerId="ADAL" clId="{1E74A60B-70DE-4081-9950-13C8772E2BB0}" dt="2025-06-03T15:02:46.646" v="4" actId="14100"/>
+      <pc:docMkLst>
+        <pc:docMk/>
+      </pc:docMkLst>
+      <pc:sldChg chg="addSp delSp modSp mod">
+        <pc:chgData name="Paulo António Tavares Abade" userId="c7e8cc63-a5fc-427a-a897-b95c08b7d266" providerId="ADAL" clId="{1E74A60B-70DE-4081-9950-13C8772E2BB0}" dt="2025-06-03T15:02:46.646" v="4" actId="14100"/>
+        <pc:sldMkLst>
+          <pc:docMk/>
+          <pc:sldMk cId="2237201746" sldId="258"/>
+        </pc:sldMkLst>
+        <pc:spChg chg="add del mod">
+          <ac:chgData name="Paulo António Tavares Abade" userId="c7e8cc63-a5fc-427a-a897-b95c08b7d266" providerId="ADAL" clId="{1E74A60B-70DE-4081-9950-13C8772E2BB0}" dt="2025-06-03T15:02:41.226" v="2" actId="21"/>
+          <ac:spMkLst>
+            <pc:docMk/>
+            <pc:sldMk cId="2237201746" sldId="258"/>
+            <ac:spMk id="4" creationId="{3D67375B-FB69-E0F4-8690-6B9914DDE7CD}"/>
+          </ac:spMkLst>
+        </pc:spChg>
+        <pc:picChg chg="del">
+          <ac:chgData name="Paulo António Tavares Abade" userId="c7e8cc63-a5fc-427a-a897-b95c08b7d266" providerId="ADAL" clId="{1E74A60B-70DE-4081-9950-13C8772E2BB0}" dt="2025-06-03T15:02:31.453" v="0" actId="478"/>
+          <ac:picMkLst>
+            <pc:docMk/>
+            <pc:sldMk cId="2237201746" sldId="258"/>
+            <ac:picMk id="5" creationId="{94BD0D18-0A76-0BB3-CBE1-5D1D9906E211}"/>
+          </ac:picMkLst>
+        </pc:picChg>
+        <pc:picChg chg="add mod">
+          <ac:chgData name="Paulo António Tavares Abade" userId="c7e8cc63-a5fc-427a-a897-b95c08b7d266" providerId="ADAL" clId="{1E74A60B-70DE-4081-9950-13C8772E2BB0}" dt="2025-06-03T15:02:46.646" v="4" actId="14100"/>
+          <ac:picMkLst>
+            <pc:docMk/>
+            <pc:sldMk cId="2237201746" sldId="258"/>
+            <ac:picMk id="7" creationId="{12DA267E-5040-8206-B70A-8ECD45FCBA12}"/>
+          </ac:picMkLst>
+        </pc:picChg>
+      </pc:sldChg>
+    </pc:docChg>
+  </pc:docChgLst>
+</pc:chgInfo>
 </file>
 
 <file path=ppt/diagrams/colors1.xml><?xml version="1.0" encoding="utf-8"?>
@@ -5598,7 +5643,7 @@
           <a:p>
             <a:fld id="{CC057153-B650-4DEB-B370-79DDCFDCE934}" type="slidenum">
               <a:rPr lang="en-US" smtClean="0"/>
-              <a:t>‹#›</a:t>
+              <a:t>‹nº›</a:t>
             </a:fld>
             <a:endParaRPr lang="en-US"/>
           </a:p>
@@ -5806,7 +5851,7 @@
           <a:p>
             <a:fld id="{CC057153-B650-4DEB-B370-79DDCFDCE934}" type="slidenum">
               <a:rPr lang="en-US" smtClean="0"/>
-              <a:t>‹#›</a:t>
+              <a:t>‹nº›</a:t>
             </a:fld>
             <a:endParaRPr lang="en-US"/>
           </a:p>
@@ -6016,7 +6061,7 @@
           <a:p>
             <a:fld id="{CC057153-B650-4DEB-B370-79DDCFDCE934}" type="slidenum">
               <a:rPr lang="en-US" smtClean="0"/>
-              <a:t>‹#›</a:t>
+              <a:t>‹nº›</a:t>
             </a:fld>
             <a:endParaRPr lang="en-US"/>
           </a:p>
@@ -6214,7 +6259,7 @@
           <a:p>
             <a:fld id="{CC057153-B650-4DEB-B370-79DDCFDCE934}" type="slidenum">
               <a:rPr lang="en-US" smtClean="0"/>
-              <a:t>‹#›</a:t>
+              <a:t>‹nº›</a:t>
             </a:fld>
             <a:endParaRPr lang="en-US"/>
           </a:p>
@@ -6492,7 +6537,7 @@
           <a:p>
             <a:fld id="{CC057153-B650-4DEB-B370-79DDCFDCE934}" type="slidenum">
               <a:rPr lang="en-US" smtClean="0"/>
-              <a:t>‹#›</a:t>
+              <a:t>‹nº›</a:t>
             </a:fld>
             <a:endParaRPr lang="en-US"/>
           </a:p>
@@ -6764,7 +6809,7 @@
           <a:p>
             <a:fld id="{CC057153-B650-4DEB-B370-79DDCFDCE934}" type="slidenum">
               <a:rPr lang="en-US" smtClean="0"/>
-              <a:t>‹#›</a:t>
+              <a:t>‹nº›</a:t>
             </a:fld>
             <a:endParaRPr lang="en-US"/>
           </a:p>
@@ -7188,7 +7233,7 @@
           <a:p>
             <a:fld id="{CC057153-B650-4DEB-B370-79DDCFDCE934}" type="slidenum">
               <a:rPr lang="en-US" smtClean="0"/>
-              <a:t>‹#›</a:t>
+              <a:t>‹nº›</a:t>
             </a:fld>
             <a:endParaRPr lang="en-US"/>
           </a:p>
@@ -7329,7 +7374,7 @@
           <a:p>
             <a:fld id="{CC057153-B650-4DEB-B370-79DDCFDCE934}" type="slidenum">
               <a:rPr lang="en-US" smtClean="0"/>
-              <a:t>‹#›</a:t>
+              <a:t>‹nº›</a:t>
             </a:fld>
             <a:endParaRPr lang="en-US"/>
           </a:p>
@@ -7442,7 +7487,7 @@
           <a:p>
             <a:fld id="{CC057153-B650-4DEB-B370-79DDCFDCE934}" type="slidenum">
               <a:rPr lang="en-US" smtClean="0"/>
-              <a:t>‹#›</a:t>
+              <a:t>‹nº›</a:t>
             </a:fld>
             <a:endParaRPr lang="en-US"/>
           </a:p>
@@ -7761,7 +7806,7 @@
           <a:p>
             <a:fld id="{CC057153-B650-4DEB-B370-79DDCFDCE934}" type="slidenum">
               <a:rPr lang="en-US" smtClean="0"/>
-              <a:t>‹#›</a:t>
+              <a:t>‹nº›</a:t>
             </a:fld>
             <a:endParaRPr lang="en-US"/>
           </a:p>
@@ -8055,7 +8100,7 @@
           <a:p>
             <a:fld id="{CC057153-B650-4DEB-B370-79DDCFDCE934}" type="slidenum">
               <a:rPr lang="en-US" smtClean="0"/>
-              <a:t>‹#›</a:t>
+              <a:t>‹nº›</a:t>
             </a:fld>
             <a:endParaRPr lang="en-US"/>
           </a:p>
@@ -8328,7 +8373,7 @@
           <a:p>
             <a:fld id="{CC057153-B650-4DEB-B370-79DDCFDCE934}" type="slidenum">
               <a:rPr lang="en-US" smtClean="0"/>
-              <a:t>‹#›</a:t>
+              <a:t>‹nº›</a:t>
             </a:fld>
             <a:endParaRPr lang="en-US"/>
           </a:p>
@@ -12349,36 +12394,28 @@
       </p:sp>
       <p:pic>
         <p:nvPicPr>
-          <p:cNvPr id="5" name="Content Placeholder 4" descr="A diagram of a cloud computing system&#10;&#10;AI-generated content may be incorrect.">
-            <a:extLst>
-              <a:ext uri="{FF2B5EF4-FFF2-40B4-BE49-F238E27FC236}">
-                <a16:creationId xmlns:a16="http://schemas.microsoft.com/office/drawing/2014/main" id="{94BD0D18-0A76-0BB3-CBE1-5D1D9906E211}"/>
+          <p:cNvPr id="7" name="Imagem 6">
+            <a:extLst>
+              <a:ext uri="{FF2B5EF4-FFF2-40B4-BE49-F238E27FC236}">
+                <a16:creationId xmlns:a16="http://schemas.microsoft.com/office/drawing/2014/main" id="{12DA267E-5040-8206-B70A-8ECD45FCBA12}"/>
               </a:ext>
             </a:extLst>
           </p:cNvPr>
           <p:cNvPicPr>
-            <a:picLocks noGrp="1" noChangeAspect="1"/>
+            <a:picLocks noChangeAspect="1"/>
           </p:cNvPicPr>
-          <p:nvPr>
-            <p:ph idx="1"/>
-          </p:nvPr>
+          <p:nvPr/>
         </p:nvPicPr>
         <p:blipFill>
-          <a:blip r:embed="rId2">
-            <a:extLst>
-              <a:ext uri="{28A0092B-C50C-407E-A947-70E740481C1C}">
-                <a14:useLocalDpi xmlns:a14="http://schemas.microsoft.com/office/drawing/2010/main" val="0"/>
-              </a:ext>
-            </a:extLst>
-          </a:blip>
+          <a:blip r:embed="rId2"/>
           <a:stretch>
             <a:fillRect/>
           </a:stretch>
         </p:blipFill>
         <p:spPr>
           <a:xfrm>
-            <a:off x="1994916" y="2612230"/>
-            <a:ext cx="8202168" cy="2911770"/>
+            <a:off x="1838722" y="1904787"/>
+            <a:ext cx="8736341" cy="3490173"/>
           </a:xfrm>
           <a:prstGeom prst="rect">
             <a:avLst/>
